--- a/presentation/GDS presentation.pptx
+++ b/presentation/GDS presentation.pptx
@@ -1,36 +1,26 @@
 
 <file path=ppt/presentation.xml><?xml version="1.0" encoding="utf-8"?>
-<p:presentation xmlns:a="http://schemas.openxmlformats.org/drawingml/2006/main" xmlns:r="http://schemas.openxmlformats.org/officeDocument/2006/relationships" xmlns:mc="http://schemas.openxmlformats.org/markup-compatibility/2006" xmlns:mv="urn:schemas-microsoft-com:mac:vml" xmlns:p="http://schemas.openxmlformats.org/presentationml/2006/main" xmlns:c="http://schemas.openxmlformats.org/drawingml/2006/chart" xmlns:dgm="http://schemas.openxmlformats.org/drawingml/2006/diagram" xmlns:o="urn:schemas-microsoft-com:office:office" xmlns:v="urn:schemas-microsoft-com:vml" xmlns:pvml="urn:schemas-microsoft-com:office:powerpoint" xmlns:com="http://schemas.openxmlformats.org/drawingml/2006/compatibility" xmlns:p14="http://schemas.microsoft.com/office/powerpoint/2010/main" xmlns:p15="http://schemas.microsoft.com/office/powerpoint/2012/main" autoCompressPictures="0" embedTrueTypeFonts="1" strictFirstAndLastChars="0" saveSubsetFonts="1">
+<p:presentation xmlns:a="http://schemas.openxmlformats.org/drawingml/2006/main" xmlns:r="http://schemas.openxmlformats.org/officeDocument/2006/relationships" xmlns:mc="http://schemas.openxmlformats.org/markup-compatibility/2006" xmlns:mv="urn:schemas-microsoft-com:mac:vml" xmlns:p="http://schemas.openxmlformats.org/presentationml/2006/main" xmlns:c="http://schemas.openxmlformats.org/drawingml/2006/chart" xmlns:dgm="http://schemas.openxmlformats.org/drawingml/2006/diagram" xmlns:o="urn:schemas-microsoft-com:office:office" xmlns:v="urn:schemas-microsoft-com:vml" xmlns:pvml="urn:schemas-microsoft-com:office:powerpoint" xmlns:com="http://schemas.openxmlformats.org/drawingml/2006/compatibility" xmlns:p14="http://schemas.microsoft.com/office/powerpoint/2010/main" xmlns:p15="http://schemas.microsoft.com/office/powerpoint/2012/main" autoCompressPictures="0" strictFirstAndLastChars="0" saveSubsetFonts="1">
   <p:sldMasterIdLst>
-    <p:sldMasterId id="2147483659" r:id="rId4"/>
+    <p:sldMasterId id="2147483648" r:id="rId3"/>
   </p:sldMasterIdLst>
   <p:notesMasterIdLst>
-    <p:notesMasterId r:id="rId5"/>
+    <p:notesMasterId r:id="rId4"/>
   </p:notesMasterIdLst>
   <p:sldIdLst>
-    <p:sldId id="256" r:id="rId6"/>
-    <p:sldId id="257" r:id="rId7"/>
-    <p:sldId id="258" r:id="rId8"/>
-    <p:sldId id="259" r:id="rId9"/>
-    <p:sldId id="260" r:id="rId10"/>
-    <p:sldId id="261" r:id="rId11"/>
-    <p:sldId id="262" r:id="rId12"/>
-    <p:sldId id="263" r:id="rId13"/>
-    <p:sldId id="264" r:id="rId14"/>
-    <p:sldId id="265" r:id="rId15"/>
-    <p:sldId id="266" r:id="rId16"/>
+    <p:sldId id="256" r:id="rId5"/>
+    <p:sldId id="257" r:id="rId6"/>
+    <p:sldId id="258" r:id="rId7"/>
+    <p:sldId id="259" r:id="rId8"/>
+    <p:sldId id="260" r:id="rId9"/>
+    <p:sldId id="261" r:id="rId10"/>
+    <p:sldId id="262" r:id="rId11"/>
+    <p:sldId id="263" r:id="rId12"/>
+    <p:sldId id="264" r:id="rId13"/>
+    <p:sldId id="265" r:id="rId14"/>
   </p:sldIdLst>
   <p:sldSz cy="5143500" cx="9144000"/>
   <p:notesSz cx="6858000" cy="9144000"/>
-  <p:embeddedFontLst>
-    <p:embeddedFont>
-      <p:font typeface="Nunito"/>
-      <p:regular r:id="rId17"/>
-      <p:bold r:id="rId18"/>
-      <p:italic r:id="rId19"/>
-      <p:boldItalic r:id="rId20"/>
-    </p:embeddedFont>
-  </p:embeddedFontLst>
   <p:defaultTextStyle>
     <a:defPPr lvl="0" marR="0" rtl="0" algn="l">
       <a:lnSpc>
@@ -261,19 +251,8 @@
     </a:lvl9pPr>
   </p:defaultTextStyle>
   <p:extLst>
-    <p:ext uri="{EFAFB233-063F-42B5-8137-9DF3F51BA10A}">
-      <p15:sldGuideLst>
-        <p15:guide id="1" orient="horz" pos="1620">
-          <p15:clr>
-            <a:srgbClr val="A4A3A4"/>
-          </p15:clr>
-        </p15:guide>
-        <p15:guide id="2" pos="2880">
-          <p15:clr>
-            <a:srgbClr val="A4A3A4"/>
-          </p15:clr>
-        </p15:guide>
-      </p15:sldGuideLst>
+    <p:ext uri="http://customooxmlschemas.google.com/">
+      <go:slidesCustomData xmlns:go="http://customooxmlschemas.google.com/" r:id="rId15" roundtripDataSignature="AMtx7mh1OAIajvgVYpe2vgemozYbcELWhA=="/>
     </p:ext>
   </p:extLst>
 </p:presentation>
@@ -306,8 +285,8 @@
         </p:nvSpPr>
         <p:spPr>
           <a:xfrm>
-            <a:off x="381300" y="685800"/>
-            <a:ext cx="6096075" cy="3429000"/>
+            <a:off x="1143225" y="685800"/>
+            <a:ext cx="4572225" cy="3429000"/>
           </a:xfrm>
           <a:custGeom>
             <a:rect b="b" l="l" r="r" t="t"/>
@@ -365,102 +344,102 @@
         <p:txBody>
           <a:bodyPr anchorCtr="0" anchor="t" bIns="91425" lIns="91425" spcFirstLastPara="1" rIns="91425" wrap="square" tIns="91425"/>
           <a:lstStyle>
-            <a:lvl1pPr indent="-317500" lvl="0" marL="457200">
-              <a:spcBef>
-                <a:spcPts val="0"/>
-              </a:spcBef>
-              <a:spcAft>
-                <a:spcPts val="0"/>
-              </a:spcAft>
-              <a:buSzPts val="1400"/>
+            <a:lvl1pPr indent="-298450" lvl="0" marL="457200">
+              <a:spcBef>
+                <a:spcPts val="0"/>
+              </a:spcBef>
+              <a:spcAft>
+                <a:spcPts val="0"/>
+              </a:spcAft>
+              <a:buSzPts val="1100"/>
               <a:buChar char="●"/>
               <a:defRPr sz="1100"/>
             </a:lvl1pPr>
-            <a:lvl2pPr indent="-317500" lvl="1" marL="914400">
-              <a:spcBef>
-                <a:spcPts val="0"/>
-              </a:spcBef>
-              <a:spcAft>
-                <a:spcPts val="0"/>
-              </a:spcAft>
-              <a:buSzPts val="1400"/>
+            <a:lvl2pPr indent="-298450" lvl="1" marL="914400">
+              <a:spcBef>
+                <a:spcPts val="0"/>
+              </a:spcBef>
+              <a:spcAft>
+                <a:spcPts val="0"/>
+              </a:spcAft>
+              <a:buSzPts val="1100"/>
               <a:buChar char="○"/>
               <a:defRPr sz="1100"/>
             </a:lvl2pPr>
-            <a:lvl3pPr indent="-317500" lvl="2" marL="1371600">
-              <a:spcBef>
-                <a:spcPts val="0"/>
-              </a:spcBef>
-              <a:spcAft>
-                <a:spcPts val="0"/>
-              </a:spcAft>
-              <a:buSzPts val="1400"/>
+            <a:lvl3pPr indent="-298450" lvl="2" marL="1371600">
+              <a:spcBef>
+                <a:spcPts val="0"/>
+              </a:spcBef>
+              <a:spcAft>
+                <a:spcPts val="0"/>
+              </a:spcAft>
+              <a:buSzPts val="1100"/>
               <a:buChar char="■"/>
               <a:defRPr sz="1100"/>
             </a:lvl3pPr>
-            <a:lvl4pPr indent="-317500" lvl="3" marL="1828800">
-              <a:spcBef>
-                <a:spcPts val="0"/>
-              </a:spcBef>
-              <a:spcAft>
-                <a:spcPts val="0"/>
-              </a:spcAft>
-              <a:buSzPts val="1400"/>
+            <a:lvl4pPr indent="-298450" lvl="3" marL="1828800">
+              <a:spcBef>
+                <a:spcPts val="0"/>
+              </a:spcBef>
+              <a:spcAft>
+                <a:spcPts val="0"/>
+              </a:spcAft>
+              <a:buSzPts val="1100"/>
               <a:buChar char="●"/>
               <a:defRPr sz="1100"/>
             </a:lvl4pPr>
-            <a:lvl5pPr indent="-317500" lvl="4" marL="2286000">
-              <a:spcBef>
-                <a:spcPts val="0"/>
-              </a:spcBef>
-              <a:spcAft>
-                <a:spcPts val="0"/>
-              </a:spcAft>
-              <a:buSzPts val="1400"/>
+            <a:lvl5pPr indent="-298450" lvl="4" marL="2286000">
+              <a:spcBef>
+                <a:spcPts val="0"/>
+              </a:spcBef>
+              <a:spcAft>
+                <a:spcPts val="0"/>
+              </a:spcAft>
+              <a:buSzPts val="1100"/>
               <a:buChar char="○"/>
               <a:defRPr sz="1100"/>
             </a:lvl5pPr>
-            <a:lvl6pPr indent="-317500" lvl="5" marL="2743200">
-              <a:spcBef>
-                <a:spcPts val="0"/>
-              </a:spcBef>
-              <a:spcAft>
-                <a:spcPts val="0"/>
-              </a:spcAft>
-              <a:buSzPts val="1400"/>
+            <a:lvl6pPr indent="-298450" lvl="5" marL="2743200">
+              <a:spcBef>
+                <a:spcPts val="0"/>
+              </a:spcBef>
+              <a:spcAft>
+                <a:spcPts val="0"/>
+              </a:spcAft>
+              <a:buSzPts val="1100"/>
               <a:buChar char="■"/>
               <a:defRPr sz="1100"/>
             </a:lvl6pPr>
-            <a:lvl7pPr indent="-317500" lvl="6" marL="3200400">
-              <a:spcBef>
-                <a:spcPts val="0"/>
-              </a:spcBef>
-              <a:spcAft>
-                <a:spcPts val="0"/>
-              </a:spcAft>
-              <a:buSzPts val="1400"/>
+            <a:lvl7pPr indent="-298450" lvl="6" marL="3200400">
+              <a:spcBef>
+                <a:spcPts val="0"/>
+              </a:spcBef>
+              <a:spcAft>
+                <a:spcPts val="0"/>
+              </a:spcAft>
+              <a:buSzPts val="1100"/>
               <a:buChar char="●"/>
               <a:defRPr sz="1100"/>
             </a:lvl7pPr>
-            <a:lvl8pPr indent="-317500" lvl="7" marL="3657600">
-              <a:spcBef>
-                <a:spcPts val="0"/>
-              </a:spcBef>
-              <a:spcAft>
-                <a:spcPts val="0"/>
-              </a:spcAft>
-              <a:buSzPts val="1400"/>
+            <a:lvl8pPr indent="-298450" lvl="7" marL="3657600">
+              <a:spcBef>
+                <a:spcPts val="0"/>
+              </a:spcBef>
+              <a:spcAft>
+                <a:spcPts val="0"/>
+              </a:spcAft>
+              <a:buSzPts val="1100"/>
               <a:buChar char="○"/>
               <a:defRPr sz="1100"/>
             </a:lvl8pPr>
-            <a:lvl9pPr indent="-317500" lvl="8" marL="4114800">
-              <a:spcBef>
-                <a:spcPts val="0"/>
-              </a:spcBef>
-              <a:spcAft>
-                <a:spcPts val="0"/>
-              </a:spcAft>
-              <a:buSzPts val="1400"/>
+            <a:lvl9pPr indent="-298450" lvl="8" marL="4114800">
+              <a:spcBef>
+                <a:spcPts val="0"/>
+              </a:spcBef>
+              <a:spcAft>
+                <a:spcPts val="0"/>
+              </a:spcAft>
+              <a:buSzPts val="1100"/>
               <a:buChar char="■"/>
               <a:defRPr sz="1100"/>
             </a:lvl9pPr>
@@ -708,7 +687,7 @@
   <p:cSld>
     <p:spTree>
       <p:nvGrpSpPr>
-        <p:cNvPr id="124" name="Shape 124"/>
+        <p:cNvPr id="130" name="Shape 130"/>
         <p:cNvGrpSpPr/>
         <p:nvPr/>
       </p:nvGrpSpPr>
@@ -722,7 +701,46 @@
       </p:grpSpPr>
       <p:sp>
         <p:nvSpPr>
-          <p:cNvPr id="125" name="Google Shape;125;gc6f90357f_0_0:notes"/>
+          <p:cNvPr id="131" name="Google Shape;131;p1:notes"/>
+          <p:cNvSpPr txBox="1"/>
+          <p:nvPr>
+            <p:ph idx="1" type="body"/>
+          </p:nvPr>
+        </p:nvSpPr>
+        <p:spPr>
+          <a:xfrm>
+            <a:off x="685800" y="4343400"/>
+            <a:ext cx="5486400" cy="4114800"/>
+          </a:xfrm>
+          <a:prstGeom prst="rect">
+            <a:avLst/>
+          </a:prstGeom>
+        </p:spPr>
+        <p:txBody>
+          <a:bodyPr anchorCtr="0" anchor="t" bIns="91425" lIns="91425" spcFirstLastPara="1" rIns="91425" wrap="square" tIns="91425">
+            <a:noAutofit/>
+          </a:bodyPr>
+          <a:lstStyle/>
+          <a:p>
+            <a:pPr indent="0" lvl="0" marL="0" rtl="0" algn="l">
+              <a:spcBef>
+                <a:spcPts val="0"/>
+              </a:spcBef>
+              <a:spcAft>
+                <a:spcPts val="0"/>
+              </a:spcAft>
+              <a:buNone/>
+            </a:pPr>
+            <a:r>
+              <a:t/>
+            </a:r>
+            <a:endParaRPr/>
+          </a:p>
+        </p:txBody>
+      </p:sp>
+      <p:sp>
+        <p:nvSpPr>
+          <p:cNvPr id="132" name="Google Shape;132;p1:notes"/>
           <p:cNvSpPr/>
           <p:nvPr>
             <p:ph idx="2" type="sldImg"/>
@@ -730,8 +748,8 @@
         </p:nvSpPr>
         <p:spPr>
           <a:xfrm>
-            <a:off x="381188" y="685800"/>
-            <a:ext cx="6096300" cy="3429000"/>
+            <a:off x="1143225" y="685800"/>
+            <a:ext cx="4572225" cy="3429000"/>
           </a:xfrm>
           <a:custGeom>
             <a:rect b="b" l="l" r="r" t="t"/>
@@ -755,9 +773,34 @@
           </a:custGeom>
         </p:spPr>
       </p:sp>
+    </p:spTree>
+  </p:cSld>
+  <p:clrMapOvr>
+    <a:masterClrMapping/>
+  </p:clrMapOvr>
+</p:notes>
+</file>
+
+<file path=ppt/notesSlides/notesSlide10.xml><?xml version="1.0" encoding="utf-8"?>
+<p:notes xmlns:a="http://schemas.openxmlformats.org/drawingml/2006/main" xmlns:r="http://schemas.openxmlformats.org/officeDocument/2006/relationships" xmlns:mc="http://schemas.openxmlformats.org/markup-compatibility/2006" xmlns:mv="urn:schemas-microsoft-com:mac:vml" xmlns:p="http://schemas.openxmlformats.org/presentationml/2006/main" xmlns:c="http://schemas.openxmlformats.org/drawingml/2006/chart" xmlns:dgm="http://schemas.openxmlformats.org/drawingml/2006/diagram" xmlns:o="urn:schemas-microsoft-com:office:office" xmlns:v="urn:schemas-microsoft-com:vml" xmlns:pvml="urn:schemas-microsoft-com:office:powerpoint" xmlns:com="http://schemas.openxmlformats.org/drawingml/2006/compatibility" xmlns:p14="http://schemas.microsoft.com/office/powerpoint/2010/main" xmlns:p15="http://schemas.microsoft.com/office/powerpoint/2012/main" showMasterPhAnim="0" showMasterSp="0">
+  <p:cSld>
+    <p:spTree>
+      <p:nvGrpSpPr>
+        <p:cNvPr id="193" name="Shape 193"/>
+        <p:cNvGrpSpPr/>
+        <p:nvPr/>
+      </p:nvGrpSpPr>
+      <p:grpSpPr>
+        <a:xfrm>
+          <a:off x="0" y="0"/>
+          <a:ext cx="0" cy="0"/>
+          <a:chOff x="0" y="0"/>
+          <a:chExt cx="0" cy="0"/>
+        </a:xfrm>
+      </p:grpSpPr>
       <p:sp>
         <p:nvSpPr>
-          <p:cNvPr id="126" name="Google Shape;126;gc6f90357f_0_0:notes"/>
+          <p:cNvPr id="194" name="Google Shape;194;p10:notes"/>
           <p:cNvSpPr txBox="1"/>
           <p:nvPr>
             <p:ph idx="1" type="body"/>
@@ -794,34 +837,9 @@
           </a:p>
         </p:txBody>
       </p:sp>
-    </p:spTree>
-  </p:cSld>
-  <p:clrMapOvr>
-    <a:masterClrMapping/>
-  </p:clrMapOvr>
-</p:notes>
-</file>
-
-<file path=ppt/notesSlides/notesSlide10.xml><?xml version="1.0" encoding="utf-8"?>
-<p:notes xmlns:a="http://schemas.openxmlformats.org/drawingml/2006/main" xmlns:r="http://schemas.openxmlformats.org/officeDocument/2006/relationships" xmlns:mc="http://schemas.openxmlformats.org/markup-compatibility/2006" xmlns:mv="urn:schemas-microsoft-com:mac:vml" xmlns:p="http://schemas.openxmlformats.org/presentationml/2006/main" xmlns:c="http://schemas.openxmlformats.org/drawingml/2006/chart" xmlns:dgm="http://schemas.openxmlformats.org/drawingml/2006/diagram" xmlns:o="urn:schemas-microsoft-com:office:office" xmlns:v="urn:schemas-microsoft-com:vml" xmlns:pvml="urn:schemas-microsoft-com:office:powerpoint" xmlns:com="http://schemas.openxmlformats.org/drawingml/2006/compatibility" xmlns:p14="http://schemas.microsoft.com/office/powerpoint/2010/main" xmlns:p15="http://schemas.microsoft.com/office/powerpoint/2012/main" showMasterPhAnim="0" showMasterSp="0">
-  <p:cSld>
-    <p:spTree>
-      <p:nvGrpSpPr>
-        <p:cNvPr id="180" name="Shape 180"/>
-        <p:cNvGrpSpPr/>
-        <p:nvPr/>
-      </p:nvGrpSpPr>
-      <p:grpSpPr>
-        <a:xfrm>
-          <a:off x="0" y="0"/>
-          <a:ext cx="0" cy="0"/>
-          <a:chOff x="0" y="0"/>
-          <a:chExt cx="0" cy="0"/>
-        </a:xfrm>
-      </p:grpSpPr>
       <p:sp>
         <p:nvSpPr>
-          <p:cNvPr id="181" name="Google Shape;181;g58945b3d0b_0_0:notes"/>
+          <p:cNvPr id="195" name="Google Shape;195;p10:notes"/>
           <p:cNvSpPr/>
           <p:nvPr>
             <p:ph idx="2" type="sldImg"/>
@@ -829,8 +847,8 @@
         </p:nvSpPr>
         <p:spPr>
           <a:xfrm>
-            <a:off x="381300" y="685800"/>
-            <a:ext cx="6096000" cy="3429000"/>
+            <a:off x="1143225" y="685800"/>
+            <a:ext cx="4572225" cy="3429000"/>
           </a:xfrm>
           <a:custGeom>
             <a:rect b="b" l="l" r="r" t="t"/>
@@ -854,9 +872,34 @@
           </a:custGeom>
         </p:spPr>
       </p:sp>
+    </p:spTree>
+  </p:cSld>
+  <p:clrMapOvr>
+    <a:masterClrMapping/>
+  </p:clrMapOvr>
+</p:notes>
+</file>
+
+<file path=ppt/notesSlides/notesSlide2.xml><?xml version="1.0" encoding="utf-8"?>
+<p:notes xmlns:a="http://schemas.openxmlformats.org/drawingml/2006/main" xmlns:r="http://schemas.openxmlformats.org/officeDocument/2006/relationships" xmlns:mc="http://schemas.openxmlformats.org/markup-compatibility/2006" xmlns:mv="urn:schemas-microsoft-com:mac:vml" xmlns:p="http://schemas.openxmlformats.org/presentationml/2006/main" xmlns:c="http://schemas.openxmlformats.org/drawingml/2006/chart" xmlns:dgm="http://schemas.openxmlformats.org/drawingml/2006/diagram" xmlns:o="urn:schemas-microsoft-com:office:office" xmlns:v="urn:schemas-microsoft-com:vml" xmlns:pvml="urn:schemas-microsoft-com:office:powerpoint" xmlns:com="http://schemas.openxmlformats.org/drawingml/2006/compatibility" xmlns:p14="http://schemas.microsoft.com/office/powerpoint/2010/main" xmlns:p15="http://schemas.microsoft.com/office/powerpoint/2012/main" showMasterPhAnim="0" showMasterSp="0">
+  <p:cSld>
+    <p:spTree>
+      <p:nvGrpSpPr>
+        <p:cNvPr id="136" name="Shape 136"/>
+        <p:cNvGrpSpPr/>
+        <p:nvPr/>
+      </p:nvGrpSpPr>
+      <p:grpSpPr>
+        <a:xfrm>
+          <a:off x="0" y="0"/>
+          <a:ext cx="0" cy="0"/>
+          <a:chOff x="0" y="0"/>
+          <a:chExt cx="0" cy="0"/>
+        </a:xfrm>
+      </p:grpSpPr>
       <p:sp>
         <p:nvSpPr>
-          <p:cNvPr id="182" name="Google Shape;182;g58945b3d0b_0_0:notes"/>
+          <p:cNvPr id="137" name="Google Shape;137;p2:notes"/>
           <p:cNvSpPr txBox="1"/>
           <p:nvPr>
             <p:ph idx="1" type="body"/>
@@ -893,34 +936,9 @@
           </a:p>
         </p:txBody>
       </p:sp>
-    </p:spTree>
-  </p:cSld>
-  <p:clrMapOvr>
-    <a:masterClrMapping/>
-  </p:clrMapOvr>
-</p:notes>
-</file>
-
-<file path=ppt/notesSlides/notesSlide11.xml><?xml version="1.0" encoding="utf-8"?>
-<p:notes xmlns:a="http://schemas.openxmlformats.org/drawingml/2006/main" xmlns:r="http://schemas.openxmlformats.org/officeDocument/2006/relationships" xmlns:mc="http://schemas.openxmlformats.org/markup-compatibility/2006" xmlns:mv="urn:schemas-microsoft-com:mac:vml" xmlns:p="http://schemas.openxmlformats.org/presentationml/2006/main" xmlns:c="http://schemas.openxmlformats.org/drawingml/2006/chart" xmlns:dgm="http://schemas.openxmlformats.org/drawingml/2006/diagram" xmlns:o="urn:schemas-microsoft-com:office:office" xmlns:v="urn:schemas-microsoft-com:vml" xmlns:pvml="urn:schemas-microsoft-com:office:powerpoint" xmlns:com="http://schemas.openxmlformats.org/drawingml/2006/compatibility" xmlns:p14="http://schemas.microsoft.com/office/powerpoint/2010/main" xmlns:p15="http://schemas.microsoft.com/office/powerpoint/2012/main" showMasterPhAnim="0" showMasterSp="0">
-  <p:cSld>
-    <p:spTree>
-      <p:nvGrpSpPr>
-        <p:cNvPr id="186" name="Shape 186"/>
-        <p:cNvGrpSpPr/>
-        <p:nvPr/>
-      </p:nvGrpSpPr>
-      <p:grpSpPr>
-        <a:xfrm>
-          <a:off x="0" y="0"/>
-          <a:ext cx="0" cy="0"/>
-          <a:chOff x="0" y="0"/>
-          <a:chExt cx="0" cy="0"/>
-        </a:xfrm>
-      </p:grpSpPr>
       <p:sp>
         <p:nvSpPr>
-          <p:cNvPr id="187" name="Google Shape;187;g58943af6e5_0_8:notes"/>
+          <p:cNvPr id="138" name="Google Shape;138;p2:notes"/>
           <p:cNvSpPr/>
           <p:nvPr>
             <p:ph idx="2" type="sldImg"/>
@@ -928,8 +946,8 @@
         </p:nvSpPr>
         <p:spPr>
           <a:xfrm>
-            <a:off x="381300" y="685800"/>
-            <a:ext cx="6096000" cy="3429000"/>
+            <a:off x="1143225" y="685800"/>
+            <a:ext cx="4572225" cy="3429000"/>
           </a:xfrm>
           <a:custGeom>
             <a:rect b="b" l="l" r="r" t="t"/>
@@ -953,9 +971,34 @@
           </a:custGeom>
         </p:spPr>
       </p:sp>
+    </p:spTree>
+  </p:cSld>
+  <p:clrMapOvr>
+    <a:masterClrMapping/>
+  </p:clrMapOvr>
+</p:notes>
+</file>
+
+<file path=ppt/notesSlides/notesSlide3.xml><?xml version="1.0" encoding="utf-8"?>
+<p:notes xmlns:a="http://schemas.openxmlformats.org/drawingml/2006/main" xmlns:r="http://schemas.openxmlformats.org/officeDocument/2006/relationships" xmlns:mc="http://schemas.openxmlformats.org/markup-compatibility/2006" xmlns:mv="urn:schemas-microsoft-com:mac:vml" xmlns:p="http://schemas.openxmlformats.org/presentationml/2006/main" xmlns:c="http://schemas.openxmlformats.org/drawingml/2006/chart" xmlns:dgm="http://schemas.openxmlformats.org/drawingml/2006/diagram" xmlns:o="urn:schemas-microsoft-com:office:office" xmlns:v="urn:schemas-microsoft-com:vml" xmlns:pvml="urn:schemas-microsoft-com:office:powerpoint" xmlns:com="http://schemas.openxmlformats.org/drawingml/2006/compatibility" xmlns:p14="http://schemas.microsoft.com/office/powerpoint/2010/main" xmlns:p15="http://schemas.microsoft.com/office/powerpoint/2012/main" showMasterPhAnim="0" showMasterSp="0">
+  <p:cSld>
+    <p:spTree>
+      <p:nvGrpSpPr>
+        <p:cNvPr id="144" name="Shape 144"/>
+        <p:cNvGrpSpPr/>
+        <p:nvPr/>
+      </p:nvGrpSpPr>
+      <p:grpSpPr>
+        <a:xfrm>
+          <a:off x="0" y="0"/>
+          <a:ext cx="0" cy="0"/>
+          <a:chOff x="0" y="0"/>
+          <a:chExt cx="0" cy="0"/>
+        </a:xfrm>
+      </p:grpSpPr>
       <p:sp>
         <p:nvSpPr>
-          <p:cNvPr id="188" name="Google Shape;188;g58943af6e5_0_8:notes"/>
+          <p:cNvPr id="145" name="Google Shape;145;p3:notes"/>
           <p:cNvSpPr txBox="1"/>
           <p:nvPr>
             <p:ph idx="1" type="body"/>
@@ -992,34 +1035,9 @@
           </a:p>
         </p:txBody>
       </p:sp>
-    </p:spTree>
-  </p:cSld>
-  <p:clrMapOvr>
-    <a:masterClrMapping/>
-  </p:clrMapOvr>
-</p:notes>
-</file>
-
-<file path=ppt/notesSlides/notesSlide2.xml><?xml version="1.0" encoding="utf-8"?>
-<p:notes xmlns:a="http://schemas.openxmlformats.org/drawingml/2006/main" xmlns:r="http://schemas.openxmlformats.org/officeDocument/2006/relationships" xmlns:mc="http://schemas.openxmlformats.org/markup-compatibility/2006" xmlns:mv="urn:schemas-microsoft-com:mac:vml" xmlns:p="http://schemas.openxmlformats.org/presentationml/2006/main" xmlns:c="http://schemas.openxmlformats.org/drawingml/2006/chart" xmlns:dgm="http://schemas.openxmlformats.org/drawingml/2006/diagram" xmlns:o="urn:schemas-microsoft-com:office:office" xmlns:v="urn:schemas-microsoft-com:vml" xmlns:pvml="urn:schemas-microsoft-com:office:powerpoint" xmlns:com="http://schemas.openxmlformats.org/drawingml/2006/compatibility" xmlns:p14="http://schemas.microsoft.com/office/powerpoint/2010/main" xmlns:p15="http://schemas.microsoft.com/office/powerpoint/2012/main" showMasterPhAnim="0" showMasterSp="0">
-  <p:cSld>
-    <p:spTree>
-      <p:nvGrpSpPr>
-        <p:cNvPr id="130" name="Shape 130"/>
-        <p:cNvGrpSpPr/>
-        <p:nvPr/>
-      </p:nvGrpSpPr>
-      <p:grpSpPr>
-        <a:xfrm>
-          <a:off x="0" y="0"/>
-          <a:ext cx="0" cy="0"/>
-          <a:chOff x="0" y="0"/>
-          <a:chExt cx="0" cy="0"/>
-        </a:xfrm>
-      </p:grpSpPr>
       <p:sp>
         <p:nvSpPr>
-          <p:cNvPr id="131" name="Google Shape;131;gc6f90357f_0_13:notes"/>
+          <p:cNvPr id="146" name="Google Shape;146;p3:notes"/>
           <p:cNvSpPr/>
           <p:nvPr>
             <p:ph idx="2" type="sldImg"/>
@@ -1027,8 +1045,8 @@
         </p:nvSpPr>
         <p:spPr>
           <a:xfrm>
-            <a:off x="381188" y="685800"/>
-            <a:ext cx="6096300" cy="3429000"/>
+            <a:off x="1143225" y="685800"/>
+            <a:ext cx="4572225" cy="3429000"/>
           </a:xfrm>
           <a:custGeom>
             <a:rect b="b" l="l" r="r" t="t"/>
@@ -1052,9 +1070,34 @@
           </a:custGeom>
         </p:spPr>
       </p:sp>
+    </p:spTree>
+  </p:cSld>
+  <p:clrMapOvr>
+    <a:masterClrMapping/>
+  </p:clrMapOvr>
+</p:notes>
+</file>
+
+<file path=ppt/notesSlides/notesSlide4.xml><?xml version="1.0" encoding="utf-8"?>
+<p:notes xmlns:a="http://schemas.openxmlformats.org/drawingml/2006/main" xmlns:r="http://schemas.openxmlformats.org/officeDocument/2006/relationships" xmlns:mc="http://schemas.openxmlformats.org/markup-compatibility/2006" xmlns:mv="urn:schemas-microsoft-com:mac:vml" xmlns:p="http://schemas.openxmlformats.org/presentationml/2006/main" xmlns:c="http://schemas.openxmlformats.org/drawingml/2006/chart" xmlns:dgm="http://schemas.openxmlformats.org/drawingml/2006/diagram" xmlns:o="urn:schemas-microsoft-com:office:office" xmlns:v="urn:schemas-microsoft-com:vml" xmlns:pvml="urn:schemas-microsoft-com:office:powerpoint" xmlns:com="http://schemas.openxmlformats.org/drawingml/2006/compatibility" xmlns:p14="http://schemas.microsoft.com/office/powerpoint/2010/main" xmlns:p15="http://schemas.microsoft.com/office/powerpoint/2012/main" showMasterPhAnim="0" showMasterSp="0">
+  <p:cSld>
+    <p:spTree>
+      <p:nvGrpSpPr>
+        <p:cNvPr id="151" name="Shape 151"/>
+        <p:cNvGrpSpPr/>
+        <p:nvPr/>
+      </p:nvGrpSpPr>
+      <p:grpSpPr>
+        <a:xfrm>
+          <a:off x="0" y="0"/>
+          <a:ext cx="0" cy="0"/>
+          <a:chOff x="0" y="0"/>
+          <a:chExt cx="0" cy="0"/>
+        </a:xfrm>
+      </p:grpSpPr>
       <p:sp>
         <p:nvSpPr>
-          <p:cNvPr id="132" name="Google Shape;132;gc6f90357f_0_13:notes"/>
+          <p:cNvPr id="152" name="Google Shape;152;p4:notes"/>
           <p:cNvSpPr txBox="1"/>
           <p:nvPr>
             <p:ph idx="1" type="body"/>
@@ -1091,34 +1134,9 @@
           </a:p>
         </p:txBody>
       </p:sp>
-    </p:spTree>
-  </p:cSld>
-  <p:clrMapOvr>
-    <a:masterClrMapping/>
-  </p:clrMapOvr>
-</p:notes>
-</file>
-
-<file path=ppt/notesSlides/notesSlide3.xml><?xml version="1.0" encoding="utf-8"?>
-<p:notes xmlns:a="http://schemas.openxmlformats.org/drawingml/2006/main" xmlns:r="http://schemas.openxmlformats.org/officeDocument/2006/relationships" xmlns:mc="http://schemas.openxmlformats.org/markup-compatibility/2006" xmlns:mv="urn:schemas-microsoft-com:mac:vml" xmlns:p="http://schemas.openxmlformats.org/presentationml/2006/main" xmlns:c="http://schemas.openxmlformats.org/drawingml/2006/chart" xmlns:dgm="http://schemas.openxmlformats.org/drawingml/2006/diagram" xmlns:o="urn:schemas-microsoft-com:office:office" xmlns:v="urn:schemas-microsoft-com:vml" xmlns:pvml="urn:schemas-microsoft-com:office:powerpoint" xmlns:com="http://schemas.openxmlformats.org/drawingml/2006/compatibility" xmlns:p14="http://schemas.microsoft.com/office/powerpoint/2010/main" xmlns:p15="http://schemas.microsoft.com/office/powerpoint/2012/main" showMasterPhAnim="0" showMasterSp="0">
-  <p:cSld>
-    <p:spTree>
-      <p:nvGrpSpPr>
-        <p:cNvPr id="137" name="Shape 137"/>
-        <p:cNvGrpSpPr/>
-        <p:nvPr/>
-      </p:nvGrpSpPr>
-      <p:grpSpPr>
-        <a:xfrm>
-          <a:off x="0" y="0"/>
-          <a:ext cx="0" cy="0"/>
-          <a:chOff x="0" y="0"/>
-          <a:chExt cx="0" cy="0"/>
-        </a:xfrm>
-      </p:grpSpPr>
       <p:sp>
         <p:nvSpPr>
-          <p:cNvPr id="138" name="Google Shape;138;gc6f90357f_0_5:notes"/>
+          <p:cNvPr id="153" name="Google Shape;153;p4:notes"/>
           <p:cNvSpPr/>
           <p:nvPr>
             <p:ph idx="2" type="sldImg"/>
@@ -1126,8 +1144,8 @@
         </p:nvSpPr>
         <p:spPr>
           <a:xfrm>
-            <a:off x="381188" y="685800"/>
-            <a:ext cx="6096300" cy="3429000"/>
+            <a:off x="1143225" y="685800"/>
+            <a:ext cx="4572225" cy="3429000"/>
           </a:xfrm>
           <a:custGeom>
             <a:rect b="b" l="l" r="r" t="t"/>
@@ -1151,9 +1169,34 @@
           </a:custGeom>
         </p:spPr>
       </p:sp>
+    </p:spTree>
+  </p:cSld>
+  <p:clrMapOvr>
+    <a:masterClrMapping/>
+  </p:clrMapOvr>
+</p:notes>
+</file>
+
+<file path=ppt/notesSlides/notesSlide5.xml><?xml version="1.0" encoding="utf-8"?>
+<p:notes xmlns:a="http://schemas.openxmlformats.org/drawingml/2006/main" xmlns:r="http://schemas.openxmlformats.org/officeDocument/2006/relationships" xmlns:mc="http://schemas.openxmlformats.org/markup-compatibility/2006" xmlns:mv="urn:schemas-microsoft-com:mac:vml" xmlns:p="http://schemas.openxmlformats.org/presentationml/2006/main" xmlns:c="http://schemas.openxmlformats.org/drawingml/2006/chart" xmlns:dgm="http://schemas.openxmlformats.org/drawingml/2006/diagram" xmlns:o="urn:schemas-microsoft-com:office:office" xmlns:v="urn:schemas-microsoft-com:vml" xmlns:pvml="urn:schemas-microsoft-com:office:powerpoint" xmlns:com="http://schemas.openxmlformats.org/drawingml/2006/compatibility" xmlns:p14="http://schemas.microsoft.com/office/powerpoint/2010/main" xmlns:p15="http://schemas.microsoft.com/office/powerpoint/2012/main" showMasterPhAnim="0" showMasterSp="0">
+  <p:cSld>
+    <p:spTree>
+      <p:nvGrpSpPr>
+        <p:cNvPr id="158" name="Shape 158"/>
+        <p:cNvGrpSpPr/>
+        <p:nvPr/>
+      </p:nvGrpSpPr>
+      <p:grpSpPr>
+        <a:xfrm>
+          <a:off x="0" y="0"/>
+          <a:ext cx="0" cy="0"/>
+          <a:chOff x="0" y="0"/>
+          <a:chExt cx="0" cy="0"/>
+        </a:xfrm>
+      </p:grpSpPr>
       <p:sp>
         <p:nvSpPr>
-          <p:cNvPr id="139" name="Google Shape;139;gc6f90357f_0_5:notes"/>
+          <p:cNvPr id="159" name="Google Shape;159;p5:notes"/>
           <p:cNvSpPr txBox="1"/>
           <p:nvPr>
             <p:ph idx="1" type="body"/>
@@ -1190,34 +1233,9 @@
           </a:p>
         </p:txBody>
       </p:sp>
-    </p:spTree>
-  </p:cSld>
-  <p:clrMapOvr>
-    <a:masterClrMapping/>
-  </p:clrMapOvr>
-</p:notes>
-</file>
-
-<file path=ppt/notesSlides/notesSlide4.xml><?xml version="1.0" encoding="utf-8"?>
-<p:notes xmlns:a="http://schemas.openxmlformats.org/drawingml/2006/main" xmlns:r="http://schemas.openxmlformats.org/officeDocument/2006/relationships" xmlns:mc="http://schemas.openxmlformats.org/markup-compatibility/2006" xmlns:mv="urn:schemas-microsoft-com:mac:vml" xmlns:p="http://schemas.openxmlformats.org/presentationml/2006/main" xmlns:c="http://schemas.openxmlformats.org/drawingml/2006/chart" xmlns:dgm="http://schemas.openxmlformats.org/drawingml/2006/diagram" xmlns:o="urn:schemas-microsoft-com:office:office" xmlns:v="urn:schemas-microsoft-com:vml" xmlns:pvml="urn:schemas-microsoft-com:office:powerpoint" xmlns:com="http://schemas.openxmlformats.org/drawingml/2006/compatibility" xmlns:p14="http://schemas.microsoft.com/office/powerpoint/2010/main" xmlns:p15="http://schemas.microsoft.com/office/powerpoint/2012/main" showMasterPhAnim="0" showMasterSp="0">
-  <p:cSld>
-    <p:spTree>
-      <p:nvGrpSpPr>
-        <p:cNvPr id="143" name="Shape 143"/>
-        <p:cNvGrpSpPr/>
-        <p:nvPr/>
-      </p:nvGrpSpPr>
-      <p:grpSpPr>
-        <a:xfrm>
-          <a:off x="0" y="0"/>
-          <a:ext cx="0" cy="0"/>
-          <a:chOff x="0" y="0"/>
-          <a:chExt cx="0" cy="0"/>
-        </a:xfrm>
-      </p:grpSpPr>
       <p:sp>
         <p:nvSpPr>
-          <p:cNvPr id="144" name="Google Shape;144;gc6f90357f_0_9:notes"/>
+          <p:cNvPr id="160" name="Google Shape;160;p5:notes"/>
           <p:cNvSpPr/>
           <p:nvPr>
             <p:ph idx="2" type="sldImg"/>
@@ -1225,8 +1243,8 @@
         </p:nvSpPr>
         <p:spPr>
           <a:xfrm>
-            <a:off x="381188" y="685800"/>
-            <a:ext cx="6096300" cy="3429000"/>
+            <a:off x="1143225" y="685800"/>
+            <a:ext cx="4572225" cy="3429000"/>
           </a:xfrm>
           <a:custGeom>
             <a:rect b="b" l="l" r="r" t="t"/>
@@ -1250,9 +1268,34 @@
           </a:custGeom>
         </p:spPr>
       </p:sp>
+    </p:spTree>
+  </p:cSld>
+  <p:clrMapOvr>
+    <a:masterClrMapping/>
+  </p:clrMapOvr>
+</p:notes>
+</file>
+
+<file path=ppt/notesSlides/notesSlide6.xml><?xml version="1.0" encoding="utf-8"?>
+<p:notes xmlns:a="http://schemas.openxmlformats.org/drawingml/2006/main" xmlns:r="http://schemas.openxmlformats.org/officeDocument/2006/relationships" xmlns:mc="http://schemas.openxmlformats.org/markup-compatibility/2006" xmlns:mv="urn:schemas-microsoft-com:mac:vml" xmlns:p="http://schemas.openxmlformats.org/presentationml/2006/main" xmlns:c="http://schemas.openxmlformats.org/drawingml/2006/chart" xmlns:dgm="http://schemas.openxmlformats.org/drawingml/2006/diagram" xmlns:o="urn:schemas-microsoft-com:office:office" xmlns:v="urn:schemas-microsoft-com:vml" xmlns:pvml="urn:schemas-microsoft-com:office:powerpoint" xmlns:com="http://schemas.openxmlformats.org/drawingml/2006/compatibility" xmlns:p14="http://schemas.microsoft.com/office/powerpoint/2010/main" xmlns:p15="http://schemas.microsoft.com/office/powerpoint/2012/main" showMasterPhAnim="0" showMasterSp="0">
+  <p:cSld>
+    <p:spTree>
+      <p:nvGrpSpPr>
+        <p:cNvPr id="165" name="Shape 165"/>
+        <p:cNvGrpSpPr/>
+        <p:nvPr/>
+      </p:nvGrpSpPr>
+      <p:grpSpPr>
+        <a:xfrm>
+          <a:off x="0" y="0"/>
+          <a:ext cx="0" cy="0"/>
+          <a:chOff x="0" y="0"/>
+          <a:chExt cx="0" cy="0"/>
+        </a:xfrm>
+      </p:grpSpPr>
       <p:sp>
         <p:nvSpPr>
-          <p:cNvPr id="145" name="Google Shape;145;gc6f90357f_0_9:notes"/>
+          <p:cNvPr id="166" name="Google Shape;166;p6:notes"/>
           <p:cNvSpPr txBox="1"/>
           <p:nvPr>
             <p:ph idx="1" type="body"/>
@@ -1289,34 +1332,9 @@
           </a:p>
         </p:txBody>
       </p:sp>
-    </p:spTree>
-  </p:cSld>
-  <p:clrMapOvr>
-    <a:masterClrMapping/>
-  </p:clrMapOvr>
-</p:notes>
-</file>
-
-<file path=ppt/notesSlides/notesSlide5.xml><?xml version="1.0" encoding="utf-8"?>
-<p:notes xmlns:a="http://schemas.openxmlformats.org/drawingml/2006/main" xmlns:r="http://schemas.openxmlformats.org/officeDocument/2006/relationships" xmlns:mc="http://schemas.openxmlformats.org/markup-compatibility/2006" xmlns:mv="urn:schemas-microsoft-com:mac:vml" xmlns:p="http://schemas.openxmlformats.org/presentationml/2006/main" xmlns:c="http://schemas.openxmlformats.org/drawingml/2006/chart" xmlns:dgm="http://schemas.openxmlformats.org/drawingml/2006/diagram" xmlns:o="urn:schemas-microsoft-com:office:office" xmlns:v="urn:schemas-microsoft-com:vml" xmlns:pvml="urn:schemas-microsoft-com:office:powerpoint" xmlns:com="http://schemas.openxmlformats.org/drawingml/2006/compatibility" xmlns:p14="http://schemas.microsoft.com/office/powerpoint/2010/main" xmlns:p15="http://schemas.microsoft.com/office/powerpoint/2012/main" showMasterPhAnim="0" showMasterSp="0">
-  <p:cSld>
-    <p:spTree>
-      <p:nvGrpSpPr>
-        <p:cNvPr id="149" name="Shape 149"/>
-        <p:cNvGrpSpPr/>
-        <p:nvPr/>
-      </p:nvGrpSpPr>
-      <p:grpSpPr>
-        <a:xfrm>
-          <a:off x="0" y="0"/>
-          <a:ext cx="0" cy="0"/>
-          <a:chOff x="0" y="0"/>
-          <a:chExt cx="0" cy="0"/>
-        </a:xfrm>
-      </p:grpSpPr>
       <p:sp>
         <p:nvSpPr>
-          <p:cNvPr id="150" name="Google Shape;150;g589326307f_0_2643:notes"/>
+          <p:cNvPr id="167" name="Google Shape;167;p6:notes"/>
           <p:cNvSpPr/>
           <p:nvPr>
             <p:ph idx="2" type="sldImg"/>
@@ -1324,8 +1342,8 @@
         </p:nvSpPr>
         <p:spPr>
           <a:xfrm>
-            <a:off x="381300" y="685800"/>
-            <a:ext cx="6096000" cy="3429000"/>
+            <a:off x="1143225" y="685800"/>
+            <a:ext cx="4572225" cy="3429000"/>
           </a:xfrm>
           <a:custGeom>
             <a:rect b="b" l="l" r="r" t="t"/>
@@ -1349,9 +1367,34 @@
           </a:custGeom>
         </p:spPr>
       </p:sp>
+    </p:spTree>
+  </p:cSld>
+  <p:clrMapOvr>
+    <a:masterClrMapping/>
+  </p:clrMapOvr>
+</p:notes>
+</file>
+
+<file path=ppt/notesSlides/notesSlide7.xml><?xml version="1.0" encoding="utf-8"?>
+<p:notes xmlns:a="http://schemas.openxmlformats.org/drawingml/2006/main" xmlns:r="http://schemas.openxmlformats.org/officeDocument/2006/relationships" xmlns:mc="http://schemas.openxmlformats.org/markup-compatibility/2006" xmlns:mv="urn:schemas-microsoft-com:mac:vml" xmlns:p="http://schemas.openxmlformats.org/presentationml/2006/main" xmlns:c="http://schemas.openxmlformats.org/drawingml/2006/chart" xmlns:dgm="http://schemas.openxmlformats.org/drawingml/2006/diagram" xmlns:o="urn:schemas-microsoft-com:office:office" xmlns:v="urn:schemas-microsoft-com:vml" xmlns:pvml="urn:schemas-microsoft-com:office:powerpoint" xmlns:com="http://schemas.openxmlformats.org/drawingml/2006/compatibility" xmlns:p14="http://schemas.microsoft.com/office/powerpoint/2010/main" xmlns:p15="http://schemas.microsoft.com/office/powerpoint/2012/main" showMasterPhAnim="0" showMasterSp="0">
+  <p:cSld>
+    <p:spTree>
+      <p:nvGrpSpPr>
+        <p:cNvPr id="175" name="Shape 175"/>
+        <p:cNvGrpSpPr/>
+        <p:nvPr/>
+      </p:nvGrpSpPr>
+      <p:grpSpPr>
+        <a:xfrm>
+          <a:off x="0" y="0"/>
+          <a:ext cx="0" cy="0"/>
+          <a:chOff x="0" y="0"/>
+          <a:chExt cx="0" cy="0"/>
+        </a:xfrm>
+      </p:grpSpPr>
       <p:sp>
         <p:nvSpPr>
-          <p:cNvPr id="151" name="Google Shape;151;g589326307f_0_2643:notes"/>
+          <p:cNvPr id="176" name="Google Shape;176;p7:notes"/>
           <p:cNvSpPr txBox="1"/>
           <p:nvPr>
             <p:ph idx="1" type="body"/>
@@ -1388,34 +1431,9 @@
           </a:p>
         </p:txBody>
       </p:sp>
-    </p:spTree>
-  </p:cSld>
-  <p:clrMapOvr>
-    <a:masterClrMapping/>
-  </p:clrMapOvr>
-</p:notes>
-</file>
-
-<file path=ppt/notesSlides/notesSlide6.xml><?xml version="1.0" encoding="utf-8"?>
-<p:notes xmlns:a="http://schemas.openxmlformats.org/drawingml/2006/main" xmlns:r="http://schemas.openxmlformats.org/officeDocument/2006/relationships" xmlns:mc="http://schemas.openxmlformats.org/markup-compatibility/2006" xmlns:mv="urn:schemas-microsoft-com:mac:vml" xmlns:p="http://schemas.openxmlformats.org/presentationml/2006/main" xmlns:c="http://schemas.openxmlformats.org/drawingml/2006/chart" xmlns:dgm="http://schemas.openxmlformats.org/drawingml/2006/diagram" xmlns:o="urn:schemas-microsoft-com:office:office" xmlns:v="urn:schemas-microsoft-com:vml" xmlns:pvml="urn:schemas-microsoft-com:office:powerpoint" xmlns:com="http://schemas.openxmlformats.org/drawingml/2006/compatibility" xmlns:p14="http://schemas.microsoft.com/office/powerpoint/2010/main" xmlns:p15="http://schemas.microsoft.com/office/powerpoint/2012/main" showMasterPhAnim="0" showMasterSp="0">
-  <p:cSld>
-    <p:spTree>
-      <p:nvGrpSpPr>
-        <p:cNvPr id="156" name="Shape 156"/>
-        <p:cNvGrpSpPr/>
-        <p:nvPr/>
-      </p:nvGrpSpPr>
-      <p:grpSpPr>
-        <a:xfrm>
-          <a:off x="0" y="0"/>
-          <a:ext cx="0" cy="0"/>
-          <a:chOff x="0" y="0"/>
-          <a:chExt cx="0" cy="0"/>
-        </a:xfrm>
-      </p:grpSpPr>
       <p:sp>
         <p:nvSpPr>
-          <p:cNvPr id="157" name="Google Shape;157;g589326307f_0_2663:notes"/>
+          <p:cNvPr id="177" name="Google Shape;177;p7:notes"/>
           <p:cNvSpPr/>
           <p:nvPr>
             <p:ph idx="2" type="sldImg"/>
@@ -1423,8 +1441,8 @@
         </p:nvSpPr>
         <p:spPr>
           <a:xfrm>
-            <a:off x="381300" y="685800"/>
-            <a:ext cx="6096000" cy="3429000"/>
+            <a:off x="1143225" y="685800"/>
+            <a:ext cx="4572225" cy="3429000"/>
           </a:xfrm>
           <a:custGeom>
             <a:rect b="b" l="l" r="r" t="t"/>
@@ -1448,9 +1466,34 @@
           </a:custGeom>
         </p:spPr>
       </p:sp>
+    </p:spTree>
+  </p:cSld>
+  <p:clrMapOvr>
+    <a:masterClrMapping/>
+  </p:clrMapOvr>
+</p:notes>
+</file>
+
+<file path=ppt/notesSlides/notesSlide8.xml><?xml version="1.0" encoding="utf-8"?>
+<p:notes xmlns:a="http://schemas.openxmlformats.org/drawingml/2006/main" xmlns:r="http://schemas.openxmlformats.org/officeDocument/2006/relationships" xmlns:mc="http://schemas.openxmlformats.org/markup-compatibility/2006" xmlns:mv="urn:schemas-microsoft-com:mac:vml" xmlns:p="http://schemas.openxmlformats.org/presentationml/2006/main" xmlns:c="http://schemas.openxmlformats.org/drawingml/2006/chart" xmlns:dgm="http://schemas.openxmlformats.org/drawingml/2006/diagram" xmlns:o="urn:schemas-microsoft-com:office:office" xmlns:v="urn:schemas-microsoft-com:vml" xmlns:pvml="urn:schemas-microsoft-com:office:powerpoint" xmlns:com="http://schemas.openxmlformats.org/drawingml/2006/compatibility" xmlns:p14="http://schemas.microsoft.com/office/powerpoint/2010/main" xmlns:p15="http://schemas.microsoft.com/office/powerpoint/2012/main" showMasterPhAnim="0" showMasterSp="0">
+  <p:cSld>
+    <p:spTree>
+      <p:nvGrpSpPr>
+        <p:cNvPr id="181" name="Shape 181"/>
+        <p:cNvGrpSpPr/>
+        <p:nvPr/>
+      </p:nvGrpSpPr>
+      <p:grpSpPr>
+        <a:xfrm>
+          <a:off x="0" y="0"/>
+          <a:ext cx="0" cy="0"/>
+          <a:chOff x="0" y="0"/>
+          <a:chExt cx="0" cy="0"/>
+        </a:xfrm>
+      </p:grpSpPr>
       <p:sp>
         <p:nvSpPr>
-          <p:cNvPr id="158" name="Google Shape;158;g589326307f_0_2663:notes"/>
+          <p:cNvPr id="182" name="Google Shape;182;p8:notes"/>
           <p:cNvSpPr txBox="1"/>
           <p:nvPr>
             <p:ph idx="1" type="body"/>
@@ -1487,34 +1530,9 @@
           </a:p>
         </p:txBody>
       </p:sp>
-    </p:spTree>
-  </p:cSld>
-  <p:clrMapOvr>
-    <a:masterClrMapping/>
-  </p:clrMapOvr>
-</p:notes>
-</file>
-
-<file path=ppt/notesSlides/notesSlide7.xml><?xml version="1.0" encoding="utf-8"?>
-<p:notes xmlns:a="http://schemas.openxmlformats.org/drawingml/2006/main" xmlns:r="http://schemas.openxmlformats.org/officeDocument/2006/relationships" xmlns:mc="http://schemas.openxmlformats.org/markup-compatibility/2006" xmlns:mv="urn:schemas-microsoft-com:mac:vml" xmlns:p="http://schemas.openxmlformats.org/presentationml/2006/main" xmlns:c="http://schemas.openxmlformats.org/drawingml/2006/chart" xmlns:dgm="http://schemas.openxmlformats.org/drawingml/2006/diagram" xmlns:o="urn:schemas-microsoft-com:office:office" xmlns:v="urn:schemas-microsoft-com:vml" xmlns:pvml="urn:schemas-microsoft-com:office:powerpoint" xmlns:com="http://schemas.openxmlformats.org/drawingml/2006/compatibility" xmlns:p14="http://schemas.microsoft.com/office/powerpoint/2010/main" xmlns:p15="http://schemas.microsoft.com/office/powerpoint/2012/main" showMasterPhAnim="0" showMasterSp="0">
-  <p:cSld>
-    <p:spTree>
-      <p:nvGrpSpPr>
-        <p:cNvPr id="162" name="Shape 162"/>
-        <p:cNvGrpSpPr/>
-        <p:nvPr/>
-      </p:nvGrpSpPr>
-      <p:grpSpPr>
-        <a:xfrm>
-          <a:off x="0" y="0"/>
-          <a:ext cx="0" cy="0"/>
-          <a:chOff x="0" y="0"/>
-          <a:chExt cx="0" cy="0"/>
-        </a:xfrm>
-      </p:grpSpPr>
       <p:sp>
         <p:nvSpPr>
-          <p:cNvPr id="163" name="Google Shape;163;g58943af6e5_0_1:notes"/>
+          <p:cNvPr id="183" name="Google Shape;183;p8:notes"/>
           <p:cNvSpPr/>
           <p:nvPr>
             <p:ph idx="2" type="sldImg"/>
@@ -1522,8 +1540,8 @@
         </p:nvSpPr>
         <p:spPr>
           <a:xfrm>
-            <a:off x="381300" y="685800"/>
-            <a:ext cx="6096000" cy="3429000"/>
+            <a:off x="1143225" y="685800"/>
+            <a:ext cx="4572225" cy="3429000"/>
           </a:xfrm>
           <a:custGeom>
             <a:rect b="b" l="l" r="r" t="t"/>
@@ -1547,9 +1565,34 @@
           </a:custGeom>
         </p:spPr>
       </p:sp>
+    </p:spTree>
+  </p:cSld>
+  <p:clrMapOvr>
+    <a:masterClrMapping/>
+  </p:clrMapOvr>
+</p:notes>
+</file>
+
+<file path=ppt/notesSlides/notesSlide9.xml><?xml version="1.0" encoding="utf-8"?>
+<p:notes xmlns:a="http://schemas.openxmlformats.org/drawingml/2006/main" xmlns:r="http://schemas.openxmlformats.org/officeDocument/2006/relationships" xmlns:mc="http://schemas.openxmlformats.org/markup-compatibility/2006" xmlns:mv="urn:schemas-microsoft-com:mac:vml" xmlns:p="http://schemas.openxmlformats.org/presentationml/2006/main" xmlns:c="http://schemas.openxmlformats.org/drawingml/2006/chart" xmlns:dgm="http://schemas.openxmlformats.org/drawingml/2006/diagram" xmlns:o="urn:schemas-microsoft-com:office:office" xmlns:v="urn:schemas-microsoft-com:vml" xmlns:pvml="urn:schemas-microsoft-com:office:powerpoint" xmlns:com="http://schemas.openxmlformats.org/drawingml/2006/compatibility" xmlns:p14="http://schemas.microsoft.com/office/powerpoint/2010/main" xmlns:p15="http://schemas.microsoft.com/office/powerpoint/2012/main" showMasterPhAnim="0" showMasterSp="0">
+  <p:cSld>
+    <p:spTree>
+      <p:nvGrpSpPr>
+        <p:cNvPr id="187" name="Shape 187"/>
+        <p:cNvGrpSpPr/>
+        <p:nvPr/>
+      </p:nvGrpSpPr>
+      <p:grpSpPr>
+        <a:xfrm>
+          <a:off x="0" y="0"/>
+          <a:ext cx="0" cy="0"/>
+          <a:chOff x="0" y="0"/>
+          <a:chExt cx="0" cy="0"/>
+        </a:xfrm>
+      </p:grpSpPr>
       <p:sp>
         <p:nvSpPr>
-          <p:cNvPr id="164" name="Google Shape;164;g58943af6e5_0_1:notes"/>
+          <p:cNvPr id="188" name="Google Shape;188;p9:notes"/>
           <p:cNvSpPr txBox="1"/>
           <p:nvPr>
             <p:ph idx="1" type="body"/>
@@ -1586,34 +1629,9 @@
           </a:p>
         </p:txBody>
       </p:sp>
-    </p:spTree>
-  </p:cSld>
-  <p:clrMapOvr>
-    <a:masterClrMapping/>
-  </p:clrMapOvr>
-</p:notes>
-</file>
-
-<file path=ppt/notesSlides/notesSlide8.xml><?xml version="1.0" encoding="utf-8"?>
-<p:notes xmlns:a="http://schemas.openxmlformats.org/drawingml/2006/main" xmlns:r="http://schemas.openxmlformats.org/officeDocument/2006/relationships" xmlns:mc="http://schemas.openxmlformats.org/markup-compatibility/2006" xmlns:mv="urn:schemas-microsoft-com:mac:vml" xmlns:p="http://schemas.openxmlformats.org/presentationml/2006/main" xmlns:c="http://schemas.openxmlformats.org/drawingml/2006/chart" xmlns:dgm="http://schemas.openxmlformats.org/drawingml/2006/diagram" xmlns:o="urn:schemas-microsoft-com:office:office" xmlns:v="urn:schemas-microsoft-com:vml" xmlns:pvml="urn:schemas-microsoft-com:office:powerpoint" xmlns:com="http://schemas.openxmlformats.org/drawingml/2006/compatibility" xmlns:p14="http://schemas.microsoft.com/office/powerpoint/2010/main" xmlns:p15="http://schemas.microsoft.com/office/powerpoint/2012/main" showMasterPhAnim="0" showMasterSp="0">
-  <p:cSld>
-    <p:spTree>
-      <p:nvGrpSpPr>
-        <p:cNvPr id="168" name="Shape 168"/>
-        <p:cNvGrpSpPr/>
-        <p:nvPr/>
-      </p:nvGrpSpPr>
-      <p:grpSpPr>
-        <a:xfrm>
-          <a:off x="0" y="0"/>
-          <a:ext cx="0" cy="0"/>
-          <a:chOff x="0" y="0"/>
-          <a:chExt cx="0" cy="0"/>
-        </a:xfrm>
-      </p:grpSpPr>
       <p:sp>
         <p:nvSpPr>
-          <p:cNvPr id="169" name="Google Shape;169;g58945b3d0b_0_6:notes"/>
+          <p:cNvPr id="189" name="Google Shape;189;p9:notes"/>
           <p:cNvSpPr/>
           <p:nvPr>
             <p:ph idx="2" type="sldImg"/>
@@ -1621,8 +1639,8 @@
         </p:nvSpPr>
         <p:spPr>
           <a:xfrm>
-            <a:off x="381300" y="685800"/>
-            <a:ext cx="6096000" cy="3429000"/>
+            <a:off x="1143225" y="685800"/>
+            <a:ext cx="4572225" cy="3429000"/>
           </a:xfrm>
           <a:custGeom>
             <a:rect b="b" l="l" r="r" t="t"/>
@@ -1645,144 +1663,6 @@
             </a:pathLst>
           </a:custGeom>
         </p:spPr>
-      </p:sp>
-      <p:sp>
-        <p:nvSpPr>
-          <p:cNvPr id="170" name="Google Shape;170;g58945b3d0b_0_6:notes"/>
-          <p:cNvSpPr txBox="1"/>
-          <p:nvPr>
-            <p:ph idx="1" type="body"/>
-          </p:nvPr>
-        </p:nvSpPr>
-        <p:spPr>
-          <a:xfrm>
-            <a:off x="685800" y="4343400"/>
-            <a:ext cx="5486400" cy="4114800"/>
-          </a:xfrm>
-          <a:prstGeom prst="rect">
-            <a:avLst/>
-          </a:prstGeom>
-        </p:spPr>
-        <p:txBody>
-          <a:bodyPr anchorCtr="0" anchor="t" bIns="91425" lIns="91425" spcFirstLastPara="1" rIns="91425" wrap="square" tIns="91425">
-            <a:noAutofit/>
-          </a:bodyPr>
-          <a:lstStyle/>
-          <a:p>
-            <a:pPr indent="0" lvl="0" marL="0" rtl="0" algn="l">
-              <a:spcBef>
-                <a:spcPts val="0"/>
-              </a:spcBef>
-              <a:spcAft>
-                <a:spcPts val="0"/>
-              </a:spcAft>
-              <a:buNone/>
-            </a:pPr>
-            <a:r>
-              <a:t/>
-            </a:r>
-            <a:endParaRPr/>
-          </a:p>
-        </p:txBody>
-      </p:sp>
-    </p:spTree>
-  </p:cSld>
-  <p:clrMapOvr>
-    <a:masterClrMapping/>
-  </p:clrMapOvr>
-</p:notes>
-</file>
-
-<file path=ppt/notesSlides/notesSlide9.xml><?xml version="1.0" encoding="utf-8"?>
-<p:notes xmlns:a="http://schemas.openxmlformats.org/drawingml/2006/main" xmlns:r="http://schemas.openxmlformats.org/officeDocument/2006/relationships" xmlns:mc="http://schemas.openxmlformats.org/markup-compatibility/2006" xmlns:mv="urn:schemas-microsoft-com:mac:vml" xmlns:p="http://schemas.openxmlformats.org/presentationml/2006/main" xmlns:c="http://schemas.openxmlformats.org/drawingml/2006/chart" xmlns:dgm="http://schemas.openxmlformats.org/drawingml/2006/diagram" xmlns:o="urn:schemas-microsoft-com:office:office" xmlns:v="urn:schemas-microsoft-com:vml" xmlns:pvml="urn:schemas-microsoft-com:office:powerpoint" xmlns:com="http://schemas.openxmlformats.org/drawingml/2006/compatibility" xmlns:p14="http://schemas.microsoft.com/office/powerpoint/2010/main" xmlns:p15="http://schemas.microsoft.com/office/powerpoint/2012/main" showMasterPhAnim="0" showMasterSp="0">
-  <p:cSld>
-    <p:spTree>
-      <p:nvGrpSpPr>
-        <p:cNvPr id="174" name="Shape 174"/>
-        <p:cNvGrpSpPr/>
-        <p:nvPr/>
-      </p:nvGrpSpPr>
-      <p:grpSpPr>
-        <a:xfrm>
-          <a:off x="0" y="0"/>
-          <a:ext cx="0" cy="0"/>
-          <a:chOff x="0" y="0"/>
-          <a:chExt cx="0" cy="0"/>
-        </a:xfrm>
-      </p:grpSpPr>
-      <p:sp>
-        <p:nvSpPr>
-          <p:cNvPr id="175" name="Google Shape;175;g58945b3d0b_0_15:notes"/>
-          <p:cNvSpPr/>
-          <p:nvPr>
-            <p:ph idx="2" type="sldImg"/>
-          </p:nvPr>
-        </p:nvSpPr>
-        <p:spPr>
-          <a:xfrm>
-            <a:off x="381300" y="685800"/>
-            <a:ext cx="6096000" cy="3429000"/>
-          </a:xfrm>
-          <a:custGeom>
-            <a:rect b="b" l="l" r="r" t="t"/>
-            <a:pathLst>
-              <a:path extrusionOk="0" h="120000" w="120000">
-                <a:moveTo>
-                  <a:pt x="0" y="0"/>
-                </a:moveTo>
-                <a:lnTo>
-                  <a:pt x="120000" y="0"/>
-                </a:lnTo>
-                <a:lnTo>
-                  <a:pt x="120000" y="120000"/>
-                </a:lnTo>
-                <a:lnTo>
-                  <a:pt x="0" y="120000"/>
-                </a:lnTo>
-                <a:close/>
-              </a:path>
-            </a:pathLst>
-          </a:custGeom>
-        </p:spPr>
-      </p:sp>
-      <p:sp>
-        <p:nvSpPr>
-          <p:cNvPr id="176" name="Google Shape;176;g58945b3d0b_0_15:notes"/>
-          <p:cNvSpPr txBox="1"/>
-          <p:nvPr>
-            <p:ph idx="1" type="body"/>
-          </p:nvPr>
-        </p:nvSpPr>
-        <p:spPr>
-          <a:xfrm>
-            <a:off x="685800" y="4343400"/>
-            <a:ext cx="5486400" cy="4114800"/>
-          </a:xfrm>
-          <a:prstGeom prst="rect">
-            <a:avLst/>
-          </a:prstGeom>
-        </p:spPr>
-        <p:txBody>
-          <a:bodyPr anchorCtr="0" anchor="t" bIns="91425" lIns="91425" spcFirstLastPara="1" rIns="91425" wrap="square" tIns="91425">
-            <a:noAutofit/>
-          </a:bodyPr>
-          <a:lstStyle/>
-          <a:p>
-            <a:pPr indent="0" lvl="0" marL="0" rtl="0" algn="l">
-              <a:spcBef>
-                <a:spcPts val="0"/>
-              </a:spcBef>
-              <a:spcAft>
-                <a:spcPts val="0"/>
-              </a:spcAft>
-              <a:buNone/>
-            </a:pPr>
-            <a:r>
-              <a:t/>
-            </a:r>
-            <a:endParaRPr/>
-          </a:p>
-        </p:txBody>
       </p:sp>
     </p:spTree>
   </p:cSld>
@@ -1818,7 +1698,7 @@
       </p:grpSpPr>
       <p:sp>
         <p:nvSpPr>
-          <p:cNvPr id="10" name="Google Shape;10;p2"/>
+          <p:cNvPr id="10" name="Google Shape;10;g589bb65a5c_0_624"/>
           <p:cNvSpPr/>
           <p:nvPr/>
         </p:nvSpPr>
@@ -1861,7 +1741,7 @@
       </p:sp>
       <p:sp>
         <p:nvSpPr>
-          <p:cNvPr id="11" name="Google Shape;11;p2"/>
+          <p:cNvPr id="11" name="Google Shape;11;g589bb65a5c_0_624"/>
           <p:cNvSpPr/>
           <p:nvPr/>
         </p:nvSpPr>
@@ -1904,7 +1784,7 @@
       </p:sp>
       <p:sp>
         <p:nvSpPr>
-          <p:cNvPr id="12" name="Google Shape;12;p2"/>
+          <p:cNvPr id="12" name="Google Shape;12;g589bb65a5c_0_624"/>
           <p:cNvSpPr/>
           <p:nvPr/>
         </p:nvSpPr>
@@ -1947,7 +1827,7 @@
       </p:sp>
       <p:sp>
         <p:nvSpPr>
-          <p:cNvPr id="13" name="Google Shape;13;p2"/>
+          <p:cNvPr id="13" name="Google Shape;13;g589bb65a5c_0_624"/>
           <p:cNvSpPr/>
           <p:nvPr/>
         </p:nvSpPr>
@@ -1997,7 +1877,7 @@
       </p:sp>
       <p:grpSp>
         <p:nvGrpSpPr>
-          <p:cNvPr id="14" name="Google Shape;14;p2"/>
+          <p:cNvPr id="14" name="Google Shape;14;g589bb65a5c_0_624"/>
           <p:cNvGrpSpPr/>
           <p:nvPr/>
         </p:nvGrpSpPr>
@@ -2011,7 +1891,7 @@
         </p:grpSpPr>
         <p:sp>
           <p:nvSpPr>
-            <p:cNvPr id="15" name="Google Shape;15;p2"/>
+            <p:cNvPr id="15" name="Google Shape;15;g589bb65a5c_0_624"/>
             <p:cNvSpPr/>
             <p:nvPr/>
           </p:nvSpPr>
@@ -2056,7 +1936,7 @@
         </p:sp>
         <p:sp>
           <p:nvSpPr>
-            <p:cNvPr id="16" name="Google Shape;16;p2"/>
+            <p:cNvPr id="16" name="Google Shape;16;g589bb65a5c_0_624"/>
             <p:cNvSpPr/>
             <p:nvPr/>
           </p:nvSpPr>
@@ -2101,7 +1981,7 @@
         </p:sp>
         <p:sp>
           <p:nvSpPr>
-            <p:cNvPr id="17" name="Google Shape;17;p2"/>
+            <p:cNvPr id="17" name="Google Shape;17;g589bb65a5c_0_624"/>
             <p:cNvSpPr/>
             <p:nvPr/>
           </p:nvSpPr>
@@ -2147,7 +2027,7 @@
       </p:grpSp>
       <p:grpSp>
         <p:nvGrpSpPr>
-          <p:cNvPr id="18" name="Google Shape;18;p2"/>
+          <p:cNvPr id="18" name="Google Shape;18;g589bb65a5c_0_624"/>
           <p:cNvGrpSpPr/>
           <p:nvPr/>
         </p:nvGrpSpPr>
@@ -2161,7 +2041,7 @@
         </p:grpSpPr>
         <p:sp>
           <p:nvSpPr>
-            <p:cNvPr id="19" name="Google Shape;19;p2"/>
+            <p:cNvPr id="19" name="Google Shape;19;g589bb65a5c_0_624"/>
             <p:cNvSpPr/>
             <p:nvPr/>
           </p:nvSpPr>
@@ -2206,7 +2086,7 @@
         </p:sp>
         <p:sp>
           <p:nvSpPr>
-            <p:cNvPr id="20" name="Google Shape;20;p2"/>
+            <p:cNvPr id="20" name="Google Shape;20;g589bb65a5c_0_624"/>
             <p:cNvSpPr/>
             <p:nvPr/>
           </p:nvSpPr>
@@ -2251,7 +2131,7 @@
         </p:sp>
         <p:sp>
           <p:nvSpPr>
-            <p:cNvPr id="21" name="Google Shape;21;p2"/>
+            <p:cNvPr id="21" name="Google Shape;21;g589bb65a5c_0_624"/>
             <p:cNvSpPr/>
             <p:nvPr/>
           </p:nvSpPr>
@@ -2297,7 +2177,7 @@
       </p:grpSp>
       <p:grpSp>
         <p:nvGrpSpPr>
-          <p:cNvPr id="22" name="Google Shape;22;p2"/>
+          <p:cNvPr id="22" name="Google Shape;22;g589bb65a5c_0_624"/>
           <p:cNvGrpSpPr/>
           <p:nvPr/>
         </p:nvGrpSpPr>
@@ -2311,7 +2191,7 @@
         </p:grpSpPr>
         <p:sp>
           <p:nvSpPr>
-            <p:cNvPr id="23" name="Google Shape;23;p2"/>
+            <p:cNvPr id="23" name="Google Shape;23;g589bb65a5c_0_624"/>
             <p:cNvSpPr/>
             <p:nvPr/>
           </p:nvSpPr>
@@ -2356,7 +2236,7 @@
         </p:sp>
         <p:sp>
           <p:nvSpPr>
-            <p:cNvPr id="24" name="Google Shape;24;p2"/>
+            <p:cNvPr id="24" name="Google Shape;24;g589bb65a5c_0_624"/>
             <p:cNvSpPr/>
             <p:nvPr/>
           </p:nvSpPr>
@@ -2401,7 +2281,7 @@
         </p:sp>
         <p:sp>
           <p:nvSpPr>
-            <p:cNvPr id="25" name="Google Shape;25;p2"/>
+            <p:cNvPr id="25" name="Google Shape;25;g589bb65a5c_0_624"/>
             <p:cNvSpPr/>
             <p:nvPr/>
           </p:nvSpPr>
@@ -2447,7 +2327,7 @@
       </p:grpSp>
       <p:grpSp>
         <p:nvGrpSpPr>
-          <p:cNvPr id="26" name="Google Shape;26;p2"/>
+          <p:cNvPr id="26" name="Google Shape;26;g589bb65a5c_0_624"/>
           <p:cNvGrpSpPr/>
           <p:nvPr/>
         </p:nvGrpSpPr>
@@ -2461,7 +2341,7 @@
         </p:grpSpPr>
         <p:sp>
           <p:nvSpPr>
-            <p:cNvPr id="27" name="Google Shape;27;p2"/>
+            <p:cNvPr id="27" name="Google Shape;27;g589bb65a5c_0_624"/>
             <p:cNvSpPr/>
             <p:nvPr/>
           </p:nvSpPr>
@@ -2506,7 +2386,7 @@
         </p:sp>
         <p:sp>
           <p:nvSpPr>
-            <p:cNvPr id="28" name="Google Shape;28;p2"/>
+            <p:cNvPr id="28" name="Google Shape;28;g589bb65a5c_0_624"/>
             <p:cNvSpPr/>
             <p:nvPr/>
           </p:nvSpPr>
@@ -2551,7 +2431,7 @@
         </p:sp>
         <p:sp>
           <p:nvSpPr>
-            <p:cNvPr id="29" name="Google Shape;29;p2"/>
+            <p:cNvPr id="29" name="Google Shape;29;g589bb65a5c_0_624"/>
             <p:cNvSpPr/>
             <p:nvPr/>
           </p:nvSpPr>
@@ -2597,7 +2477,7 @@
       </p:grpSp>
       <p:grpSp>
         <p:nvGrpSpPr>
-          <p:cNvPr id="30" name="Google Shape;30;p2"/>
+          <p:cNvPr id="30" name="Google Shape;30;g589bb65a5c_0_624"/>
           <p:cNvGrpSpPr/>
           <p:nvPr/>
         </p:nvGrpSpPr>
@@ -2611,7 +2491,7 @@
         </p:grpSpPr>
         <p:sp>
           <p:nvSpPr>
-            <p:cNvPr id="31" name="Google Shape;31;p2"/>
+            <p:cNvPr id="31" name="Google Shape;31;g589bb65a5c_0_624"/>
             <p:cNvSpPr/>
             <p:nvPr/>
           </p:nvSpPr>
@@ -2656,7 +2536,7 @@
         </p:sp>
         <p:sp>
           <p:nvSpPr>
-            <p:cNvPr id="32" name="Google Shape;32;p2"/>
+            <p:cNvPr id="32" name="Google Shape;32;g589bb65a5c_0_624"/>
             <p:cNvSpPr/>
             <p:nvPr/>
           </p:nvSpPr>
@@ -2701,7 +2581,7 @@
         </p:sp>
         <p:sp>
           <p:nvSpPr>
-            <p:cNvPr id="33" name="Google Shape;33;p2"/>
+            <p:cNvPr id="33" name="Google Shape;33;g589bb65a5c_0_624"/>
             <p:cNvSpPr/>
             <p:nvPr/>
           </p:nvSpPr>
@@ -2747,7 +2627,7 @@
       </p:grpSp>
       <p:sp>
         <p:nvSpPr>
-          <p:cNvPr id="34" name="Google Shape;34;p2"/>
+          <p:cNvPr id="34" name="Google Shape;34;g589bb65a5c_0_624"/>
           <p:cNvSpPr txBox="1"/>
           <p:nvPr>
             <p:ph type="ctrTitle"/>
@@ -2870,7 +2750,7 @@
       </p:sp>
       <p:sp>
         <p:nvSpPr>
-          <p:cNvPr id="35" name="Google Shape;35;p2"/>
+          <p:cNvPr id="35" name="Google Shape;35;g589bb65a5c_0_624"/>
           <p:cNvSpPr txBox="1"/>
           <p:nvPr>
             <p:ph idx="1" type="subTitle"/>
@@ -3083,7 +2963,7 @@
       </p:sp>
       <p:sp>
         <p:nvSpPr>
-          <p:cNvPr id="36" name="Google Shape;36;p2"/>
+          <p:cNvPr id="36" name="Google Shape;36;g589bb65a5c_0_624"/>
           <p:cNvSpPr txBox="1"/>
           <p:nvPr>
             <p:ph idx="12" type="sldNum"/>
@@ -3151,7 +3031,7 @@
               <a:buNone/>
             </a:pPr>
             <a:fld id="{00000000-1234-1234-1234-123412341234}" type="slidenum">
-              <a:rPr lang="es"/>
+              <a:rPr lang="en-US"/>
               <a:t>‹#›</a:t>
             </a:fld>
             <a:endParaRPr/>
@@ -3192,7 +3072,7 @@
       </p:grpSpPr>
       <p:sp>
         <p:nvSpPr>
-          <p:cNvPr id="110" name="Google Shape;110;p11"/>
+          <p:cNvPr id="110" name="Google Shape;110;g589bb65a5c_0_724"/>
           <p:cNvSpPr/>
           <p:nvPr/>
         </p:nvSpPr>
@@ -3235,7 +3115,7 @@
       </p:sp>
       <p:grpSp>
         <p:nvGrpSpPr>
-          <p:cNvPr id="111" name="Google Shape;111;p11"/>
+          <p:cNvPr id="111" name="Google Shape;111;g589bb65a5c_0_724"/>
           <p:cNvGrpSpPr/>
           <p:nvPr/>
         </p:nvGrpSpPr>
@@ -3249,7 +3129,7 @@
         </p:grpSpPr>
         <p:sp>
           <p:nvSpPr>
-            <p:cNvPr id="112" name="Google Shape;112;p11"/>
+            <p:cNvPr id="112" name="Google Shape;112;g589bb65a5c_0_724"/>
             <p:cNvSpPr/>
             <p:nvPr/>
           </p:nvSpPr>
@@ -3294,7 +3174,7 @@
         </p:sp>
         <p:sp>
           <p:nvSpPr>
-            <p:cNvPr id="113" name="Google Shape;113;p11"/>
+            <p:cNvPr id="113" name="Google Shape;113;g589bb65a5c_0_724"/>
             <p:cNvSpPr/>
             <p:nvPr/>
           </p:nvSpPr>
@@ -3339,7 +3219,7 @@
         </p:sp>
         <p:sp>
           <p:nvSpPr>
-            <p:cNvPr id="114" name="Google Shape;114;p11"/>
+            <p:cNvPr id="114" name="Google Shape;114;g589bb65a5c_0_724"/>
             <p:cNvSpPr/>
             <p:nvPr/>
           </p:nvSpPr>
@@ -3385,7 +3265,7 @@
       </p:grpSp>
       <p:grpSp>
         <p:nvGrpSpPr>
-          <p:cNvPr id="115" name="Google Shape;115;p11"/>
+          <p:cNvPr id="115" name="Google Shape;115;g589bb65a5c_0_724"/>
           <p:cNvGrpSpPr/>
           <p:nvPr/>
         </p:nvGrpSpPr>
@@ -3399,7 +3279,7 @@
         </p:grpSpPr>
         <p:sp>
           <p:nvSpPr>
-            <p:cNvPr id="116" name="Google Shape;116;p11"/>
+            <p:cNvPr id="116" name="Google Shape;116;g589bb65a5c_0_724"/>
             <p:cNvSpPr/>
             <p:nvPr/>
           </p:nvSpPr>
@@ -3444,7 +3324,7 @@
         </p:sp>
         <p:sp>
           <p:nvSpPr>
-            <p:cNvPr id="117" name="Google Shape;117;p11"/>
+            <p:cNvPr id="117" name="Google Shape;117;g589bb65a5c_0_724"/>
             <p:cNvSpPr/>
             <p:nvPr/>
           </p:nvSpPr>
@@ -3489,7 +3369,7 @@
         </p:sp>
         <p:sp>
           <p:nvSpPr>
-            <p:cNvPr id="118" name="Google Shape;118;p11"/>
+            <p:cNvPr id="118" name="Google Shape;118;g589bb65a5c_0_724"/>
             <p:cNvSpPr/>
             <p:nvPr/>
           </p:nvSpPr>
@@ -3535,7 +3415,7 @@
       </p:grpSp>
       <p:sp>
         <p:nvSpPr>
-          <p:cNvPr id="119" name="Google Shape;119;p11"/>
+          <p:cNvPr id="119" name="Google Shape;119;g589bb65a5c_0_724"/>
           <p:cNvSpPr txBox="1"/>
           <p:nvPr>
             <p:ph hasCustomPrompt="1" type="title"/>
@@ -3725,7 +3605,7 @@
       </p:sp>
       <p:sp>
         <p:nvSpPr>
-          <p:cNvPr id="120" name="Google Shape;120;p11"/>
+          <p:cNvPr id="120" name="Google Shape;120;g589bb65a5c_0_724"/>
           <p:cNvSpPr txBox="1"/>
           <p:nvPr>
             <p:ph idx="1" type="body"/>
@@ -3848,7 +3728,7 @@
       </p:sp>
       <p:sp>
         <p:nvSpPr>
-          <p:cNvPr id="121" name="Google Shape;121;p11"/>
+          <p:cNvPr id="121" name="Google Shape;121;g589bb65a5c_0_724"/>
           <p:cNvSpPr txBox="1"/>
           <p:nvPr>
             <p:ph idx="12" type="sldNum"/>
@@ -3916,7 +3796,7 @@
               <a:buNone/>
             </a:pPr>
             <a:fld id="{00000000-1234-1234-1234-123412341234}" type="slidenum">
-              <a:rPr lang="es"/>
+              <a:rPr lang="en-US"/>
               <a:t>‹#›</a:t>
             </a:fld>
             <a:endParaRPr/>
@@ -3950,7 +3830,7 @@
       </p:grpSpPr>
       <p:sp>
         <p:nvSpPr>
-          <p:cNvPr id="123" name="Google Shape;123;p12"/>
+          <p:cNvPr id="123" name="Google Shape;123;g589bb65a5c_0_737"/>
           <p:cNvSpPr txBox="1"/>
           <p:nvPr>
             <p:ph idx="12" type="sldNum"/>
@@ -4018,11 +3898,569 @@
               <a:buNone/>
             </a:pPr>
             <a:fld id="{00000000-1234-1234-1234-123412341234}" type="slidenum">
-              <a:rPr lang="es"/>
+              <a:rPr lang="en-US"/>
               <a:t>‹#›</a:t>
             </a:fld>
             <a:endParaRPr/>
           </a:p>
+        </p:txBody>
+      </p:sp>
+    </p:spTree>
+  </p:cSld>
+  <p:clrMapOvr>
+    <a:masterClrMapping/>
+  </p:clrMapOvr>
+</p:sldLayout>
+</file>
+
+<file path=ppt/slideLayouts/slideLayout12.xml><?xml version="1.0" encoding="utf-8"?>
+<p:sldLayout xmlns:a="http://schemas.openxmlformats.org/drawingml/2006/main" xmlns:r="http://schemas.openxmlformats.org/officeDocument/2006/relationships" xmlns:mc="http://schemas.openxmlformats.org/markup-compatibility/2006" xmlns:mv="urn:schemas-microsoft-com:mac:vml" xmlns:p="http://schemas.openxmlformats.org/presentationml/2006/main" xmlns:c="http://schemas.openxmlformats.org/drawingml/2006/chart" xmlns:dgm="http://schemas.openxmlformats.org/drawingml/2006/diagram" xmlns:o="urn:schemas-microsoft-com:office:office" xmlns:v="urn:schemas-microsoft-com:vml" xmlns:pvml="urn:schemas-microsoft-com:office:powerpoint" xmlns:com="http://schemas.openxmlformats.org/drawingml/2006/compatibility" xmlns:p14="http://schemas.microsoft.com/office/powerpoint/2010/main" xmlns:p15="http://schemas.microsoft.com/office/powerpoint/2012/main" matchingName="Title Slide">
+  <p:cSld name="TITLE_AND_BODY_1">
+    <p:spTree>
+      <p:nvGrpSpPr>
+        <p:cNvPr id="124" name="Shape 124"/>
+        <p:cNvGrpSpPr/>
+        <p:nvPr/>
+      </p:nvGrpSpPr>
+      <p:grpSpPr>
+        <a:xfrm>
+          <a:off x="0" y="0"/>
+          <a:ext cx="0" cy="0"/>
+          <a:chOff x="0" y="0"/>
+          <a:chExt cx="0" cy="0"/>
+        </a:xfrm>
+      </p:grpSpPr>
+      <p:sp>
+        <p:nvSpPr>
+          <p:cNvPr id="125" name="Google Shape;125;g589bb65a5c_0_739"/>
+          <p:cNvSpPr txBox="1"/>
+          <p:nvPr>
+            <p:ph type="title"/>
+          </p:nvPr>
+        </p:nvSpPr>
+        <p:spPr>
+          <a:xfrm>
+            <a:off x="1858680" y="1822680"/>
+            <a:ext cx="5361000" cy="1447800"/>
+          </a:xfrm>
+          <a:prstGeom prst="rect">
+            <a:avLst/>
+          </a:prstGeom>
+          <a:noFill/>
+          <a:ln>
+            <a:noFill/>
+          </a:ln>
+        </p:spPr>
+        <p:txBody>
+          <a:bodyPr anchorCtr="0" anchor="ctr" bIns="0" lIns="0" spcFirstLastPara="1" rIns="0" wrap="square" tIns="0"/>
+          <a:lstStyle>
+            <a:lvl1pPr lvl="0" rtl="0" algn="l">
+              <a:spcBef>
+                <a:spcPts val="0"/>
+              </a:spcBef>
+              <a:spcAft>
+                <a:spcPts val="0"/>
+              </a:spcAft>
+              <a:buSzPts val="2800"/>
+              <a:buNone/>
+              <a:defRPr/>
+            </a:lvl1pPr>
+            <a:lvl2pPr lvl="1" rtl="0" algn="l">
+              <a:spcBef>
+                <a:spcPts val="0"/>
+              </a:spcBef>
+              <a:spcAft>
+                <a:spcPts val="0"/>
+              </a:spcAft>
+              <a:buSzPts val="2800"/>
+              <a:buNone/>
+              <a:defRPr/>
+            </a:lvl2pPr>
+            <a:lvl3pPr lvl="2" rtl="0" algn="l">
+              <a:spcBef>
+                <a:spcPts val="0"/>
+              </a:spcBef>
+              <a:spcAft>
+                <a:spcPts val="0"/>
+              </a:spcAft>
+              <a:buSzPts val="2800"/>
+              <a:buNone/>
+              <a:defRPr/>
+            </a:lvl3pPr>
+            <a:lvl4pPr lvl="3" rtl="0" algn="l">
+              <a:spcBef>
+                <a:spcPts val="0"/>
+              </a:spcBef>
+              <a:spcAft>
+                <a:spcPts val="0"/>
+              </a:spcAft>
+              <a:buSzPts val="2800"/>
+              <a:buNone/>
+              <a:defRPr/>
+            </a:lvl4pPr>
+            <a:lvl5pPr lvl="4" rtl="0" algn="l">
+              <a:spcBef>
+                <a:spcPts val="0"/>
+              </a:spcBef>
+              <a:spcAft>
+                <a:spcPts val="0"/>
+              </a:spcAft>
+              <a:buSzPts val="2800"/>
+              <a:buNone/>
+              <a:defRPr/>
+            </a:lvl5pPr>
+            <a:lvl6pPr lvl="5" rtl="0" algn="l">
+              <a:spcBef>
+                <a:spcPts val="0"/>
+              </a:spcBef>
+              <a:spcAft>
+                <a:spcPts val="0"/>
+              </a:spcAft>
+              <a:buSzPts val="2800"/>
+              <a:buNone/>
+              <a:defRPr/>
+            </a:lvl6pPr>
+            <a:lvl7pPr lvl="6" rtl="0" algn="l">
+              <a:spcBef>
+                <a:spcPts val="0"/>
+              </a:spcBef>
+              <a:spcAft>
+                <a:spcPts val="0"/>
+              </a:spcAft>
+              <a:buSzPts val="2800"/>
+              <a:buNone/>
+              <a:defRPr/>
+            </a:lvl7pPr>
+            <a:lvl8pPr lvl="7" rtl="0" algn="l">
+              <a:spcBef>
+                <a:spcPts val="0"/>
+              </a:spcBef>
+              <a:spcAft>
+                <a:spcPts val="0"/>
+              </a:spcAft>
+              <a:buSzPts val="2800"/>
+              <a:buNone/>
+              <a:defRPr/>
+            </a:lvl8pPr>
+            <a:lvl9pPr lvl="8" rtl="0" algn="l">
+              <a:spcBef>
+                <a:spcPts val="0"/>
+              </a:spcBef>
+              <a:spcAft>
+                <a:spcPts val="0"/>
+              </a:spcAft>
+              <a:buSzPts val="2800"/>
+              <a:buNone/>
+              <a:defRPr/>
+            </a:lvl9pPr>
+          </a:lstStyle>
+          <a:p/>
+        </p:txBody>
+      </p:sp>
+      <p:sp>
+        <p:nvSpPr>
+          <p:cNvPr id="126" name="Google Shape;126;g589bb65a5c_0_739"/>
+          <p:cNvSpPr txBox="1"/>
+          <p:nvPr>
+            <p:ph idx="1" type="subTitle"/>
+          </p:nvPr>
+        </p:nvSpPr>
+        <p:spPr>
+          <a:xfrm>
+            <a:off x="457200" y="1203480"/>
+            <a:ext cx="8229300" cy="2982900"/>
+          </a:xfrm>
+          <a:prstGeom prst="rect">
+            <a:avLst/>
+          </a:prstGeom>
+          <a:noFill/>
+          <a:ln>
+            <a:noFill/>
+          </a:ln>
+        </p:spPr>
+        <p:txBody>
+          <a:bodyPr anchorCtr="0" anchor="ctr" bIns="0" lIns="0" spcFirstLastPara="1" rIns="0" wrap="square" tIns="0"/>
+          <a:lstStyle>
+            <a:lvl1pPr lvl="0" rtl="0" algn="l">
+              <a:spcBef>
+                <a:spcPts val="0"/>
+              </a:spcBef>
+              <a:spcAft>
+                <a:spcPts val="0"/>
+              </a:spcAft>
+              <a:buSzPts val="1300"/>
+              <a:buNone/>
+              <a:defRPr/>
+            </a:lvl1pPr>
+            <a:lvl2pPr lvl="1" rtl="0" algn="l">
+              <a:spcBef>
+                <a:spcPts val="1600"/>
+              </a:spcBef>
+              <a:spcAft>
+                <a:spcPts val="0"/>
+              </a:spcAft>
+              <a:buSzPts val="1100"/>
+              <a:buNone/>
+              <a:defRPr/>
+            </a:lvl2pPr>
+            <a:lvl3pPr lvl="2" rtl="0" algn="l">
+              <a:spcBef>
+                <a:spcPts val="1600"/>
+              </a:spcBef>
+              <a:spcAft>
+                <a:spcPts val="0"/>
+              </a:spcAft>
+              <a:buSzPts val="1100"/>
+              <a:buNone/>
+              <a:defRPr/>
+            </a:lvl3pPr>
+            <a:lvl4pPr lvl="3" rtl="0" algn="l">
+              <a:spcBef>
+                <a:spcPts val="1600"/>
+              </a:spcBef>
+              <a:spcAft>
+                <a:spcPts val="0"/>
+              </a:spcAft>
+              <a:buSzPts val="1100"/>
+              <a:buNone/>
+              <a:defRPr/>
+            </a:lvl4pPr>
+            <a:lvl5pPr lvl="4" rtl="0" algn="l">
+              <a:spcBef>
+                <a:spcPts val="1600"/>
+              </a:spcBef>
+              <a:spcAft>
+                <a:spcPts val="0"/>
+              </a:spcAft>
+              <a:buSzPts val="1100"/>
+              <a:buNone/>
+              <a:defRPr/>
+            </a:lvl5pPr>
+            <a:lvl6pPr lvl="5" rtl="0" algn="l">
+              <a:spcBef>
+                <a:spcPts val="1600"/>
+              </a:spcBef>
+              <a:spcAft>
+                <a:spcPts val="0"/>
+              </a:spcAft>
+              <a:buSzPts val="1100"/>
+              <a:buNone/>
+              <a:defRPr/>
+            </a:lvl6pPr>
+            <a:lvl7pPr lvl="6" rtl="0" algn="l">
+              <a:spcBef>
+                <a:spcPts val="1600"/>
+              </a:spcBef>
+              <a:spcAft>
+                <a:spcPts val="0"/>
+              </a:spcAft>
+              <a:buSzPts val="1100"/>
+              <a:buNone/>
+              <a:defRPr/>
+            </a:lvl7pPr>
+            <a:lvl8pPr lvl="7" rtl="0" algn="l">
+              <a:spcBef>
+                <a:spcPts val="1600"/>
+              </a:spcBef>
+              <a:spcAft>
+                <a:spcPts val="0"/>
+              </a:spcAft>
+              <a:buSzPts val="1100"/>
+              <a:buNone/>
+              <a:defRPr/>
+            </a:lvl8pPr>
+            <a:lvl9pPr lvl="8" rtl="0" algn="l">
+              <a:spcBef>
+                <a:spcPts val="1600"/>
+              </a:spcBef>
+              <a:spcAft>
+                <a:spcPts val="1600"/>
+              </a:spcAft>
+              <a:buSzPts val="1100"/>
+              <a:buNone/>
+              <a:defRPr/>
+            </a:lvl9pPr>
+          </a:lstStyle>
+          <a:p/>
+        </p:txBody>
+      </p:sp>
+    </p:spTree>
+  </p:cSld>
+  <p:clrMapOvr>
+    <a:masterClrMapping/>
+  </p:clrMapOvr>
+</p:sldLayout>
+</file>
+
+<file path=ppt/slideLayouts/slideLayout13.xml><?xml version="1.0" encoding="utf-8"?>
+<p:sldLayout xmlns:a="http://schemas.openxmlformats.org/drawingml/2006/main" xmlns:r="http://schemas.openxmlformats.org/officeDocument/2006/relationships" xmlns:mc="http://schemas.openxmlformats.org/markup-compatibility/2006" xmlns:mv="urn:schemas-microsoft-com:mac:vml" xmlns:p="http://schemas.openxmlformats.org/presentationml/2006/main" xmlns:c="http://schemas.openxmlformats.org/drawingml/2006/chart" xmlns:dgm="http://schemas.openxmlformats.org/drawingml/2006/diagram" xmlns:o="urn:schemas-microsoft-com:office:office" xmlns:v="urn:schemas-microsoft-com:vml" xmlns:pvml="urn:schemas-microsoft-com:office:powerpoint" xmlns:com="http://schemas.openxmlformats.org/drawingml/2006/compatibility" xmlns:p14="http://schemas.microsoft.com/office/powerpoint/2010/main" xmlns:p15="http://schemas.microsoft.com/office/powerpoint/2012/main" matchingName="Title Slide 1">
+  <p:cSld name="TITLE_AND_BODY_2">
+    <p:spTree>
+      <p:nvGrpSpPr>
+        <p:cNvPr id="127" name="Shape 127"/>
+        <p:cNvGrpSpPr/>
+        <p:nvPr/>
+      </p:nvGrpSpPr>
+      <p:grpSpPr>
+        <a:xfrm>
+          <a:off x="0" y="0"/>
+          <a:ext cx="0" cy="0"/>
+          <a:chOff x="0" y="0"/>
+          <a:chExt cx="0" cy="0"/>
+        </a:xfrm>
+      </p:grpSpPr>
+      <p:sp>
+        <p:nvSpPr>
+          <p:cNvPr id="128" name="Google Shape;128;g589bb65a5c_0_742"/>
+          <p:cNvSpPr txBox="1"/>
+          <p:nvPr>
+            <p:ph type="title"/>
+          </p:nvPr>
+        </p:nvSpPr>
+        <p:spPr>
+          <a:xfrm>
+            <a:off x="1858680" y="1822680"/>
+            <a:ext cx="5361000" cy="1447800"/>
+          </a:xfrm>
+          <a:prstGeom prst="rect">
+            <a:avLst/>
+          </a:prstGeom>
+          <a:noFill/>
+          <a:ln>
+            <a:noFill/>
+          </a:ln>
+        </p:spPr>
+        <p:txBody>
+          <a:bodyPr anchorCtr="0" anchor="ctr" bIns="0" lIns="0" spcFirstLastPara="1" rIns="0" wrap="square" tIns="0"/>
+          <a:lstStyle>
+            <a:lvl1pPr lvl="0" rtl="0" algn="l">
+              <a:spcBef>
+                <a:spcPts val="0"/>
+              </a:spcBef>
+              <a:spcAft>
+                <a:spcPts val="0"/>
+              </a:spcAft>
+              <a:buSzPts val="2800"/>
+              <a:buNone/>
+              <a:defRPr/>
+            </a:lvl1pPr>
+            <a:lvl2pPr lvl="1" rtl="0" algn="l">
+              <a:spcBef>
+                <a:spcPts val="0"/>
+              </a:spcBef>
+              <a:spcAft>
+                <a:spcPts val="0"/>
+              </a:spcAft>
+              <a:buSzPts val="2800"/>
+              <a:buNone/>
+              <a:defRPr/>
+            </a:lvl2pPr>
+            <a:lvl3pPr lvl="2" rtl="0" algn="l">
+              <a:spcBef>
+                <a:spcPts val="0"/>
+              </a:spcBef>
+              <a:spcAft>
+                <a:spcPts val="0"/>
+              </a:spcAft>
+              <a:buSzPts val="2800"/>
+              <a:buNone/>
+              <a:defRPr/>
+            </a:lvl3pPr>
+            <a:lvl4pPr lvl="3" rtl="0" algn="l">
+              <a:spcBef>
+                <a:spcPts val="0"/>
+              </a:spcBef>
+              <a:spcAft>
+                <a:spcPts val="0"/>
+              </a:spcAft>
+              <a:buSzPts val="2800"/>
+              <a:buNone/>
+              <a:defRPr/>
+            </a:lvl4pPr>
+            <a:lvl5pPr lvl="4" rtl="0" algn="l">
+              <a:spcBef>
+                <a:spcPts val="0"/>
+              </a:spcBef>
+              <a:spcAft>
+                <a:spcPts val="0"/>
+              </a:spcAft>
+              <a:buSzPts val="2800"/>
+              <a:buNone/>
+              <a:defRPr/>
+            </a:lvl5pPr>
+            <a:lvl6pPr lvl="5" rtl="0" algn="l">
+              <a:spcBef>
+                <a:spcPts val="0"/>
+              </a:spcBef>
+              <a:spcAft>
+                <a:spcPts val="0"/>
+              </a:spcAft>
+              <a:buSzPts val="2800"/>
+              <a:buNone/>
+              <a:defRPr/>
+            </a:lvl6pPr>
+            <a:lvl7pPr lvl="6" rtl="0" algn="l">
+              <a:spcBef>
+                <a:spcPts val="0"/>
+              </a:spcBef>
+              <a:spcAft>
+                <a:spcPts val="0"/>
+              </a:spcAft>
+              <a:buSzPts val="2800"/>
+              <a:buNone/>
+              <a:defRPr/>
+            </a:lvl7pPr>
+            <a:lvl8pPr lvl="7" rtl="0" algn="l">
+              <a:spcBef>
+                <a:spcPts val="0"/>
+              </a:spcBef>
+              <a:spcAft>
+                <a:spcPts val="0"/>
+              </a:spcAft>
+              <a:buSzPts val="2800"/>
+              <a:buNone/>
+              <a:defRPr/>
+            </a:lvl8pPr>
+            <a:lvl9pPr lvl="8" rtl="0" algn="l">
+              <a:spcBef>
+                <a:spcPts val="0"/>
+              </a:spcBef>
+              <a:spcAft>
+                <a:spcPts val="0"/>
+              </a:spcAft>
+              <a:buSzPts val="2800"/>
+              <a:buNone/>
+              <a:defRPr/>
+            </a:lvl9pPr>
+          </a:lstStyle>
+          <a:p/>
+        </p:txBody>
+      </p:sp>
+      <p:sp>
+        <p:nvSpPr>
+          <p:cNvPr id="129" name="Google Shape;129;g589bb65a5c_0_742"/>
+          <p:cNvSpPr txBox="1"/>
+          <p:nvPr>
+            <p:ph idx="1" type="subTitle"/>
+          </p:nvPr>
+        </p:nvSpPr>
+        <p:spPr>
+          <a:xfrm>
+            <a:off x="457200" y="1203480"/>
+            <a:ext cx="8229300" cy="2982900"/>
+          </a:xfrm>
+          <a:prstGeom prst="rect">
+            <a:avLst/>
+          </a:prstGeom>
+          <a:noFill/>
+          <a:ln>
+            <a:noFill/>
+          </a:ln>
+        </p:spPr>
+        <p:txBody>
+          <a:bodyPr anchorCtr="0" anchor="ctr" bIns="0" lIns="0" spcFirstLastPara="1" rIns="0" wrap="square" tIns="0"/>
+          <a:lstStyle>
+            <a:lvl1pPr lvl="0" rtl="0" algn="l">
+              <a:spcBef>
+                <a:spcPts val="0"/>
+              </a:spcBef>
+              <a:spcAft>
+                <a:spcPts val="0"/>
+              </a:spcAft>
+              <a:buSzPts val="1300"/>
+              <a:buNone/>
+              <a:defRPr/>
+            </a:lvl1pPr>
+            <a:lvl2pPr lvl="1" rtl="0" algn="l">
+              <a:spcBef>
+                <a:spcPts val="1600"/>
+              </a:spcBef>
+              <a:spcAft>
+                <a:spcPts val="0"/>
+              </a:spcAft>
+              <a:buSzPts val="1100"/>
+              <a:buNone/>
+              <a:defRPr/>
+            </a:lvl2pPr>
+            <a:lvl3pPr lvl="2" rtl="0" algn="l">
+              <a:spcBef>
+                <a:spcPts val="1600"/>
+              </a:spcBef>
+              <a:spcAft>
+                <a:spcPts val="0"/>
+              </a:spcAft>
+              <a:buSzPts val="1100"/>
+              <a:buNone/>
+              <a:defRPr/>
+            </a:lvl3pPr>
+            <a:lvl4pPr lvl="3" rtl="0" algn="l">
+              <a:spcBef>
+                <a:spcPts val="1600"/>
+              </a:spcBef>
+              <a:spcAft>
+                <a:spcPts val="0"/>
+              </a:spcAft>
+              <a:buSzPts val="1100"/>
+              <a:buNone/>
+              <a:defRPr/>
+            </a:lvl4pPr>
+            <a:lvl5pPr lvl="4" rtl="0" algn="l">
+              <a:spcBef>
+                <a:spcPts val="1600"/>
+              </a:spcBef>
+              <a:spcAft>
+                <a:spcPts val="0"/>
+              </a:spcAft>
+              <a:buSzPts val="1100"/>
+              <a:buNone/>
+              <a:defRPr/>
+            </a:lvl5pPr>
+            <a:lvl6pPr lvl="5" rtl="0" algn="l">
+              <a:spcBef>
+                <a:spcPts val="1600"/>
+              </a:spcBef>
+              <a:spcAft>
+                <a:spcPts val="0"/>
+              </a:spcAft>
+              <a:buSzPts val="1100"/>
+              <a:buNone/>
+              <a:defRPr/>
+            </a:lvl6pPr>
+            <a:lvl7pPr lvl="6" rtl="0" algn="l">
+              <a:spcBef>
+                <a:spcPts val="1600"/>
+              </a:spcBef>
+              <a:spcAft>
+                <a:spcPts val="0"/>
+              </a:spcAft>
+              <a:buSzPts val="1100"/>
+              <a:buNone/>
+              <a:defRPr/>
+            </a:lvl7pPr>
+            <a:lvl8pPr lvl="7" rtl="0" algn="l">
+              <a:spcBef>
+                <a:spcPts val="1600"/>
+              </a:spcBef>
+              <a:spcAft>
+                <a:spcPts val="0"/>
+              </a:spcAft>
+              <a:buSzPts val="1100"/>
+              <a:buNone/>
+              <a:defRPr/>
+            </a:lvl8pPr>
+            <a:lvl9pPr lvl="8" rtl="0" algn="l">
+              <a:spcBef>
+                <a:spcPts val="1600"/>
+              </a:spcBef>
+              <a:spcAft>
+                <a:spcPts val="1600"/>
+              </a:spcAft>
+              <a:buSzPts val="1100"/>
+              <a:buNone/>
+              <a:defRPr/>
+            </a:lvl9pPr>
+          </a:lstStyle>
+          <a:p/>
         </p:txBody>
       </p:sp>
     </p:spTree>
@@ -4059,7 +4497,7 @@
       </p:grpSpPr>
       <p:sp>
         <p:nvSpPr>
-          <p:cNvPr id="38" name="Google Shape;38;p3"/>
+          <p:cNvPr id="38" name="Google Shape;38;g589bb65a5c_0_652"/>
           <p:cNvSpPr/>
           <p:nvPr/>
         </p:nvSpPr>
@@ -4102,7 +4540,7 @@
       </p:sp>
       <p:grpSp>
         <p:nvGrpSpPr>
-          <p:cNvPr id="39" name="Google Shape;39;p3"/>
+          <p:cNvPr id="39" name="Google Shape;39;g589bb65a5c_0_652"/>
           <p:cNvGrpSpPr/>
           <p:nvPr/>
         </p:nvGrpSpPr>
@@ -4116,7 +4554,7 @@
         </p:grpSpPr>
         <p:sp>
           <p:nvSpPr>
-            <p:cNvPr id="40" name="Google Shape;40;p3"/>
+            <p:cNvPr id="40" name="Google Shape;40;g589bb65a5c_0_652"/>
             <p:cNvSpPr/>
             <p:nvPr/>
           </p:nvSpPr>
@@ -4161,7 +4599,7 @@
         </p:sp>
         <p:sp>
           <p:nvSpPr>
-            <p:cNvPr id="41" name="Google Shape;41;p3"/>
+            <p:cNvPr id="41" name="Google Shape;41;g589bb65a5c_0_652"/>
             <p:cNvSpPr/>
             <p:nvPr/>
           </p:nvSpPr>
@@ -4206,7 +4644,7 @@
         </p:sp>
         <p:sp>
           <p:nvSpPr>
-            <p:cNvPr id="42" name="Google Shape;42;p3"/>
+            <p:cNvPr id="42" name="Google Shape;42;g589bb65a5c_0_652"/>
             <p:cNvSpPr/>
             <p:nvPr/>
           </p:nvSpPr>
@@ -4252,7 +4690,7 @@
       </p:grpSp>
       <p:grpSp>
         <p:nvGrpSpPr>
-          <p:cNvPr id="43" name="Google Shape;43;p3"/>
+          <p:cNvPr id="43" name="Google Shape;43;g589bb65a5c_0_652"/>
           <p:cNvGrpSpPr/>
           <p:nvPr/>
         </p:nvGrpSpPr>
@@ -4266,7 +4704,7 @@
         </p:grpSpPr>
         <p:sp>
           <p:nvSpPr>
-            <p:cNvPr id="44" name="Google Shape;44;p3"/>
+            <p:cNvPr id="44" name="Google Shape;44;g589bb65a5c_0_652"/>
             <p:cNvSpPr/>
             <p:nvPr/>
           </p:nvSpPr>
@@ -4311,7 +4749,7 @@
         </p:sp>
         <p:sp>
           <p:nvSpPr>
-            <p:cNvPr id="45" name="Google Shape;45;p3"/>
+            <p:cNvPr id="45" name="Google Shape;45;g589bb65a5c_0_652"/>
             <p:cNvSpPr/>
             <p:nvPr/>
           </p:nvSpPr>
@@ -4356,7 +4794,7 @@
         </p:sp>
         <p:sp>
           <p:nvSpPr>
-            <p:cNvPr id="46" name="Google Shape;46;p3"/>
+            <p:cNvPr id="46" name="Google Shape;46;g589bb65a5c_0_652"/>
             <p:cNvSpPr/>
             <p:nvPr/>
           </p:nvSpPr>
@@ -4402,7 +4840,7 @@
       </p:grpSp>
       <p:sp>
         <p:nvSpPr>
-          <p:cNvPr id="47" name="Google Shape;47;p3"/>
+          <p:cNvPr id="47" name="Google Shape;47;g589bb65a5c_0_652"/>
           <p:cNvSpPr txBox="1"/>
           <p:nvPr>
             <p:ph type="title"/>
@@ -4588,7 +5026,7 @@
       </p:sp>
       <p:sp>
         <p:nvSpPr>
-          <p:cNvPr id="48" name="Google Shape;48;p3"/>
+          <p:cNvPr id="48" name="Google Shape;48;g589bb65a5c_0_652"/>
           <p:cNvSpPr txBox="1"/>
           <p:nvPr>
             <p:ph idx="12" type="sldNum"/>
@@ -4656,7 +5094,7 @@
               <a:buNone/>
             </a:pPr>
             <a:fld id="{00000000-1234-1234-1234-123412341234}" type="slidenum">
-              <a:rPr lang="es"/>
+              <a:rPr lang="en-US"/>
               <a:t>‹#›</a:t>
             </a:fld>
             <a:endParaRPr/>
@@ -4697,7 +5135,7 @@
       </p:grpSpPr>
       <p:sp>
         <p:nvSpPr>
-          <p:cNvPr id="50" name="Google Shape;50;p4"/>
+          <p:cNvPr id="50" name="Google Shape;50;g589bb65a5c_0_664"/>
           <p:cNvSpPr/>
           <p:nvPr/>
         </p:nvSpPr>
@@ -4740,7 +5178,7 @@
       </p:sp>
       <p:sp>
         <p:nvSpPr>
-          <p:cNvPr id="51" name="Google Shape;51;p4"/>
+          <p:cNvPr id="51" name="Google Shape;51;g589bb65a5c_0_664"/>
           <p:cNvSpPr/>
           <p:nvPr/>
         </p:nvSpPr>
@@ -4783,7 +5221,7 @@
       </p:sp>
       <p:sp>
         <p:nvSpPr>
-          <p:cNvPr id="52" name="Google Shape;52;p4"/>
+          <p:cNvPr id="52" name="Google Shape;52;g589bb65a5c_0_664"/>
           <p:cNvSpPr/>
           <p:nvPr/>
         </p:nvSpPr>
@@ -4833,7 +5271,7 @@
       </p:sp>
       <p:sp>
         <p:nvSpPr>
-          <p:cNvPr id="53" name="Google Shape;53;p4"/>
+          <p:cNvPr id="53" name="Google Shape;53;g589bb65a5c_0_664"/>
           <p:cNvSpPr txBox="1"/>
           <p:nvPr>
             <p:ph type="title"/>
@@ -4956,7 +5394,7 @@
       </p:sp>
       <p:sp>
         <p:nvSpPr>
-          <p:cNvPr id="54" name="Google Shape;54;p4"/>
+          <p:cNvPr id="54" name="Google Shape;54;g589bb65a5c_0_664"/>
           <p:cNvSpPr txBox="1"/>
           <p:nvPr>
             <p:ph idx="1" type="body"/>
@@ -5079,7 +5517,7 @@
       </p:sp>
       <p:sp>
         <p:nvSpPr>
-          <p:cNvPr id="55" name="Google Shape;55;p4"/>
+          <p:cNvPr id="55" name="Google Shape;55;g589bb65a5c_0_664"/>
           <p:cNvSpPr txBox="1"/>
           <p:nvPr>
             <p:ph idx="12" type="sldNum"/>
@@ -5147,7 +5585,7 @@
               <a:buNone/>
             </a:pPr>
             <a:fld id="{00000000-1234-1234-1234-123412341234}" type="slidenum">
-              <a:rPr lang="es"/>
+              <a:rPr lang="en-US"/>
               <a:t>‹#›</a:t>
             </a:fld>
             <a:endParaRPr/>
@@ -5188,7 +5626,7 @@
       </p:grpSpPr>
       <p:sp>
         <p:nvSpPr>
-          <p:cNvPr id="57" name="Google Shape;57;p5"/>
+          <p:cNvPr id="57" name="Google Shape;57;g589bb65a5c_0_671"/>
           <p:cNvSpPr/>
           <p:nvPr/>
         </p:nvSpPr>
@@ -5231,7 +5669,7 @@
       </p:sp>
       <p:sp>
         <p:nvSpPr>
-          <p:cNvPr id="58" name="Google Shape;58;p5"/>
+          <p:cNvPr id="58" name="Google Shape;58;g589bb65a5c_0_671"/>
           <p:cNvSpPr/>
           <p:nvPr/>
         </p:nvSpPr>
@@ -5274,7 +5712,7 @@
       </p:sp>
       <p:sp>
         <p:nvSpPr>
-          <p:cNvPr id="59" name="Google Shape;59;p5"/>
+          <p:cNvPr id="59" name="Google Shape;59;g589bb65a5c_0_671"/>
           <p:cNvSpPr/>
           <p:nvPr/>
         </p:nvSpPr>
@@ -5324,7 +5762,7 @@
       </p:sp>
       <p:sp>
         <p:nvSpPr>
-          <p:cNvPr id="60" name="Google Shape;60;p5"/>
+          <p:cNvPr id="60" name="Google Shape;60;g589bb65a5c_0_671"/>
           <p:cNvSpPr txBox="1"/>
           <p:nvPr>
             <p:ph type="title"/>
@@ -5447,7 +5885,7 @@
       </p:sp>
       <p:sp>
         <p:nvSpPr>
-          <p:cNvPr id="61" name="Google Shape;61;p5"/>
+          <p:cNvPr id="61" name="Google Shape;61;g589bb65a5c_0_671"/>
           <p:cNvSpPr txBox="1"/>
           <p:nvPr>
             <p:ph idx="1" type="body"/>
@@ -5570,7 +6008,7 @@
       </p:sp>
       <p:sp>
         <p:nvSpPr>
-          <p:cNvPr id="62" name="Google Shape;62;p5"/>
+          <p:cNvPr id="62" name="Google Shape;62;g589bb65a5c_0_671"/>
           <p:cNvSpPr txBox="1"/>
           <p:nvPr>
             <p:ph idx="2" type="body"/>
@@ -5693,7 +6131,7 @@
       </p:sp>
       <p:sp>
         <p:nvSpPr>
-          <p:cNvPr id="63" name="Google Shape;63;p5"/>
+          <p:cNvPr id="63" name="Google Shape;63;g589bb65a5c_0_671"/>
           <p:cNvSpPr txBox="1"/>
           <p:nvPr>
             <p:ph idx="12" type="sldNum"/>
@@ -5761,7 +6199,7 @@
               <a:buNone/>
             </a:pPr>
             <a:fld id="{00000000-1234-1234-1234-123412341234}" type="slidenum">
-              <a:rPr lang="es"/>
+              <a:rPr lang="en-US"/>
               <a:t>‹#›</a:t>
             </a:fld>
             <a:endParaRPr/>
@@ -5802,7 +6240,7 @@
       </p:grpSpPr>
       <p:sp>
         <p:nvSpPr>
-          <p:cNvPr id="65" name="Google Shape;65;p6"/>
+          <p:cNvPr id="65" name="Google Shape;65;g589bb65a5c_0_679"/>
           <p:cNvSpPr/>
           <p:nvPr/>
         </p:nvSpPr>
@@ -5845,7 +6283,7 @@
       </p:sp>
       <p:sp>
         <p:nvSpPr>
-          <p:cNvPr id="66" name="Google Shape;66;p6"/>
+          <p:cNvPr id="66" name="Google Shape;66;g589bb65a5c_0_679"/>
           <p:cNvSpPr/>
           <p:nvPr/>
         </p:nvSpPr>
@@ -5888,7 +6326,7 @@
       </p:sp>
       <p:sp>
         <p:nvSpPr>
-          <p:cNvPr id="67" name="Google Shape;67;p6"/>
+          <p:cNvPr id="67" name="Google Shape;67;g589bb65a5c_0_679"/>
           <p:cNvSpPr/>
           <p:nvPr/>
         </p:nvSpPr>
@@ -5938,7 +6376,7 @@
       </p:sp>
       <p:sp>
         <p:nvSpPr>
-          <p:cNvPr id="68" name="Google Shape;68;p6"/>
+          <p:cNvPr id="68" name="Google Shape;68;g589bb65a5c_0_679"/>
           <p:cNvSpPr txBox="1"/>
           <p:nvPr>
             <p:ph type="title"/>
@@ -6061,7 +6499,7 @@
       </p:sp>
       <p:sp>
         <p:nvSpPr>
-          <p:cNvPr id="69" name="Google Shape;69;p6"/>
+          <p:cNvPr id="69" name="Google Shape;69;g589bb65a5c_0_679"/>
           <p:cNvSpPr txBox="1"/>
           <p:nvPr>
             <p:ph idx="12" type="sldNum"/>
@@ -6129,7 +6567,7 @@
               <a:buNone/>
             </a:pPr>
             <a:fld id="{00000000-1234-1234-1234-123412341234}" type="slidenum">
-              <a:rPr lang="es"/>
+              <a:rPr lang="en-US"/>
               <a:t>‹#›</a:t>
             </a:fld>
             <a:endParaRPr/>
@@ -6170,7 +6608,7 @@
       </p:grpSpPr>
       <p:sp>
         <p:nvSpPr>
-          <p:cNvPr id="71" name="Google Shape;71;p7"/>
+          <p:cNvPr id="71" name="Google Shape;71;g589bb65a5c_0_685"/>
           <p:cNvSpPr/>
           <p:nvPr/>
         </p:nvSpPr>
@@ -6213,7 +6651,7 @@
       </p:sp>
       <p:sp>
         <p:nvSpPr>
-          <p:cNvPr id="72" name="Google Shape;72;p7"/>
+          <p:cNvPr id="72" name="Google Shape;72;g589bb65a5c_0_685"/>
           <p:cNvSpPr/>
           <p:nvPr/>
         </p:nvSpPr>
@@ -6256,7 +6694,7 @@
       </p:sp>
       <p:sp>
         <p:nvSpPr>
-          <p:cNvPr id="73" name="Google Shape;73;p7"/>
+          <p:cNvPr id="73" name="Google Shape;73;g589bb65a5c_0_685"/>
           <p:cNvSpPr/>
           <p:nvPr/>
         </p:nvSpPr>
@@ -6306,7 +6744,7 @@
       </p:sp>
       <p:sp>
         <p:nvSpPr>
-          <p:cNvPr id="74" name="Google Shape;74;p7"/>
+          <p:cNvPr id="74" name="Google Shape;74;g589bb65a5c_0_685"/>
           <p:cNvSpPr txBox="1"/>
           <p:nvPr>
             <p:ph type="title"/>
@@ -6429,7 +6867,7 @@
       </p:sp>
       <p:sp>
         <p:nvSpPr>
-          <p:cNvPr id="75" name="Google Shape;75;p7"/>
+          <p:cNvPr id="75" name="Google Shape;75;g589bb65a5c_0_685"/>
           <p:cNvSpPr txBox="1"/>
           <p:nvPr>
             <p:ph idx="1" type="body"/>
@@ -6552,7 +6990,7 @@
       </p:sp>
       <p:sp>
         <p:nvSpPr>
-          <p:cNvPr id="76" name="Google Shape;76;p7"/>
+          <p:cNvPr id="76" name="Google Shape;76;g589bb65a5c_0_685"/>
           <p:cNvSpPr txBox="1"/>
           <p:nvPr>
             <p:ph idx="12" type="sldNum"/>
@@ -6620,7 +7058,7 @@
               <a:buNone/>
             </a:pPr>
             <a:fld id="{00000000-1234-1234-1234-123412341234}" type="slidenum">
-              <a:rPr lang="es"/>
+              <a:rPr lang="en-US"/>
               <a:t>‹#›</a:t>
             </a:fld>
             <a:endParaRPr/>
@@ -6661,7 +7099,7 @@
       </p:grpSpPr>
       <p:sp>
         <p:nvSpPr>
-          <p:cNvPr id="78" name="Google Shape;78;p8"/>
+          <p:cNvPr id="78" name="Google Shape;78;g589bb65a5c_0_692"/>
           <p:cNvSpPr/>
           <p:nvPr/>
         </p:nvSpPr>
@@ -6704,7 +7142,7 @@
       </p:sp>
       <p:sp>
         <p:nvSpPr>
-          <p:cNvPr id="79" name="Google Shape;79;p8"/>
+          <p:cNvPr id="79" name="Google Shape;79;g589bb65a5c_0_692"/>
           <p:cNvSpPr/>
           <p:nvPr/>
         </p:nvSpPr>
@@ -6747,7 +7185,7 @@
       </p:sp>
       <p:grpSp>
         <p:nvGrpSpPr>
-          <p:cNvPr id="80" name="Google Shape;80;p8"/>
+          <p:cNvPr id="80" name="Google Shape;80;g589bb65a5c_0_692"/>
           <p:cNvGrpSpPr/>
           <p:nvPr/>
         </p:nvGrpSpPr>
@@ -6761,7 +7199,7 @@
         </p:grpSpPr>
         <p:sp>
           <p:nvSpPr>
-            <p:cNvPr id="81" name="Google Shape;81;p8"/>
+            <p:cNvPr id="81" name="Google Shape;81;g589bb65a5c_0_692"/>
             <p:cNvSpPr/>
             <p:nvPr/>
           </p:nvSpPr>
@@ -6806,7 +7244,7 @@
         </p:sp>
         <p:sp>
           <p:nvSpPr>
-            <p:cNvPr id="82" name="Google Shape;82;p8"/>
+            <p:cNvPr id="82" name="Google Shape;82;g589bb65a5c_0_692"/>
             <p:cNvSpPr/>
             <p:nvPr/>
           </p:nvSpPr>
@@ -6851,7 +7289,7 @@
         </p:sp>
         <p:sp>
           <p:nvSpPr>
-            <p:cNvPr id="83" name="Google Shape;83;p8"/>
+            <p:cNvPr id="83" name="Google Shape;83;g589bb65a5c_0_692"/>
             <p:cNvSpPr/>
             <p:nvPr/>
           </p:nvSpPr>
@@ -6897,7 +7335,7 @@
       </p:grpSp>
       <p:sp>
         <p:nvSpPr>
-          <p:cNvPr id="84" name="Google Shape;84;p8"/>
+          <p:cNvPr id="84" name="Google Shape;84;g589bb65a5c_0_692"/>
           <p:cNvSpPr/>
           <p:nvPr/>
         </p:nvSpPr>
@@ -6947,7 +7385,7 @@
       </p:sp>
       <p:grpSp>
         <p:nvGrpSpPr>
-          <p:cNvPr id="85" name="Google Shape;85;p8"/>
+          <p:cNvPr id="85" name="Google Shape;85;g589bb65a5c_0_692"/>
           <p:cNvGrpSpPr/>
           <p:nvPr/>
         </p:nvGrpSpPr>
@@ -6961,7 +7399,7 @@
         </p:grpSpPr>
         <p:sp>
           <p:nvSpPr>
-            <p:cNvPr id="86" name="Google Shape;86;p8"/>
+            <p:cNvPr id="86" name="Google Shape;86;g589bb65a5c_0_692"/>
             <p:cNvSpPr/>
             <p:nvPr/>
           </p:nvSpPr>
@@ -7006,7 +7444,7 @@
         </p:sp>
         <p:sp>
           <p:nvSpPr>
-            <p:cNvPr id="87" name="Google Shape;87;p8"/>
+            <p:cNvPr id="87" name="Google Shape;87;g589bb65a5c_0_692"/>
             <p:cNvSpPr/>
             <p:nvPr/>
           </p:nvSpPr>
@@ -7051,7 +7489,7 @@
         </p:sp>
         <p:sp>
           <p:nvSpPr>
-            <p:cNvPr id="88" name="Google Shape;88;p8"/>
+            <p:cNvPr id="88" name="Google Shape;88;g589bb65a5c_0_692"/>
             <p:cNvSpPr/>
             <p:nvPr/>
           </p:nvSpPr>
@@ -7097,7 +7535,7 @@
       </p:grpSp>
       <p:grpSp>
         <p:nvGrpSpPr>
-          <p:cNvPr id="89" name="Google Shape;89;p8"/>
+          <p:cNvPr id="89" name="Google Shape;89;g589bb65a5c_0_692"/>
           <p:cNvGrpSpPr/>
           <p:nvPr/>
         </p:nvGrpSpPr>
@@ -7111,7 +7549,7 @@
         </p:grpSpPr>
         <p:sp>
           <p:nvSpPr>
-            <p:cNvPr id="90" name="Google Shape;90;p8"/>
+            <p:cNvPr id="90" name="Google Shape;90;g589bb65a5c_0_692"/>
             <p:cNvSpPr/>
             <p:nvPr/>
           </p:nvSpPr>
@@ -7156,7 +7594,7 @@
         </p:sp>
         <p:sp>
           <p:nvSpPr>
-            <p:cNvPr id="91" name="Google Shape;91;p8"/>
+            <p:cNvPr id="91" name="Google Shape;91;g589bb65a5c_0_692"/>
             <p:cNvSpPr/>
             <p:nvPr/>
           </p:nvSpPr>
@@ -7201,7 +7639,7 @@
         </p:sp>
         <p:sp>
           <p:nvSpPr>
-            <p:cNvPr id="92" name="Google Shape;92;p8"/>
+            <p:cNvPr id="92" name="Google Shape;92;g589bb65a5c_0_692"/>
             <p:cNvSpPr/>
             <p:nvPr/>
           </p:nvSpPr>
@@ -7247,7 +7685,7 @@
       </p:grpSp>
       <p:sp>
         <p:nvSpPr>
-          <p:cNvPr id="93" name="Google Shape;93;p8"/>
+          <p:cNvPr id="93" name="Google Shape;93;g589bb65a5c_0_692"/>
           <p:cNvSpPr txBox="1"/>
           <p:nvPr>
             <p:ph type="title"/>
@@ -7370,7 +7808,7 @@
       </p:sp>
       <p:sp>
         <p:nvSpPr>
-          <p:cNvPr id="94" name="Google Shape;94;p8"/>
+          <p:cNvPr id="94" name="Google Shape;94;g589bb65a5c_0_692"/>
           <p:cNvSpPr txBox="1"/>
           <p:nvPr>
             <p:ph idx="12" type="sldNum"/>
@@ -7438,7 +7876,7 @@
               <a:buNone/>
             </a:pPr>
             <a:fld id="{00000000-1234-1234-1234-123412341234}" type="slidenum">
-              <a:rPr lang="es"/>
+              <a:rPr lang="en-US"/>
               <a:t>‹#›</a:t>
             </a:fld>
             <a:endParaRPr/>
@@ -7479,7 +7917,7 @@
       </p:grpSpPr>
       <p:sp>
         <p:nvSpPr>
-          <p:cNvPr id="96" name="Google Shape;96;p9"/>
+          <p:cNvPr id="96" name="Google Shape;96;g589bb65a5c_0_710"/>
           <p:cNvSpPr/>
           <p:nvPr/>
         </p:nvSpPr>
@@ -7522,7 +7960,7 @@
       </p:sp>
       <p:sp>
         <p:nvSpPr>
-          <p:cNvPr id="97" name="Google Shape;97;p9"/>
+          <p:cNvPr id="97" name="Google Shape;97;g589bb65a5c_0_710"/>
           <p:cNvSpPr/>
           <p:nvPr/>
         </p:nvSpPr>
@@ -7565,7 +8003,7 @@
       </p:sp>
       <p:sp>
         <p:nvSpPr>
-          <p:cNvPr id="98" name="Google Shape;98;p9"/>
+          <p:cNvPr id="98" name="Google Shape;98;g589bb65a5c_0_710"/>
           <p:cNvSpPr/>
           <p:nvPr/>
         </p:nvSpPr>
@@ -7615,7 +8053,7 @@
       </p:sp>
       <p:sp>
         <p:nvSpPr>
-          <p:cNvPr id="99" name="Google Shape;99;p9"/>
+          <p:cNvPr id="99" name="Google Shape;99;g589bb65a5c_0_710"/>
           <p:cNvSpPr txBox="1"/>
           <p:nvPr>
             <p:ph type="title"/>
@@ -7738,7 +8176,7 @@
       </p:sp>
       <p:sp>
         <p:nvSpPr>
-          <p:cNvPr id="100" name="Google Shape;100;p9"/>
+          <p:cNvPr id="100" name="Google Shape;100;g589bb65a5c_0_710"/>
           <p:cNvSpPr txBox="1"/>
           <p:nvPr>
             <p:ph idx="1" type="subTitle"/>
@@ -7951,7 +8389,7 @@
       </p:sp>
       <p:sp>
         <p:nvSpPr>
-          <p:cNvPr id="101" name="Google Shape;101;p9"/>
+          <p:cNvPr id="101" name="Google Shape;101;g589bb65a5c_0_710"/>
           <p:cNvSpPr txBox="1"/>
           <p:nvPr>
             <p:ph idx="2" type="body"/>
@@ -8074,7 +8512,7 @@
       </p:sp>
       <p:sp>
         <p:nvSpPr>
-          <p:cNvPr id="102" name="Google Shape;102;p9"/>
+          <p:cNvPr id="102" name="Google Shape;102;g589bb65a5c_0_710"/>
           <p:cNvSpPr txBox="1"/>
           <p:nvPr>
             <p:ph idx="12" type="sldNum"/>
@@ -8142,7 +8580,7 @@
               <a:buNone/>
             </a:pPr>
             <a:fld id="{00000000-1234-1234-1234-123412341234}" type="slidenum">
-              <a:rPr lang="es"/>
+              <a:rPr lang="en-US"/>
               <a:t>‹#›</a:t>
             </a:fld>
             <a:endParaRPr/>
@@ -8183,7 +8621,7 @@
       </p:grpSpPr>
       <p:sp>
         <p:nvSpPr>
-          <p:cNvPr id="104" name="Google Shape;104;p10"/>
+          <p:cNvPr id="104" name="Google Shape;104;g589bb65a5c_0_718"/>
           <p:cNvSpPr/>
           <p:nvPr/>
         </p:nvSpPr>
@@ -8226,7 +8664,7 @@
       </p:sp>
       <p:sp>
         <p:nvSpPr>
-          <p:cNvPr id="105" name="Google Shape;105;p10"/>
+          <p:cNvPr id="105" name="Google Shape;105;g589bb65a5c_0_718"/>
           <p:cNvSpPr/>
           <p:nvPr/>
         </p:nvSpPr>
@@ -8269,7 +8707,7 @@
       </p:sp>
       <p:sp>
         <p:nvSpPr>
-          <p:cNvPr id="106" name="Google Shape;106;p10"/>
+          <p:cNvPr id="106" name="Google Shape;106;g589bb65a5c_0_718"/>
           <p:cNvSpPr/>
           <p:nvPr/>
         </p:nvSpPr>
@@ -8319,7 +8757,7 @@
       </p:sp>
       <p:sp>
         <p:nvSpPr>
-          <p:cNvPr id="107" name="Google Shape;107;p10"/>
+          <p:cNvPr id="107" name="Google Shape;107;g589bb65a5c_0_718"/>
           <p:cNvSpPr txBox="1"/>
           <p:nvPr>
             <p:ph idx="1" type="body"/>
@@ -8357,7 +8795,7 @@
       </p:sp>
       <p:sp>
         <p:nvSpPr>
-          <p:cNvPr id="108" name="Google Shape;108;p10"/>
+          <p:cNvPr id="108" name="Google Shape;108;g589bb65a5c_0_718"/>
           <p:cNvSpPr txBox="1"/>
           <p:nvPr>
             <p:ph idx="12" type="sldNum"/>
@@ -8425,7 +8863,7 @@
               <a:buNone/>
             </a:pPr>
             <a:fld id="{00000000-1234-1234-1234-123412341234}" type="slidenum">
-              <a:rPr lang="es"/>
+              <a:rPr lang="en-US"/>
               <a:t>‹#›</a:t>
             </a:fld>
             <a:endParaRPr/>
@@ -8466,7 +8904,7 @@
       </p:grpSpPr>
       <p:sp>
         <p:nvSpPr>
-          <p:cNvPr id="6" name="Google Shape;6;p1"/>
+          <p:cNvPr id="6" name="Google Shape;6;g589bb65a5c_0_620"/>
           <p:cNvSpPr txBox="1"/>
           <p:nvPr>
             <p:ph type="title"/>
@@ -8701,7 +9139,7 @@
       </p:sp>
       <p:sp>
         <p:nvSpPr>
-          <p:cNvPr id="7" name="Google Shape;7;p1"/>
+          <p:cNvPr id="7" name="Google Shape;7;g589bb65a5c_0_620"/>
           <p:cNvSpPr txBox="1"/>
           <p:nvPr>
             <p:ph idx="1" type="body"/>
@@ -8963,7 +9401,7 @@
       </p:sp>
       <p:sp>
         <p:nvSpPr>
-          <p:cNvPr id="8" name="Google Shape;8;p1"/>
+          <p:cNvPr id="8" name="Google Shape;8;g589bb65a5c_0_620"/>
           <p:cNvSpPr txBox="1"/>
           <p:nvPr>
             <p:ph idx="12" type="sldNum"/>
@@ -9107,7 +9545,7 @@
               <a:buNone/>
             </a:pPr>
             <a:fld id="{00000000-1234-1234-1234-123412341234}" type="slidenum">
-              <a:rPr lang="es"/>
+              <a:rPr lang="en-US"/>
               <a:t>‹#›</a:t>
             </a:fld>
             <a:endParaRPr/>
@@ -9118,17 +9556,19 @@
   </p:cSld>
   <p:clrMap accent1="accent1" accent2="accent2" accent3="accent3" accent4="accent4" accent5="accent5" accent6="accent6" bg1="lt1" bg2="dk2" tx1="dk1" tx2="lt2" folHlink="folHlink" hlink="hlink"/>
   <p:sldLayoutIdLst>
-    <p:sldLayoutId id="2147483648" r:id="rId1"/>
-    <p:sldLayoutId id="2147483649" r:id="rId2"/>
-    <p:sldLayoutId id="2147483650" r:id="rId3"/>
-    <p:sldLayoutId id="2147483651" r:id="rId4"/>
-    <p:sldLayoutId id="2147483652" r:id="rId5"/>
-    <p:sldLayoutId id="2147483653" r:id="rId6"/>
-    <p:sldLayoutId id="2147483654" r:id="rId7"/>
-    <p:sldLayoutId id="2147483655" r:id="rId8"/>
-    <p:sldLayoutId id="2147483656" r:id="rId9"/>
-    <p:sldLayoutId id="2147483657" r:id="rId10"/>
-    <p:sldLayoutId id="2147483658" r:id="rId11"/>
+    <p:sldLayoutId id="2147483649" r:id="rId1"/>
+    <p:sldLayoutId id="2147483650" r:id="rId2"/>
+    <p:sldLayoutId id="2147483651" r:id="rId3"/>
+    <p:sldLayoutId id="2147483652" r:id="rId4"/>
+    <p:sldLayoutId id="2147483653" r:id="rId5"/>
+    <p:sldLayoutId id="2147483654" r:id="rId6"/>
+    <p:sldLayoutId id="2147483655" r:id="rId7"/>
+    <p:sldLayoutId id="2147483656" r:id="rId8"/>
+    <p:sldLayoutId id="2147483657" r:id="rId9"/>
+    <p:sldLayoutId id="2147483658" r:id="rId10"/>
+    <p:sldLayoutId id="2147483659" r:id="rId11"/>
+    <p:sldLayoutId id="2147483660" r:id="rId12"/>
+    <p:sldLayoutId id="2147483661" r:id="rId13"/>
   </p:sldLayoutIdLst>
   <p:hf dt="0" ftr="0" hdr="0" sldNum="0"/>
   <p:txStyles>
@@ -9828,7 +10268,7 @@
   <p:cSld>
     <p:spTree>
       <p:nvGrpSpPr>
-        <p:cNvPr id="127" name="Shape 127"/>
+        <p:cNvPr id="133" name="Shape 133"/>
         <p:cNvGrpSpPr/>
         <p:nvPr/>
       </p:nvGrpSpPr>
@@ -9842,7 +10282,7 @@
       </p:grpSpPr>
       <p:sp>
         <p:nvSpPr>
-          <p:cNvPr id="128" name="Google Shape;128;p13"/>
+          <p:cNvPr id="134" name="Google Shape;134;p1"/>
           <p:cNvSpPr txBox="1"/>
           <p:nvPr>
             <p:ph type="ctrTitle"/>
@@ -9870,11 +10310,15 @@
               <a:spcAft>
                 <a:spcPts val="0"/>
               </a:spcAft>
+              <a:buClr>
+                <a:srgbClr val="000000"/>
+              </a:buClr>
+              <a:buFont typeface="Arial"/>
               <a:buNone/>
             </a:pPr>
             <a:r>
-              <a:rPr lang="es"/>
-              <a:t>GDS analysis</a:t>
+              <a:rPr lang="en-US"/>
+              <a:t>GDS Analysis</a:t>
             </a:r>
             <a:endParaRPr/>
           </a:p>
@@ -9882,7 +10326,7 @@
       </p:sp>
       <p:sp>
         <p:nvSpPr>
-          <p:cNvPr id="129" name="Google Shape;129;p13"/>
+          <p:cNvPr id="135" name="Google Shape;135;p1"/>
           <p:cNvSpPr txBox="1"/>
           <p:nvPr>
             <p:ph idx="1" type="subTitle"/>
@@ -9910,19 +10354,38 @@
               <a:spcAft>
                 <a:spcPts val="0"/>
               </a:spcAft>
+              <a:buClr>
+                <a:srgbClr val="000000"/>
+              </a:buClr>
+              <a:buFont typeface="Arial"/>
               <a:buNone/>
             </a:pPr>
             <a:r>
-              <a:rPr lang="es"/>
-              <a:t>Pablo </a:t>
+              <a:rPr lang="en-US"/>
+              <a:t>Pablo Sebastián Rodriguez-Andrés Tenesaca Burgos</a:t>
             </a:r>
+            <a:endParaRPr>
+              <a:solidFill>
+                <a:srgbClr val="000000"/>
+              </a:solidFill>
+              <a:latin typeface="Arial"/>
+              <a:ea typeface="Arial"/>
+              <a:cs typeface="Arial"/>
+              <a:sym typeface="Arial"/>
+            </a:endParaRPr>
+          </a:p>
+          <a:p>
+            <a:pPr indent="0" lvl="0" marL="0" rtl="0" algn="ctr">
+              <a:spcBef>
+                <a:spcPts val="0"/>
+              </a:spcBef>
+              <a:spcAft>
+                <a:spcPts val="0"/>
+              </a:spcAft>
+              <a:buNone/>
+            </a:pPr>
             <a:r>
-              <a:rPr lang="es"/>
-              <a:t>Sebastián</a:t>
-            </a:r>
-            <a:r>
-              <a:rPr lang="es"/>
-              <a:t> Rodriguez, Andrés Tenesaca Burgos</a:t>
+              <a:t/>
             </a:r>
             <a:endParaRPr/>
           </a:p>
@@ -9941,7 +10404,7 @@
   <p:cSld>
     <p:spTree>
       <p:nvGrpSpPr>
-        <p:cNvPr id="183" name="Shape 183"/>
+        <p:cNvPr id="196" name="Shape 196"/>
         <p:cNvGrpSpPr/>
         <p:nvPr/>
       </p:nvGrpSpPr>
@@ -9953,44 +10416,16 @@
           <a:chExt cx="0" cy="0"/>
         </a:xfrm>
       </p:grpSpPr>
-      <p:pic>
-        <p:nvPicPr>
-          <p:cNvPr id="184" name="Google Shape;184;p22"/>
-          <p:cNvPicPr preferRelativeResize="0"/>
-          <p:nvPr/>
-        </p:nvPicPr>
-        <p:blipFill>
-          <a:blip r:embed="rId3">
-            <a:alphaModFix/>
-          </a:blip>
-          <a:stretch>
-            <a:fillRect/>
-          </a:stretch>
-        </p:blipFill>
-        <p:spPr>
-          <a:xfrm>
-            <a:off x="1619250" y="1384750"/>
-            <a:ext cx="5905500" cy="2857500"/>
-          </a:xfrm>
-          <a:prstGeom prst="rect">
-            <a:avLst/>
-          </a:prstGeom>
-          <a:noFill/>
-          <a:ln>
-            <a:noFill/>
-          </a:ln>
-        </p:spPr>
-      </p:pic>
       <p:sp>
         <p:nvSpPr>
-          <p:cNvPr id="185" name="Google Shape;185;p22"/>
-          <p:cNvSpPr txBox="1"/>
+          <p:cNvPr id="197" name="Google Shape;197;p10"/>
+          <p:cNvSpPr/>
           <p:nvPr/>
         </p:nvSpPr>
         <p:spPr>
           <a:xfrm>
-            <a:off x="3464100" y="416325"/>
-            <a:ext cx="2215800" cy="631200"/>
+            <a:off x="2752560" y="319320"/>
+            <a:ext cx="4105440" cy="869400"/>
           </a:xfrm>
           <a:prstGeom prst="rect">
             <a:avLst/>
@@ -10006,7 +10441,10 @@
           </a:bodyPr>
           <a:lstStyle/>
           <a:p>
-            <a:pPr indent="0" lvl="0" marL="0" rtl="0" algn="l">
+            <a:pPr indent="0" lvl="0" marL="0" marR="0" rtl="0" algn="ctr">
+              <a:lnSpc>
+                <a:spcPct val="100000"/>
+              </a:lnSpc>
               <a:spcBef>
                 <a:spcPts val="0"/>
               </a:spcBef>
@@ -10016,7 +10454,7 @@
               <a:buNone/>
             </a:pPr>
             <a:r>
-              <a:rPr lang="es" sz="2500">
+              <a:rPr b="0" i="0" lang="en-US" sz="2500" u="none" cap="none" strike="noStrike">
                 <a:solidFill>
                   <a:srgbClr val="FF0000"/>
                 </a:solidFill>
@@ -10025,20 +10463,71 @@
                 <a:cs typeface="Cambria"/>
                 <a:sym typeface="Cambria"/>
               </a:rPr>
-              <a:t>HeatMap plot</a:t>
+              <a:t>Tables and Single Gene Expression</a:t>
             </a:r>
-            <a:endParaRPr sz="2500">
-              <a:solidFill>
-                <a:srgbClr val="FF0000"/>
-              </a:solidFill>
-              <a:latin typeface="Cambria"/>
-              <a:ea typeface="Cambria"/>
-              <a:cs typeface="Cambria"/>
-              <a:sym typeface="Cambria"/>
+            <a:endParaRPr b="0" i="0" sz="2500" u="none" cap="none" strike="noStrike">
+              <a:latin typeface="Arial"/>
+              <a:ea typeface="Arial"/>
+              <a:cs typeface="Arial"/>
+              <a:sym typeface="Arial"/>
             </a:endParaRPr>
           </a:p>
         </p:txBody>
       </p:sp>
+      <p:pic>
+        <p:nvPicPr>
+          <p:cNvPr id="198" name="Google Shape;198;p10"/>
+          <p:cNvPicPr preferRelativeResize="0"/>
+          <p:nvPr/>
+        </p:nvPicPr>
+        <p:blipFill rotWithShape="1">
+          <a:blip r:embed="rId3">
+            <a:alphaModFix/>
+          </a:blip>
+          <a:srcRect b="0" l="0" r="0" t="0"/>
+          <a:stretch/>
+        </p:blipFill>
+        <p:spPr>
+          <a:xfrm>
+            <a:off x="6126480" y="3106440"/>
+            <a:ext cx="2377440" cy="1831320"/>
+          </a:xfrm>
+          <a:prstGeom prst="rect">
+            <a:avLst/>
+          </a:prstGeom>
+          <a:noFill/>
+          <a:ln>
+            <a:noFill/>
+          </a:ln>
+        </p:spPr>
+      </p:pic>
+      <p:pic>
+        <p:nvPicPr>
+          <p:cNvPr id="199" name="Google Shape;199;p10"/>
+          <p:cNvPicPr preferRelativeResize="0"/>
+          <p:nvPr/>
+        </p:nvPicPr>
+        <p:blipFill rotWithShape="1">
+          <a:blip r:embed="rId4">
+            <a:alphaModFix/>
+          </a:blip>
+          <a:srcRect b="0" l="0" r="0" t="0"/>
+          <a:stretch/>
+        </p:blipFill>
+        <p:spPr>
+          <a:xfrm>
+            <a:off x="378360" y="1188720"/>
+            <a:ext cx="6662520" cy="1783440"/>
+          </a:xfrm>
+          <a:prstGeom prst="rect">
+            <a:avLst/>
+          </a:prstGeom>
+          <a:noFill/>
+          <a:ln>
+            <a:noFill/>
+          </a:ln>
+        </p:spPr>
+      </p:pic>
     </p:spTree>
   </p:cSld>
   <p:clrMapOvr>
@@ -10047,12 +10536,12 @@
 </p:sld>
 </file>
 
-<file path=ppt/slides/slide11.xml><?xml version="1.0" encoding="utf-8"?>
+<file path=ppt/slides/slide2.xml><?xml version="1.0" encoding="utf-8"?>
 <p:sld xmlns:a="http://schemas.openxmlformats.org/drawingml/2006/main" xmlns:r="http://schemas.openxmlformats.org/officeDocument/2006/relationships" xmlns:mc="http://schemas.openxmlformats.org/markup-compatibility/2006" xmlns:mv="urn:schemas-microsoft-com:mac:vml" xmlns:p="http://schemas.openxmlformats.org/presentationml/2006/main" xmlns:c="http://schemas.openxmlformats.org/drawingml/2006/chart" xmlns:dgm="http://schemas.openxmlformats.org/drawingml/2006/diagram" xmlns:o="urn:schemas-microsoft-com:office:office" xmlns:v="urn:schemas-microsoft-com:vml" xmlns:pvml="urn:schemas-microsoft-com:office:powerpoint" xmlns:com="http://schemas.openxmlformats.org/drawingml/2006/compatibility" xmlns:p14="http://schemas.microsoft.com/office/powerpoint/2010/main" xmlns:p15="http://schemas.microsoft.com/office/powerpoint/2012/main">
   <p:cSld>
     <p:spTree>
       <p:nvGrpSpPr>
-        <p:cNvPr id="189" name="Shape 189"/>
+        <p:cNvPr id="139" name="Shape 139"/>
         <p:cNvGrpSpPr/>
         <p:nvPr/>
       </p:nvGrpSpPr>
@@ -10066,22 +10555,21 @@
       </p:grpSpPr>
       <p:pic>
         <p:nvPicPr>
-          <p:cNvPr id="190" name="Google Shape;190;p23"/>
+          <p:cNvPr id="140" name="Google Shape;140;p2"/>
           <p:cNvPicPr preferRelativeResize="0"/>
           <p:nvPr/>
         </p:nvPicPr>
-        <p:blipFill>
+        <p:blipFill rotWithShape="1">
           <a:blip r:embed="rId3">
             <a:alphaModFix/>
           </a:blip>
-          <a:stretch>
-            <a:fillRect/>
-          </a:stretch>
+          <a:srcRect b="0" l="0" r="0" t="0"/>
+          <a:stretch/>
         </p:blipFill>
         <p:spPr>
           <a:xfrm>
-            <a:off x="918299" y="950500"/>
-            <a:ext cx="7307425" cy="3752850"/>
+            <a:off x="457200" y="1642320"/>
+            <a:ext cx="3672720" cy="918000"/>
           </a:xfrm>
           <a:prstGeom prst="rect">
             <a:avLst/>
@@ -10094,14 +10582,14 @@
       </p:pic>
       <p:sp>
         <p:nvSpPr>
-          <p:cNvPr id="191" name="Google Shape;191;p23"/>
-          <p:cNvSpPr txBox="1"/>
+          <p:cNvPr id="141" name="Google Shape;141;p2"/>
+          <p:cNvSpPr/>
           <p:nvPr/>
         </p:nvSpPr>
         <p:spPr>
           <a:xfrm>
-            <a:off x="3484200" y="319300"/>
-            <a:ext cx="2175600" cy="631200"/>
+            <a:off x="2880049" y="487950"/>
+            <a:ext cx="3201000" cy="630600"/>
           </a:xfrm>
           <a:prstGeom prst="rect">
             <a:avLst/>
@@ -10117,7 +10605,10 @@
           </a:bodyPr>
           <a:lstStyle/>
           <a:p>
-            <a:pPr indent="0" lvl="0" marL="0" rtl="0" algn="l">
+            <a:pPr indent="0" lvl="0" marL="0" marR="0" rtl="0" algn="l">
+              <a:lnSpc>
+                <a:spcPct val="100000"/>
+              </a:lnSpc>
               <a:spcBef>
                 <a:spcPts val="0"/>
               </a:spcBef>
@@ -10127,7 +10618,7 @@
               <a:buNone/>
             </a:pPr>
             <a:r>
-              <a:rPr lang="es" sz="2500">
+              <a:rPr b="0" i="0" lang="en-US" sz="2500" u="none" cap="none" strike="noStrike">
                 <a:solidFill>
                   <a:srgbClr val="FF0000"/>
                 </a:solidFill>
@@ -10136,63 +10627,34 @@
                 <a:cs typeface="Cambria"/>
                 <a:sym typeface="Cambria"/>
               </a:rPr>
-              <a:t>Volcano plot</a:t>
+              <a:t>Technology and Tools</a:t>
             </a:r>
-            <a:endParaRPr sz="2500">
-              <a:solidFill>
-                <a:srgbClr val="FF0000"/>
-              </a:solidFill>
-              <a:latin typeface="Cambria"/>
-              <a:ea typeface="Cambria"/>
-              <a:cs typeface="Cambria"/>
-              <a:sym typeface="Cambria"/>
+            <a:endParaRPr b="0" i="0" sz="2500" u="none" cap="none" strike="noStrike">
+              <a:latin typeface="Arial"/>
+              <a:ea typeface="Arial"/>
+              <a:cs typeface="Arial"/>
+              <a:sym typeface="Arial"/>
             </a:endParaRPr>
           </a:p>
         </p:txBody>
       </p:sp>
-    </p:spTree>
-  </p:cSld>
-  <p:clrMapOvr>
-    <a:masterClrMapping/>
-  </p:clrMapOvr>
-</p:sld>
-</file>
-
-<file path=ppt/slides/slide2.xml><?xml version="1.0" encoding="utf-8"?>
-<p:sld xmlns:a="http://schemas.openxmlformats.org/drawingml/2006/main" xmlns:r="http://schemas.openxmlformats.org/officeDocument/2006/relationships" xmlns:mc="http://schemas.openxmlformats.org/markup-compatibility/2006" xmlns:mv="urn:schemas-microsoft-com:mac:vml" xmlns:p="http://schemas.openxmlformats.org/presentationml/2006/main" xmlns:c="http://schemas.openxmlformats.org/drawingml/2006/chart" xmlns:dgm="http://schemas.openxmlformats.org/drawingml/2006/diagram" xmlns:o="urn:schemas-microsoft-com:office:office" xmlns:v="urn:schemas-microsoft-com:vml" xmlns:pvml="urn:schemas-microsoft-com:office:powerpoint" xmlns:com="http://schemas.openxmlformats.org/drawingml/2006/compatibility" xmlns:p14="http://schemas.microsoft.com/office/powerpoint/2010/main" xmlns:p15="http://schemas.microsoft.com/office/powerpoint/2012/main">
-  <p:cSld>
-    <p:spTree>
-      <p:nvGrpSpPr>
-        <p:cNvPr id="133" name="Shape 133"/>
-        <p:cNvGrpSpPr/>
-        <p:nvPr/>
-      </p:nvGrpSpPr>
-      <p:grpSpPr>
-        <a:xfrm>
-          <a:off x="0" y="0"/>
-          <a:ext cx="0" cy="0"/>
-          <a:chOff x="0" y="0"/>
-          <a:chExt cx="0" cy="0"/>
-        </a:xfrm>
-      </p:grpSpPr>
       <p:pic>
         <p:nvPicPr>
-          <p:cNvPr id="134" name="Google Shape;134;p14"/>
+          <p:cNvPr id="142" name="Google Shape;142;p2"/>
           <p:cNvPicPr preferRelativeResize="0"/>
           <p:nvPr/>
         </p:nvPicPr>
-        <p:blipFill>
-          <a:blip r:embed="rId3">
+        <p:blipFill rotWithShape="1">
+          <a:blip r:embed="rId4">
             <a:alphaModFix/>
           </a:blip>
-          <a:stretch>
-            <a:fillRect/>
-          </a:stretch>
+          <a:srcRect b="0" l="0" r="0" t="0"/>
+          <a:stretch/>
         </p:blipFill>
         <p:spPr>
           <a:xfrm>
-            <a:off x="3304428" y="1326825"/>
-            <a:ext cx="2535150" cy="1163400"/>
+            <a:off x="5658840" y="1554480"/>
+            <a:ext cx="2479320" cy="1314000"/>
           </a:xfrm>
           <a:prstGeom prst="rect">
             <a:avLst/>
@@ -10205,14 +10667,14 @@
       </p:pic>
       <p:sp>
         <p:nvSpPr>
-          <p:cNvPr id="135" name="Google Shape;135;p14"/>
-          <p:cNvSpPr txBox="1"/>
+          <p:cNvPr id="143" name="Google Shape;143;p2"/>
+          <p:cNvSpPr/>
           <p:nvPr/>
         </p:nvSpPr>
         <p:spPr>
           <a:xfrm>
-            <a:off x="2947100" y="2720525"/>
-            <a:ext cx="3572100" cy="1979700"/>
+            <a:off x="1737350" y="3200400"/>
+            <a:ext cx="5486400" cy="1419300"/>
           </a:xfrm>
           <a:prstGeom prst="rect">
             <a:avLst/>
@@ -10228,9 +10690,9 @@
           </a:bodyPr>
           <a:lstStyle/>
           <a:p>
-            <a:pPr indent="-355600" lvl="0" marL="457200" rtl="0" algn="l">
+            <a:pPr indent="0" lvl="0" marL="0" marR="0" rtl="0" algn="ctr">
               <a:lnSpc>
-                <a:spcPct val="115000"/>
+                <a:spcPct val="100000"/>
               </a:lnSpc>
               <a:spcBef>
                 <a:spcPts val="0"/>
@@ -10238,208 +10700,63 @@
               <a:spcAft>
                 <a:spcPts val="0"/>
               </a:spcAft>
-              <a:buClr>
-                <a:schemeClr val="dk2"/>
-              </a:buClr>
-              <a:buSzPts val="2000"/>
-              <a:buFont typeface="Calibri"/>
-              <a:buAutoNum type="arabicPeriod"/>
+              <a:buNone/>
             </a:pPr>
             <a:r>
-              <a:rPr lang="es" sz="2000">
+              <a:rPr b="1" i="0" lang="en-US" sz="1500" u="none" cap="none" strike="noStrike">
                 <a:solidFill>
-                  <a:schemeClr val="dk2"/>
-                </a:solidFill>
-                <a:latin typeface="Calibri"/>
-                <a:ea typeface="Calibri"/>
-                <a:cs typeface="Calibri"/>
-                <a:sym typeface="Calibri"/>
-              </a:rPr>
-              <a:t>Platforms</a:t>
-            </a:r>
-            <a:endParaRPr sz="2000">
-              <a:solidFill>
-                <a:schemeClr val="dk2"/>
-              </a:solidFill>
-              <a:latin typeface="Calibri"/>
-              <a:ea typeface="Calibri"/>
-              <a:cs typeface="Calibri"/>
-              <a:sym typeface="Calibri"/>
-            </a:endParaRPr>
-          </a:p>
-          <a:p>
-            <a:pPr indent="-355600" lvl="0" marL="457200" rtl="0" algn="l">
-              <a:lnSpc>
-                <a:spcPct val="115000"/>
-              </a:lnSpc>
-              <a:spcBef>
-                <a:spcPts val="0"/>
-              </a:spcBef>
-              <a:spcAft>
-                <a:spcPts val="0"/>
-              </a:spcAft>
-              <a:buClr>
-                <a:schemeClr val="dk2"/>
-              </a:buClr>
-              <a:buSzPts val="2000"/>
-              <a:buFont typeface="Calibri"/>
-              <a:buAutoNum type="arabicPeriod"/>
-            </a:pPr>
-            <a:r>
-              <a:rPr lang="es" sz="2000">
-                <a:solidFill>
-                  <a:schemeClr val="dk2"/>
-                </a:solidFill>
-                <a:latin typeface="Calibri"/>
-                <a:ea typeface="Calibri"/>
-                <a:cs typeface="Calibri"/>
-                <a:sym typeface="Calibri"/>
-              </a:rPr>
-              <a:t>Samples</a:t>
-            </a:r>
-            <a:endParaRPr sz="2000">
-              <a:solidFill>
-                <a:schemeClr val="dk2"/>
-              </a:solidFill>
-              <a:latin typeface="Calibri"/>
-              <a:ea typeface="Calibri"/>
-              <a:cs typeface="Calibri"/>
-              <a:sym typeface="Calibri"/>
-            </a:endParaRPr>
-          </a:p>
-          <a:p>
-            <a:pPr indent="-355600" lvl="0" marL="457200" rtl="0" algn="l">
-              <a:lnSpc>
-                <a:spcPct val="115000"/>
-              </a:lnSpc>
-              <a:spcBef>
-                <a:spcPts val="0"/>
-              </a:spcBef>
-              <a:spcAft>
-                <a:spcPts val="0"/>
-              </a:spcAft>
-              <a:buClr>
-                <a:schemeClr val="dk2"/>
-              </a:buClr>
-              <a:buSzPts val="2000"/>
-              <a:buFont typeface="Calibri"/>
-              <a:buAutoNum type="arabicPeriod"/>
-            </a:pPr>
-            <a:r>
-              <a:rPr lang="es" sz="2000">
-                <a:solidFill>
-                  <a:schemeClr val="dk2"/>
-                </a:solidFill>
-                <a:latin typeface="Calibri"/>
-                <a:ea typeface="Calibri"/>
-                <a:cs typeface="Calibri"/>
-                <a:sym typeface="Calibri"/>
-              </a:rPr>
-              <a:t>Series</a:t>
-            </a:r>
-            <a:endParaRPr sz="2000">
-              <a:solidFill>
-                <a:schemeClr val="dk2"/>
-              </a:solidFill>
-              <a:latin typeface="Calibri"/>
-              <a:ea typeface="Calibri"/>
-              <a:cs typeface="Calibri"/>
-              <a:sym typeface="Calibri"/>
-            </a:endParaRPr>
-          </a:p>
-          <a:p>
-            <a:pPr indent="-355600" lvl="0" marL="457200" rtl="0" algn="l">
-              <a:lnSpc>
-                <a:spcPct val="115000"/>
-              </a:lnSpc>
-              <a:spcBef>
-                <a:spcPts val="0"/>
-              </a:spcBef>
-              <a:spcAft>
-                <a:spcPts val="0"/>
-              </a:spcAft>
-              <a:buClr>
-                <a:schemeClr val="dk2"/>
-              </a:buClr>
-              <a:buSzPts val="2000"/>
-              <a:buFont typeface="Calibri"/>
-              <a:buAutoNum type="arabicPeriod"/>
-            </a:pPr>
-            <a:r>
-              <a:rPr lang="es" sz="2000">
-                <a:solidFill>
-                  <a:schemeClr val="dk2"/>
-                </a:solidFill>
-                <a:latin typeface="Calibri"/>
-                <a:ea typeface="Calibri"/>
-                <a:cs typeface="Calibri"/>
-                <a:sym typeface="Calibri"/>
-              </a:rPr>
-              <a:t>Datasets</a:t>
-            </a:r>
-            <a:endParaRPr sz="2000">
-              <a:latin typeface="Calibri"/>
-              <a:ea typeface="Calibri"/>
-              <a:cs typeface="Calibri"/>
-              <a:sym typeface="Calibri"/>
-            </a:endParaRPr>
-          </a:p>
-        </p:txBody>
-      </p:sp>
-      <p:sp>
-        <p:nvSpPr>
-          <p:cNvPr id="136" name="Google Shape;136;p14"/>
-          <p:cNvSpPr txBox="1"/>
-          <p:nvPr/>
-        </p:nvSpPr>
-        <p:spPr>
-          <a:xfrm>
-            <a:off x="3102800" y="555250"/>
-            <a:ext cx="3260700" cy="631200"/>
-          </a:xfrm>
-          <a:prstGeom prst="rect">
-            <a:avLst/>
-          </a:prstGeom>
-          <a:noFill/>
-          <a:ln>
-            <a:noFill/>
-          </a:ln>
-        </p:spPr>
-        <p:txBody>
-          <a:bodyPr anchorCtr="0" anchor="t" bIns="91425" lIns="91425" spcFirstLastPara="1" rIns="91425" wrap="square" tIns="91425">
-            <a:noAutofit/>
-          </a:bodyPr>
-          <a:lstStyle/>
-          <a:p>
-            <a:pPr indent="0" lvl="0" marL="0" rtl="0" algn="l">
-              <a:spcBef>
-                <a:spcPts val="0"/>
-              </a:spcBef>
-              <a:spcAft>
-                <a:spcPts val="0"/>
-              </a:spcAft>
-              <a:buNone/>
-            </a:pPr>
-            <a:r>
-              <a:rPr lang="es" sz="2500">
-                <a:solidFill>
-                  <a:srgbClr val="FF0000"/>
+                  <a:srgbClr val="000000"/>
                 </a:solidFill>
                 <a:latin typeface="Cambria"/>
                 <a:ea typeface="Cambria"/>
                 <a:cs typeface="Cambria"/>
                 <a:sym typeface="Cambria"/>
               </a:rPr>
-              <a:t>Source GDS packages</a:t>
+              <a:t>MICROARRAYS</a:t>
             </a:r>
-            <a:endParaRPr sz="2500">
+            <a:endParaRPr b="0" i="0" sz="1500" u="none" cap="none" strike="noStrike">
               <a:solidFill>
-                <a:srgbClr val="FF0000"/>
+                <a:srgbClr val="000000"/>
               </a:solidFill>
-              <a:latin typeface="Cambria"/>
-              <a:ea typeface="Cambria"/>
-              <a:cs typeface="Cambria"/>
-              <a:sym typeface="Cambria"/>
+              <a:latin typeface="Arial"/>
+              <a:ea typeface="Arial"/>
+              <a:cs typeface="Arial"/>
+              <a:sym typeface="Arial"/>
+            </a:endParaRPr>
+          </a:p>
+          <a:p>
+            <a:pPr indent="0" lvl="0" marL="0" marR="0" rtl="0" algn="just">
+              <a:lnSpc>
+                <a:spcPct val="100000"/>
+              </a:lnSpc>
+              <a:spcBef>
+                <a:spcPts val="0"/>
+              </a:spcBef>
+              <a:spcAft>
+                <a:spcPts val="0"/>
+              </a:spcAft>
+              <a:buNone/>
+            </a:pPr>
+            <a:r>
+              <a:rPr b="0" i="0" lang="en-US" sz="1500" u="none" cap="none" strike="noStrike">
+                <a:solidFill>
+                  <a:srgbClr val="000000"/>
+                </a:solidFill>
+                <a:latin typeface="Cambria"/>
+                <a:ea typeface="Cambria"/>
+                <a:cs typeface="Cambria"/>
+                <a:sym typeface="Cambria"/>
+              </a:rPr>
+              <a:t> Formato experimental basado en la síntesis o fijación de sondas que presentan los objetos a estudiar (genes, proteínas…), sobre un sustrato sólido (cristal, plástico, sílice), y expuestos a molécuals diana (la muestra)</a:t>
+            </a:r>
+            <a:endParaRPr b="0" i="0" sz="1500" u="none" cap="none" strike="noStrike">
+              <a:solidFill>
+                <a:srgbClr val="000000"/>
+              </a:solidFill>
+              <a:latin typeface="Arial"/>
+              <a:ea typeface="Arial"/>
+              <a:cs typeface="Arial"/>
+              <a:sym typeface="Arial"/>
             </a:endParaRPr>
           </a:p>
         </p:txBody>
@@ -10457,7 +10774,7 @@
   <p:cSld>
     <p:spTree>
       <p:nvGrpSpPr>
-        <p:cNvPr id="140" name="Shape 140"/>
+        <p:cNvPr id="147" name="Shape 147"/>
         <p:cNvGrpSpPr/>
         <p:nvPr/>
       </p:nvGrpSpPr>
@@ -10471,22 +10788,21 @@
       </p:grpSpPr>
       <p:pic>
         <p:nvPicPr>
-          <p:cNvPr id="141" name="Google Shape;141;p15"/>
+          <p:cNvPr id="148" name="Google Shape;148;p3"/>
           <p:cNvPicPr preferRelativeResize="0"/>
           <p:nvPr/>
         </p:nvPicPr>
-        <p:blipFill>
+        <p:blipFill rotWithShape="1">
           <a:blip r:embed="rId3">
             <a:alphaModFix/>
           </a:blip>
-          <a:stretch>
-            <a:fillRect/>
-          </a:stretch>
+          <a:srcRect b="0" l="0" r="0" t="0"/>
+          <a:stretch/>
         </p:blipFill>
         <p:spPr>
           <a:xfrm>
-            <a:off x="1447800" y="1790700"/>
-            <a:ext cx="6248400" cy="1562100"/>
+            <a:off x="6083578" y="1387276"/>
+            <a:ext cx="1887475" cy="866125"/>
           </a:xfrm>
           <a:prstGeom prst="rect">
             <a:avLst/>
@@ -10499,14 +10815,14 @@
       </p:pic>
       <p:sp>
         <p:nvSpPr>
-          <p:cNvPr id="142" name="Google Shape;142;p15"/>
-          <p:cNvSpPr txBox="1"/>
+          <p:cNvPr id="149" name="Google Shape;149;p3"/>
+          <p:cNvSpPr/>
           <p:nvPr/>
         </p:nvSpPr>
         <p:spPr>
           <a:xfrm>
-            <a:off x="2941650" y="514950"/>
-            <a:ext cx="3260700" cy="631200"/>
+            <a:off x="457200" y="2103120"/>
+            <a:ext cx="8138160" cy="1979280"/>
           </a:xfrm>
           <a:prstGeom prst="rect">
             <a:avLst/>
@@ -10522,17 +10838,255 @@
           </a:bodyPr>
           <a:lstStyle/>
           <a:p>
-            <a:pPr indent="0" lvl="0" marL="0" rtl="0" algn="l">
-              <a:spcBef>
-                <a:spcPts val="0"/>
-              </a:spcBef>
-              <a:spcAft>
-                <a:spcPts val="0"/>
-              </a:spcAft>
-              <a:buNone/>
+            <a:pPr indent="-368020" lvl="0" marL="457200" marR="0" rtl="0" algn="ctr">
+              <a:lnSpc>
+                <a:spcPct val="115000"/>
+              </a:lnSpc>
+              <a:spcBef>
+                <a:spcPts val="0"/>
+              </a:spcBef>
+              <a:spcAft>
+                <a:spcPts val="0"/>
+              </a:spcAft>
+              <a:buClr>
+                <a:srgbClr val="233A44"/>
+              </a:buClr>
+              <a:buSzPts val="1400"/>
+              <a:buFont typeface="Calibri"/>
+              <a:buAutoNum type="arabicPeriod"/>
             </a:pPr>
             <a:r>
-              <a:rPr lang="es" sz="2500">
+              <a:rPr b="1" i="0" lang="en-US" u="none" cap="none" strike="noStrike">
+                <a:solidFill>
+                  <a:srgbClr val="233A44"/>
+                </a:solidFill>
+                <a:latin typeface="Calibri"/>
+                <a:ea typeface="Calibri"/>
+                <a:cs typeface="Calibri"/>
+                <a:sym typeface="Calibri"/>
+              </a:rPr>
+              <a:t>¿Qué es un GDS?</a:t>
+            </a:r>
+            <a:endParaRPr b="0" i="0" u="none" cap="none" strike="noStrike">
+              <a:latin typeface="Arial"/>
+              <a:ea typeface="Arial"/>
+              <a:cs typeface="Arial"/>
+              <a:sym typeface="Arial"/>
+            </a:endParaRPr>
+          </a:p>
+          <a:p>
+            <a:pPr indent="-368020" lvl="0" marL="457200" marR="0" rtl="0" algn="ctr">
+              <a:lnSpc>
+                <a:spcPct val="115000"/>
+              </a:lnSpc>
+              <a:spcBef>
+                <a:spcPts val="0"/>
+              </a:spcBef>
+              <a:spcAft>
+                <a:spcPts val="0"/>
+              </a:spcAft>
+              <a:buClr>
+                <a:srgbClr val="233A44"/>
+              </a:buClr>
+              <a:buSzPts val="1400"/>
+              <a:buFont typeface="Calibri"/>
+              <a:buAutoNum type="arabicPeriod"/>
+            </a:pPr>
+            <a:r>
+              <a:rPr b="0" i="0" lang="en-US" u="sng" cap="none" strike="noStrike">
+                <a:solidFill>
+                  <a:srgbClr val="233A44"/>
+                </a:solidFill>
+                <a:latin typeface="Calibri"/>
+                <a:ea typeface="Calibri"/>
+                <a:cs typeface="Calibri"/>
+                <a:sym typeface="Calibri"/>
+              </a:rPr>
+              <a:t>Formato GEO SOFT</a:t>
+            </a:r>
+            <a:r>
+              <a:rPr b="0" i="0" lang="en-US" u="none" cap="none" strike="noStrike">
+                <a:solidFill>
+                  <a:srgbClr val="233A44"/>
+                </a:solidFill>
+                <a:latin typeface="Calibri"/>
+                <a:ea typeface="Calibri"/>
+                <a:cs typeface="Calibri"/>
+                <a:sym typeface="Calibri"/>
+              </a:rPr>
+              <a:t> = información de microarrays en formato GEO</a:t>
+            </a:r>
+            <a:endParaRPr b="0" i="0" u="none" cap="none" strike="noStrike">
+              <a:latin typeface="Arial"/>
+              <a:ea typeface="Arial"/>
+              <a:cs typeface="Arial"/>
+              <a:sym typeface="Arial"/>
+            </a:endParaRPr>
+          </a:p>
+          <a:p>
+            <a:pPr indent="-368020" lvl="0" marL="457200" marR="0" rtl="0" algn="ctr">
+              <a:lnSpc>
+                <a:spcPct val="115000"/>
+              </a:lnSpc>
+              <a:spcBef>
+                <a:spcPts val="0"/>
+              </a:spcBef>
+              <a:spcAft>
+                <a:spcPts val="0"/>
+              </a:spcAft>
+              <a:buClr>
+                <a:srgbClr val="233A44"/>
+              </a:buClr>
+              <a:buSzPts val="1400"/>
+              <a:buFont typeface="Calibri"/>
+              <a:buAutoNum type="arabicPeriod"/>
+            </a:pPr>
+            <a:r>
+              <a:rPr b="0" i="0" lang="en-US" u="sng" cap="none" strike="noStrike">
+                <a:solidFill>
+                  <a:srgbClr val="233A44"/>
+                </a:solidFill>
+                <a:latin typeface="Calibri"/>
+                <a:ea typeface="Calibri"/>
+                <a:cs typeface="Calibri"/>
+                <a:sym typeface="Calibri"/>
+              </a:rPr>
+              <a:t>GEO</a:t>
+            </a:r>
+            <a:r>
+              <a:rPr b="0" i="0" lang="en-US" u="none" cap="none" strike="noStrike">
+                <a:solidFill>
+                  <a:srgbClr val="233A44"/>
+                </a:solidFill>
+                <a:latin typeface="Calibri"/>
+                <a:ea typeface="Calibri"/>
+                <a:cs typeface="Calibri"/>
+                <a:sym typeface="Calibri"/>
+              </a:rPr>
+              <a:t> = Gene Expression Omnibus database</a:t>
+            </a:r>
+            <a:endParaRPr b="0" i="0" u="none" cap="none" strike="noStrike">
+              <a:latin typeface="Arial"/>
+              <a:ea typeface="Arial"/>
+              <a:cs typeface="Arial"/>
+              <a:sym typeface="Arial"/>
+            </a:endParaRPr>
+          </a:p>
+          <a:p>
+            <a:pPr indent="-368020" lvl="0" marL="457200" marR="0" rtl="0" algn="ctr">
+              <a:lnSpc>
+                <a:spcPct val="115000"/>
+              </a:lnSpc>
+              <a:spcBef>
+                <a:spcPts val="0"/>
+              </a:spcBef>
+              <a:spcAft>
+                <a:spcPts val="0"/>
+              </a:spcAft>
+              <a:buClr>
+                <a:srgbClr val="233A44"/>
+              </a:buClr>
+              <a:buSzPts val="1400"/>
+              <a:buFont typeface="Calibri"/>
+              <a:buAutoNum type="arabicPeriod"/>
+            </a:pPr>
+            <a:r>
+              <a:rPr b="0" i="0" lang="en-US" u="none" cap="none" strike="noStrike">
+                <a:solidFill>
+                  <a:srgbClr val="233A44"/>
+                </a:solidFill>
+                <a:latin typeface="Calibri"/>
+                <a:ea typeface="Calibri"/>
+                <a:cs typeface="Calibri"/>
+                <a:sym typeface="Calibri"/>
+              </a:rPr>
+              <a:t>Repositorio de información genómica pública (Consorcio NCBI)</a:t>
+            </a:r>
+            <a:endParaRPr b="0" i="0" u="none" cap="none" strike="noStrike">
+              <a:latin typeface="Arial"/>
+              <a:ea typeface="Arial"/>
+              <a:cs typeface="Arial"/>
+              <a:sym typeface="Arial"/>
+            </a:endParaRPr>
+          </a:p>
+          <a:p>
+            <a:pPr indent="-368020" lvl="0" marL="457200" marR="0" rtl="0" algn="ctr">
+              <a:lnSpc>
+                <a:spcPct val="115000"/>
+              </a:lnSpc>
+              <a:spcBef>
+                <a:spcPts val="0"/>
+              </a:spcBef>
+              <a:spcAft>
+                <a:spcPts val="0"/>
+              </a:spcAft>
+              <a:buClr>
+                <a:srgbClr val="233A44"/>
+              </a:buClr>
+              <a:buSzPts val="1400"/>
+              <a:buFont typeface="Calibri"/>
+              <a:buAutoNum type="arabicPeriod"/>
+            </a:pPr>
+            <a:r>
+              <a:rPr b="0" i="0" lang="en-US" u="none" cap="none" strike="noStrike">
+                <a:solidFill>
+                  <a:srgbClr val="233A44"/>
+                </a:solidFill>
+                <a:latin typeface="Calibri"/>
+                <a:ea typeface="Calibri"/>
+                <a:cs typeface="Calibri"/>
+                <a:sym typeface="Calibri"/>
+              </a:rPr>
+              <a:t>2. GDS = paquetes GEO que contienen ficheros de microarrays de un mismo experimento con anotaciones de la plataforma</a:t>
+            </a:r>
+            <a:endParaRPr b="0" i="0" u="none" cap="none" strike="noStrike">
+              <a:latin typeface="Arial"/>
+              <a:ea typeface="Arial"/>
+              <a:cs typeface="Arial"/>
+              <a:sym typeface="Arial"/>
+            </a:endParaRPr>
+          </a:p>
+        </p:txBody>
+      </p:sp>
+      <p:sp>
+        <p:nvSpPr>
+          <p:cNvPr id="150" name="Google Shape;150;p3"/>
+          <p:cNvSpPr/>
+          <p:nvPr/>
+        </p:nvSpPr>
+        <p:spPr>
+          <a:xfrm>
+            <a:off x="3102840" y="555120"/>
+            <a:ext cx="3260520" cy="630720"/>
+          </a:xfrm>
+          <a:prstGeom prst="rect">
+            <a:avLst/>
+          </a:prstGeom>
+          <a:noFill/>
+          <a:ln>
+            <a:noFill/>
+          </a:ln>
+        </p:spPr>
+        <p:txBody>
+          <a:bodyPr anchorCtr="0" anchor="t" bIns="91425" lIns="91425" spcFirstLastPara="1" rIns="91425" wrap="square" tIns="91425">
+            <a:noAutofit/>
+          </a:bodyPr>
+          <a:lstStyle/>
+          <a:p>
+            <a:pPr indent="0" lvl="0" marL="0" marR="0" rtl="0" algn="l">
+              <a:lnSpc>
+                <a:spcPct val="100000"/>
+              </a:lnSpc>
+              <a:spcBef>
+                <a:spcPts val="0"/>
+              </a:spcBef>
+              <a:spcAft>
+                <a:spcPts val="0"/>
+              </a:spcAft>
+              <a:buNone/>
+            </a:pPr>
+            <a:r>
+              <a:rPr b="0" i="0" lang="en-US" sz="2500" u="none" cap="none" strike="noStrike">
                 <a:solidFill>
                   <a:srgbClr val="FF0000"/>
                 </a:solidFill>
@@ -10541,16 +11095,13 @@
                 <a:cs typeface="Cambria"/>
                 <a:sym typeface="Cambria"/>
               </a:rPr>
-              <a:t>Analysis technology</a:t>
+              <a:t>Source GDS packages</a:t>
             </a:r>
-            <a:endParaRPr sz="2500">
-              <a:solidFill>
-                <a:srgbClr val="FF0000"/>
-              </a:solidFill>
-              <a:latin typeface="Cambria"/>
-              <a:ea typeface="Cambria"/>
-              <a:cs typeface="Cambria"/>
-              <a:sym typeface="Cambria"/>
+            <a:endParaRPr b="0" i="0" sz="2500" u="none" cap="none" strike="noStrike">
+              <a:latin typeface="Arial"/>
+              <a:ea typeface="Arial"/>
+              <a:cs typeface="Arial"/>
+              <a:sym typeface="Arial"/>
             </a:endParaRPr>
           </a:p>
         </p:txBody>
@@ -10568,7 +11119,7 @@
   <p:cSld>
     <p:spTree>
       <p:nvGrpSpPr>
-        <p:cNvPr id="146" name="Shape 146"/>
+        <p:cNvPr id="154" name="Shape 154"/>
         <p:cNvGrpSpPr/>
         <p:nvPr/>
       </p:nvGrpSpPr>
@@ -10580,44 +11131,16 @@
           <a:chExt cx="0" cy="0"/>
         </a:xfrm>
       </p:grpSpPr>
-      <p:pic>
-        <p:nvPicPr>
-          <p:cNvPr id="147" name="Google Shape;147;p16"/>
-          <p:cNvPicPr preferRelativeResize="0"/>
-          <p:nvPr/>
-        </p:nvPicPr>
-        <p:blipFill>
-          <a:blip r:embed="rId3">
-            <a:alphaModFix/>
-          </a:blip>
-          <a:stretch>
-            <a:fillRect/>
-          </a:stretch>
-        </p:blipFill>
-        <p:spPr>
-          <a:xfrm>
-            <a:off x="2243684" y="1337738"/>
-            <a:ext cx="4656625" cy="2468025"/>
-          </a:xfrm>
-          <a:prstGeom prst="rect">
-            <a:avLst/>
-          </a:prstGeom>
-          <a:noFill/>
-          <a:ln>
-            <a:noFill/>
-          </a:ln>
-        </p:spPr>
-      </p:pic>
       <p:sp>
         <p:nvSpPr>
-          <p:cNvPr id="148" name="Google Shape;148;p16"/>
-          <p:cNvSpPr txBox="1"/>
+          <p:cNvPr id="155" name="Google Shape;155;p4"/>
+          <p:cNvSpPr/>
           <p:nvPr/>
         </p:nvSpPr>
         <p:spPr>
           <a:xfrm>
-            <a:off x="3102800" y="555250"/>
-            <a:ext cx="3260700" cy="631200"/>
+            <a:off x="2839680" y="497880"/>
+            <a:ext cx="3464280" cy="630720"/>
           </a:xfrm>
           <a:prstGeom prst="rect">
             <a:avLst/>
@@ -10633,7 +11156,10 @@
           </a:bodyPr>
           <a:lstStyle/>
           <a:p>
-            <a:pPr indent="0" lvl="0" marL="0" rtl="0" algn="l">
+            <a:pPr indent="0" lvl="0" marL="0" marR="0" rtl="0" algn="ctr">
+              <a:lnSpc>
+                <a:spcPct val="100000"/>
+              </a:lnSpc>
               <a:spcBef>
                 <a:spcPts val="0"/>
               </a:spcBef>
@@ -10643,120 +11169,39 @@
               <a:buNone/>
             </a:pPr>
             <a:r>
-              <a:rPr lang="es" sz="2500">
+              <a:rPr b="0" i="0" lang="en-US" sz="2500" u="none" cap="none" strike="noStrike">
                 <a:solidFill>
-                  <a:srgbClr val="FF0000"/>
+                  <a:srgbClr val="55308D"/>
                 </a:solidFill>
                 <a:latin typeface="Cambria"/>
                 <a:ea typeface="Cambria"/>
                 <a:cs typeface="Cambria"/>
                 <a:sym typeface="Cambria"/>
               </a:rPr>
-              <a:t>Gene chips</a:t>
+              <a:t>¿Cómo?</a:t>
             </a:r>
-            <a:endParaRPr sz="2500">
+            <a:endParaRPr b="0" i="0" sz="2500" u="none" cap="none" strike="noStrike">
               <a:solidFill>
-                <a:srgbClr val="FF0000"/>
+                <a:srgbClr val="55308D"/>
               </a:solidFill>
-              <a:latin typeface="Cambria"/>
-              <a:ea typeface="Cambria"/>
-              <a:cs typeface="Cambria"/>
-              <a:sym typeface="Cambria"/>
+              <a:latin typeface="Arial"/>
+              <a:ea typeface="Arial"/>
+              <a:cs typeface="Arial"/>
+              <a:sym typeface="Arial"/>
             </a:endParaRPr>
           </a:p>
         </p:txBody>
       </p:sp>
-    </p:spTree>
-  </p:cSld>
-  <p:clrMapOvr>
-    <a:masterClrMapping/>
-  </p:clrMapOvr>
-</p:sld>
-</file>
-
-<file path=ppt/slides/slide5.xml><?xml version="1.0" encoding="utf-8"?>
-<p:sld xmlns:a="http://schemas.openxmlformats.org/drawingml/2006/main" xmlns:r="http://schemas.openxmlformats.org/officeDocument/2006/relationships" xmlns:mc="http://schemas.openxmlformats.org/markup-compatibility/2006" xmlns:mv="urn:schemas-microsoft-com:mac:vml" xmlns:p="http://schemas.openxmlformats.org/presentationml/2006/main" xmlns:c="http://schemas.openxmlformats.org/drawingml/2006/chart" xmlns:dgm="http://schemas.openxmlformats.org/drawingml/2006/diagram" xmlns:o="urn:schemas-microsoft-com:office:office" xmlns:v="urn:schemas-microsoft-com:vml" xmlns:pvml="urn:schemas-microsoft-com:office:powerpoint" xmlns:com="http://schemas.openxmlformats.org/drawingml/2006/compatibility" xmlns:p14="http://schemas.microsoft.com/office/powerpoint/2010/main" xmlns:p15="http://schemas.microsoft.com/office/powerpoint/2012/main">
-  <p:cSld>
-    <p:spTree>
-      <p:nvGrpSpPr>
-        <p:cNvPr id="152" name="Shape 152"/>
-        <p:cNvGrpSpPr/>
-        <p:nvPr/>
-      </p:nvGrpSpPr>
-      <p:grpSpPr>
-        <a:xfrm>
-          <a:off x="0" y="0"/>
-          <a:ext cx="0" cy="0"/>
-          <a:chOff x="0" y="0"/>
-          <a:chExt cx="0" cy="0"/>
-        </a:xfrm>
-      </p:grpSpPr>
-      <p:pic>
-        <p:nvPicPr>
-          <p:cNvPr id="153" name="Google Shape;153;p17"/>
-          <p:cNvPicPr preferRelativeResize="0"/>
-          <p:nvPr/>
-        </p:nvPicPr>
-        <p:blipFill>
-          <a:blip r:embed="rId3">
-            <a:alphaModFix/>
-          </a:blip>
-          <a:stretch>
-            <a:fillRect/>
-          </a:stretch>
-        </p:blipFill>
-        <p:spPr>
-          <a:xfrm>
-            <a:off x="1468500" y="1923263"/>
-            <a:ext cx="1616175" cy="1296975"/>
-          </a:xfrm>
-          <a:prstGeom prst="rect">
-            <a:avLst/>
-          </a:prstGeom>
-          <a:noFill/>
-          <a:ln>
-            <a:noFill/>
-          </a:ln>
-        </p:spPr>
-      </p:pic>
-      <p:pic>
-        <p:nvPicPr>
-          <p:cNvPr id="154" name="Google Shape;154;p17"/>
-          <p:cNvPicPr preferRelativeResize="0"/>
-          <p:nvPr/>
-        </p:nvPicPr>
-        <p:blipFill>
-          <a:blip r:embed="rId4">
-            <a:alphaModFix/>
-          </a:blip>
-          <a:stretch>
-            <a:fillRect/>
-          </a:stretch>
-        </p:blipFill>
-        <p:spPr>
-          <a:xfrm>
-            <a:off x="3946097" y="1892438"/>
-            <a:ext cx="3869875" cy="1358624"/>
-          </a:xfrm>
-          <a:prstGeom prst="rect">
-            <a:avLst/>
-          </a:prstGeom>
-          <a:noFill/>
-          <a:ln>
-            <a:noFill/>
-          </a:ln>
-        </p:spPr>
-      </p:pic>
       <p:sp>
         <p:nvSpPr>
-          <p:cNvPr id="155" name="Google Shape;155;p17"/>
-          <p:cNvSpPr txBox="1"/>
+          <p:cNvPr id="156" name="Google Shape;156;p4"/>
+          <p:cNvSpPr/>
           <p:nvPr/>
         </p:nvSpPr>
         <p:spPr>
           <a:xfrm>
-            <a:off x="2839650" y="416300"/>
-            <a:ext cx="3464700" cy="631200"/>
+            <a:off x="548650" y="1920253"/>
+            <a:ext cx="4663500" cy="1323900"/>
           </a:xfrm>
           <a:prstGeom prst="rect">
             <a:avLst/>
@@ -10772,7 +11217,10 @@
           </a:bodyPr>
           <a:lstStyle/>
           <a:p>
-            <a:pPr indent="0" lvl="0" marL="0" rtl="0" algn="l">
+            <a:pPr indent="0" lvl="0" marL="0" marR="0" rtl="0" algn="ctr">
+              <a:lnSpc>
+                <a:spcPct val="115000"/>
+              </a:lnSpc>
               <a:spcBef>
                 <a:spcPts val="0"/>
               </a:spcBef>
@@ -10782,29 +11230,53 @@
               <a:buNone/>
             </a:pPr>
             <a:r>
-              <a:rPr lang="es" sz="2500">
+              <a:rPr b="0" i="0" lang="en-US" sz="1500" u="none" cap="none" strike="noStrike">
                 <a:solidFill>
-                  <a:srgbClr val="FF0000"/>
+                  <a:srgbClr val="233A44"/>
                 </a:solidFill>
-                <a:latin typeface="Cambria"/>
-                <a:ea typeface="Cambria"/>
-                <a:cs typeface="Cambria"/>
-                <a:sym typeface="Cambria"/>
+                <a:latin typeface="Calibri"/>
+                <a:ea typeface="Calibri"/>
+                <a:cs typeface="Calibri"/>
+                <a:sym typeface="Calibri"/>
               </a:rPr>
-              <a:t>Language &amp; framework</a:t>
+              <a:t>El nivel de hibridación entre la sonda  (probe) y la molécula diana (target) se indica generalmente mediante fluorescencia y se mide por análisis de imagen, indicando el nivel de expresión del gen correspondiente</a:t>
             </a:r>
-            <a:endParaRPr sz="2500">
-              <a:solidFill>
-                <a:srgbClr val="FF0000"/>
-              </a:solidFill>
-              <a:latin typeface="Cambria"/>
-              <a:ea typeface="Cambria"/>
-              <a:cs typeface="Cambria"/>
-              <a:sym typeface="Cambria"/>
+            <a:endParaRPr b="0" i="0" sz="1500" u="none" cap="none" strike="noStrike">
+              <a:latin typeface="Arial"/>
+              <a:ea typeface="Arial"/>
+              <a:cs typeface="Arial"/>
+              <a:sym typeface="Arial"/>
             </a:endParaRPr>
           </a:p>
         </p:txBody>
       </p:sp>
+      <p:pic>
+        <p:nvPicPr>
+          <p:cNvPr id="157" name="Google Shape;157;p4"/>
+          <p:cNvPicPr preferRelativeResize="0"/>
+          <p:nvPr/>
+        </p:nvPicPr>
+        <p:blipFill rotWithShape="1">
+          <a:blip r:embed="rId3">
+            <a:alphaModFix/>
+          </a:blip>
+          <a:srcRect b="0" l="0" r="0" t="0"/>
+          <a:stretch/>
+        </p:blipFill>
+        <p:spPr>
+          <a:xfrm>
+            <a:off x="5730205" y="1480080"/>
+            <a:ext cx="1730159" cy="2725559"/>
+          </a:xfrm>
+          <a:prstGeom prst="rect">
+            <a:avLst/>
+          </a:prstGeom>
+          <a:noFill/>
+          <a:ln>
+            <a:noFill/>
+          </a:ln>
+        </p:spPr>
+      </p:pic>
     </p:spTree>
   </p:cSld>
   <p:clrMapOvr>
@@ -10813,12 +11285,12 @@
 </p:sld>
 </file>
 
-<file path=ppt/slides/slide6.xml><?xml version="1.0" encoding="utf-8"?>
+<file path=ppt/slides/slide5.xml><?xml version="1.0" encoding="utf-8"?>
 <p:sld xmlns:a="http://schemas.openxmlformats.org/drawingml/2006/main" xmlns:r="http://schemas.openxmlformats.org/officeDocument/2006/relationships" xmlns:mc="http://schemas.openxmlformats.org/markup-compatibility/2006" xmlns:mv="urn:schemas-microsoft-com:mac:vml" xmlns:p="http://schemas.openxmlformats.org/presentationml/2006/main" xmlns:c="http://schemas.openxmlformats.org/drawingml/2006/chart" xmlns:dgm="http://schemas.openxmlformats.org/drawingml/2006/diagram" xmlns:o="urn:schemas-microsoft-com:office:office" xmlns:v="urn:schemas-microsoft-com:vml" xmlns:pvml="urn:schemas-microsoft-com:office:powerpoint" xmlns:com="http://schemas.openxmlformats.org/drawingml/2006/compatibility" xmlns:p14="http://schemas.microsoft.com/office/powerpoint/2010/main" xmlns:p15="http://schemas.microsoft.com/office/powerpoint/2012/main">
   <p:cSld>
     <p:spTree>
       <p:nvGrpSpPr>
-        <p:cNvPr id="159" name="Shape 159"/>
+        <p:cNvPr id="161" name="Shape 161"/>
         <p:cNvGrpSpPr/>
         <p:nvPr/>
       </p:nvGrpSpPr>
@@ -10830,44 +11302,16 @@
           <a:chExt cx="0" cy="0"/>
         </a:xfrm>
       </p:grpSpPr>
-      <p:pic>
-        <p:nvPicPr>
-          <p:cNvPr id="160" name="Google Shape;160;p18"/>
-          <p:cNvPicPr preferRelativeResize="0"/>
-          <p:nvPr/>
-        </p:nvPicPr>
-        <p:blipFill>
-          <a:blip r:embed="rId3">
-            <a:alphaModFix/>
-          </a:blip>
-          <a:stretch>
-            <a:fillRect/>
-          </a:stretch>
-        </p:blipFill>
-        <p:spPr>
-          <a:xfrm>
-            <a:off x="1738313" y="1000125"/>
-            <a:ext cx="5667375" cy="3143250"/>
-          </a:xfrm>
-          <a:prstGeom prst="rect">
-            <a:avLst/>
-          </a:prstGeom>
-          <a:noFill/>
-          <a:ln>
-            <a:noFill/>
-          </a:ln>
-        </p:spPr>
-      </p:pic>
       <p:sp>
         <p:nvSpPr>
-          <p:cNvPr id="161" name="Google Shape;161;p18"/>
-          <p:cNvSpPr txBox="1"/>
+          <p:cNvPr id="162" name="Google Shape;162;p5"/>
+          <p:cNvSpPr/>
           <p:nvPr/>
         </p:nvSpPr>
         <p:spPr>
           <a:xfrm>
-            <a:off x="3719250" y="368925"/>
-            <a:ext cx="1705500" cy="631200"/>
+            <a:off x="2839680" y="497880"/>
+            <a:ext cx="3464280" cy="630720"/>
           </a:xfrm>
           <a:prstGeom prst="rect">
             <a:avLst/>
@@ -10883,7 +11327,10 @@
           </a:bodyPr>
           <a:lstStyle/>
           <a:p>
-            <a:pPr indent="0" lvl="0" marL="0" rtl="0" algn="l">
+            <a:pPr indent="0" lvl="0" marL="0" marR="0" rtl="0" algn="l">
+              <a:lnSpc>
+                <a:spcPct val="100000"/>
+              </a:lnSpc>
               <a:spcBef>
                 <a:spcPts val="0"/>
               </a:spcBef>
@@ -10893,92 +11340,39 @@
               <a:buNone/>
             </a:pPr>
             <a:r>
-              <a:rPr lang="es" sz="2500">
+              <a:rPr b="0" i="0" lang="en-US" sz="2500" u="none" cap="none" strike="noStrike">
                 <a:solidFill>
-                  <a:srgbClr val="FF0000"/>
+                  <a:srgbClr val="55308D"/>
                 </a:solidFill>
                 <a:latin typeface="Cambria"/>
                 <a:ea typeface="Cambria"/>
                 <a:cs typeface="Cambria"/>
                 <a:sym typeface="Cambria"/>
               </a:rPr>
-              <a:t>Pipeline</a:t>
+              <a:t>¿Para qué?</a:t>
             </a:r>
-            <a:endParaRPr sz="2500">
+            <a:endParaRPr b="0" i="0" sz="2500" u="none" cap="none" strike="noStrike">
               <a:solidFill>
-                <a:srgbClr val="FF0000"/>
+                <a:srgbClr val="55308D"/>
               </a:solidFill>
-              <a:latin typeface="Cambria"/>
-              <a:ea typeface="Cambria"/>
-              <a:cs typeface="Cambria"/>
-              <a:sym typeface="Cambria"/>
+              <a:latin typeface="Arial"/>
+              <a:ea typeface="Arial"/>
+              <a:cs typeface="Arial"/>
+              <a:sym typeface="Arial"/>
             </a:endParaRPr>
           </a:p>
         </p:txBody>
       </p:sp>
-    </p:spTree>
-  </p:cSld>
-  <p:clrMapOvr>
-    <a:masterClrMapping/>
-  </p:clrMapOvr>
-</p:sld>
-</file>
-
-<file path=ppt/slides/slide7.xml><?xml version="1.0" encoding="utf-8"?>
-<p:sld xmlns:a="http://schemas.openxmlformats.org/drawingml/2006/main" xmlns:r="http://schemas.openxmlformats.org/officeDocument/2006/relationships" xmlns:mc="http://schemas.openxmlformats.org/markup-compatibility/2006" xmlns:mv="urn:schemas-microsoft-com:mac:vml" xmlns:p="http://schemas.openxmlformats.org/presentationml/2006/main" xmlns:c="http://schemas.openxmlformats.org/drawingml/2006/chart" xmlns:dgm="http://schemas.openxmlformats.org/drawingml/2006/diagram" xmlns:o="urn:schemas-microsoft-com:office:office" xmlns:v="urn:schemas-microsoft-com:vml" xmlns:pvml="urn:schemas-microsoft-com:office:powerpoint" xmlns:com="http://schemas.openxmlformats.org/drawingml/2006/compatibility" xmlns:p14="http://schemas.microsoft.com/office/powerpoint/2010/main" xmlns:p15="http://schemas.microsoft.com/office/powerpoint/2012/main">
-  <p:cSld>
-    <p:spTree>
-      <p:nvGrpSpPr>
-        <p:cNvPr id="165" name="Shape 165"/>
-        <p:cNvGrpSpPr/>
-        <p:nvPr/>
-      </p:nvGrpSpPr>
-      <p:grpSpPr>
-        <a:xfrm>
-          <a:off x="0" y="0"/>
-          <a:ext cx="0" cy="0"/>
-          <a:chOff x="0" y="0"/>
-          <a:chExt cx="0" cy="0"/>
-        </a:xfrm>
-      </p:grpSpPr>
-      <p:pic>
-        <p:nvPicPr>
-          <p:cNvPr id="166" name="Google Shape;166;p19"/>
-          <p:cNvPicPr preferRelativeResize="0"/>
-          <p:nvPr/>
-        </p:nvPicPr>
-        <p:blipFill>
-          <a:blip r:embed="rId3">
-            <a:alphaModFix/>
-          </a:blip>
-          <a:stretch>
-            <a:fillRect/>
-          </a:stretch>
-        </p:blipFill>
-        <p:spPr>
-          <a:xfrm>
-            <a:off x="762000" y="1352550"/>
-            <a:ext cx="7620000" cy="2438400"/>
-          </a:xfrm>
-          <a:prstGeom prst="rect">
-            <a:avLst/>
-          </a:prstGeom>
-          <a:noFill/>
-          <a:ln>
-            <a:noFill/>
-          </a:ln>
-        </p:spPr>
-      </p:pic>
       <p:sp>
         <p:nvSpPr>
-          <p:cNvPr id="167" name="Google Shape;167;p19"/>
-          <p:cNvSpPr txBox="1"/>
+          <p:cNvPr id="163" name="Google Shape;163;p5"/>
+          <p:cNvSpPr/>
           <p:nvPr/>
         </p:nvSpPr>
         <p:spPr>
           <a:xfrm>
-            <a:off x="3376350" y="429725"/>
-            <a:ext cx="2391300" cy="631200"/>
+            <a:off x="457200" y="1371600"/>
+            <a:ext cx="5669280" cy="2710800"/>
           </a:xfrm>
           <a:prstGeom prst="rect">
             <a:avLst/>
@@ -10994,7 +11388,10 @@
           </a:bodyPr>
           <a:lstStyle/>
           <a:p>
-            <a:pPr indent="0" lvl="0" marL="0" rtl="0" algn="l">
+            <a:pPr indent="0" lvl="0" marL="0" marR="0" rtl="0" algn="ctr">
+              <a:lnSpc>
+                <a:spcPct val="115000"/>
+              </a:lnSpc>
               <a:spcBef>
                 <a:spcPts val="0"/>
               </a:spcBef>
@@ -11004,7 +11401,299 @@
               <a:buNone/>
             </a:pPr>
             <a:r>
-              <a:rPr lang="es" sz="2500">
+              <a:rPr b="0" i="0" lang="en-US" sz="1500" u="none" cap="none" strike="noStrike">
+                <a:solidFill>
+                  <a:srgbClr val="233A44"/>
+                </a:solidFill>
+                <a:latin typeface="Calibri"/>
+                <a:ea typeface="Calibri"/>
+                <a:cs typeface="Calibri"/>
+                <a:sym typeface="Calibri"/>
+              </a:rPr>
+              <a:t>* Estudio de genes que se expresan diferencialmente entre varias condiciones–Sanos/enfermos, mutantes/salvajes, tratados/no tratados</a:t>
+            </a:r>
+            <a:endParaRPr b="0" i="0" sz="1500" u="none" cap="none" strike="noStrike">
+              <a:latin typeface="Arial"/>
+              <a:ea typeface="Arial"/>
+              <a:cs typeface="Arial"/>
+              <a:sym typeface="Arial"/>
+            </a:endParaRPr>
+          </a:p>
+          <a:p>
+            <a:pPr indent="0" lvl="0" marL="0" marR="0" rtl="0" algn="ctr">
+              <a:lnSpc>
+                <a:spcPct val="115000"/>
+              </a:lnSpc>
+              <a:spcBef>
+                <a:spcPts val="0"/>
+              </a:spcBef>
+              <a:spcAft>
+                <a:spcPts val="0"/>
+              </a:spcAft>
+              <a:buNone/>
+            </a:pPr>
+            <a:r>
+              <a:rPr b="0" i="0" lang="en-US" sz="1500" u="none" cap="none" strike="noStrike">
+                <a:solidFill>
+                  <a:srgbClr val="233A44"/>
+                </a:solidFill>
+                <a:latin typeface="Calibri"/>
+                <a:ea typeface="Calibri"/>
+                <a:cs typeface="Calibri"/>
+                <a:sym typeface="Calibri"/>
+              </a:rPr>
+              <a:t>* Clasificación molecular en enfermedades complejas</a:t>
+            </a:r>
+            <a:endParaRPr b="0" i="0" sz="1500" u="none" cap="none" strike="noStrike">
+              <a:latin typeface="Arial"/>
+              <a:ea typeface="Arial"/>
+              <a:cs typeface="Arial"/>
+              <a:sym typeface="Arial"/>
+            </a:endParaRPr>
+          </a:p>
+          <a:p>
+            <a:pPr indent="0" lvl="0" marL="0" marR="0" rtl="0" algn="ctr">
+              <a:lnSpc>
+                <a:spcPct val="115000"/>
+              </a:lnSpc>
+              <a:spcBef>
+                <a:spcPts val="0"/>
+              </a:spcBef>
+              <a:spcAft>
+                <a:spcPts val="0"/>
+              </a:spcAft>
+              <a:buNone/>
+            </a:pPr>
+            <a:r>
+              <a:rPr b="0" i="0" lang="en-US" sz="1500" u="none" cap="none" strike="noStrike">
+                <a:solidFill>
+                  <a:srgbClr val="233A44"/>
+                </a:solidFill>
+                <a:latin typeface="Calibri"/>
+                <a:ea typeface="Calibri"/>
+                <a:cs typeface="Calibri"/>
+                <a:sym typeface="Calibri"/>
+              </a:rPr>
+              <a:t>* Identificación de genes característicos de una patología (firma o “signature”)</a:t>
+            </a:r>
+            <a:endParaRPr b="0" i="0" sz="1500" u="none" cap="none" strike="noStrike">
+              <a:latin typeface="Arial"/>
+              <a:ea typeface="Arial"/>
+              <a:cs typeface="Arial"/>
+              <a:sym typeface="Arial"/>
+            </a:endParaRPr>
+          </a:p>
+          <a:p>
+            <a:pPr indent="0" lvl="0" marL="0" marR="0" rtl="0" algn="ctr">
+              <a:lnSpc>
+                <a:spcPct val="115000"/>
+              </a:lnSpc>
+              <a:spcBef>
+                <a:spcPts val="0"/>
+              </a:spcBef>
+              <a:spcAft>
+                <a:spcPts val="0"/>
+              </a:spcAft>
+              <a:buNone/>
+            </a:pPr>
+            <a:r>
+              <a:rPr b="0" i="0" lang="en-US" sz="1500" u="none" cap="none" strike="noStrike">
+                <a:solidFill>
+                  <a:srgbClr val="233A44"/>
+                </a:solidFill>
+                <a:latin typeface="Calibri"/>
+                <a:ea typeface="Calibri"/>
+                <a:cs typeface="Calibri"/>
+                <a:sym typeface="Calibri"/>
+              </a:rPr>
+              <a:t>* Predicción de respuesta a un tratamiento </a:t>
+            </a:r>
+            <a:endParaRPr b="0" i="0" sz="1500" u="none" cap="none" strike="noStrike">
+              <a:latin typeface="Arial"/>
+              <a:ea typeface="Arial"/>
+              <a:cs typeface="Arial"/>
+              <a:sym typeface="Arial"/>
+            </a:endParaRPr>
+          </a:p>
+          <a:p>
+            <a:pPr indent="0" lvl="0" marL="0" marR="0" rtl="0" algn="ctr">
+              <a:lnSpc>
+                <a:spcPct val="115000"/>
+              </a:lnSpc>
+              <a:spcBef>
+                <a:spcPts val="0"/>
+              </a:spcBef>
+              <a:spcAft>
+                <a:spcPts val="0"/>
+              </a:spcAft>
+              <a:buNone/>
+            </a:pPr>
+            <a:r>
+              <a:rPr b="0" i="0" lang="en-US" sz="1500" u="none" cap="none" strike="noStrike">
+                <a:solidFill>
+                  <a:srgbClr val="233A44"/>
+                </a:solidFill>
+                <a:latin typeface="Calibri"/>
+                <a:ea typeface="Calibri"/>
+                <a:cs typeface="Calibri"/>
+                <a:sym typeface="Calibri"/>
+              </a:rPr>
+              <a:t>*Detección de mutaciones y polimorfismos de un únicogen (SNP). </a:t>
+            </a:r>
+            <a:endParaRPr b="0" i="0" sz="1500" u="none" cap="none" strike="noStrike">
+              <a:latin typeface="Arial"/>
+              <a:ea typeface="Arial"/>
+              <a:cs typeface="Arial"/>
+              <a:sym typeface="Arial"/>
+            </a:endParaRPr>
+          </a:p>
+        </p:txBody>
+      </p:sp>
+      <p:pic>
+        <p:nvPicPr>
+          <p:cNvPr id="164" name="Google Shape;164;p5"/>
+          <p:cNvPicPr preferRelativeResize="0"/>
+          <p:nvPr/>
+        </p:nvPicPr>
+        <p:blipFill rotWithShape="1">
+          <a:blip r:embed="rId3">
+            <a:alphaModFix/>
+          </a:blip>
+          <a:srcRect b="0" l="0" r="0" t="0"/>
+          <a:stretch/>
+        </p:blipFill>
+        <p:spPr>
+          <a:xfrm>
+            <a:off x="6200280" y="1280160"/>
+            <a:ext cx="2669400" cy="2669400"/>
+          </a:xfrm>
+          <a:prstGeom prst="rect">
+            <a:avLst/>
+          </a:prstGeom>
+          <a:noFill/>
+          <a:ln>
+            <a:noFill/>
+          </a:ln>
+        </p:spPr>
+      </p:pic>
+    </p:spTree>
+  </p:cSld>
+  <p:clrMapOvr>
+    <a:masterClrMapping/>
+  </p:clrMapOvr>
+</p:sld>
+</file>
+
+<file path=ppt/slides/slide6.xml><?xml version="1.0" encoding="utf-8"?>
+<p:sld xmlns:a="http://schemas.openxmlformats.org/drawingml/2006/main" xmlns:r="http://schemas.openxmlformats.org/officeDocument/2006/relationships" xmlns:mc="http://schemas.openxmlformats.org/markup-compatibility/2006" xmlns:mv="urn:schemas-microsoft-com:mac:vml" xmlns:p="http://schemas.openxmlformats.org/presentationml/2006/main" xmlns:c="http://schemas.openxmlformats.org/drawingml/2006/chart" xmlns:dgm="http://schemas.openxmlformats.org/drawingml/2006/diagram" xmlns:o="urn:schemas-microsoft-com:office:office" xmlns:v="urn:schemas-microsoft-com:vml" xmlns:pvml="urn:schemas-microsoft-com:office:powerpoint" xmlns:com="http://schemas.openxmlformats.org/drawingml/2006/compatibility" xmlns:p14="http://schemas.microsoft.com/office/powerpoint/2010/main" xmlns:p15="http://schemas.microsoft.com/office/powerpoint/2012/main">
+  <p:cSld>
+    <p:spTree>
+      <p:nvGrpSpPr>
+        <p:cNvPr id="168" name="Shape 168"/>
+        <p:cNvGrpSpPr/>
+        <p:nvPr/>
+      </p:nvGrpSpPr>
+      <p:grpSpPr>
+        <a:xfrm>
+          <a:off x="0" y="0"/>
+          <a:ext cx="0" cy="0"/>
+          <a:chOff x="0" y="0"/>
+          <a:chExt cx="0" cy="0"/>
+        </a:xfrm>
+      </p:grpSpPr>
+      <p:pic>
+        <p:nvPicPr>
+          <p:cNvPr id="169" name="Google Shape;169;p6"/>
+          <p:cNvPicPr preferRelativeResize="0"/>
+          <p:nvPr/>
+        </p:nvPicPr>
+        <p:blipFill rotWithShape="1">
+          <a:blip r:embed="rId3">
+            <a:alphaModFix/>
+          </a:blip>
+          <a:srcRect b="0" l="0" r="0" t="0"/>
+          <a:stretch/>
+        </p:blipFill>
+        <p:spPr>
+          <a:xfrm>
+            <a:off x="914400" y="1463040"/>
+            <a:ext cx="1274760" cy="1023120"/>
+          </a:xfrm>
+          <a:prstGeom prst="rect">
+            <a:avLst/>
+          </a:prstGeom>
+          <a:noFill/>
+          <a:ln>
+            <a:noFill/>
+          </a:ln>
+        </p:spPr>
+      </p:pic>
+      <p:pic>
+        <p:nvPicPr>
+          <p:cNvPr id="170" name="Google Shape;170;p6"/>
+          <p:cNvPicPr preferRelativeResize="0"/>
+          <p:nvPr/>
+        </p:nvPicPr>
+        <p:blipFill rotWithShape="1">
+          <a:blip r:embed="rId4">
+            <a:alphaModFix/>
+          </a:blip>
+          <a:srcRect b="0" l="0" r="0" t="0"/>
+          <a:stretch/>
+        </p:blipFill>
+        <p:spPr>
+          <a:xfrm>
+            <a:off x="4846320" y="1414800"/>
+            <a:ext cx="3003480" cy="1054080"/>
+          </a:xfrm>
+          <a:prstGeom prst="rect">
+            <a:avLst/>
+          </a:prstGeom>
+          <a:noFill/>
+          <a:ln>
+            <a:noFill/>
+          </a:ln>
+        </p:spPr>
+      </p:pic>
+      <p:sp>
+        <p:nvSpPr>
+          <p:cNvPr id="171" name="Google Shape;171;p6"/>
+          <p:cNvSpPr/>
+          <p:nvPr/>
+        </p:nvSpPr>
+        <p:spPr>
+          <a:xfrm>
+            <a:off x="2839680" y="416160"/>
+            <a:ext cx="3464280" cy="630720"/>
+          </a:xfrm>
+          <a:prstGeom prst="rect">
+            <a:avLst/>
+          </a:prstGeom>
+          <a:noFill/>
+          <a:ln>
+            <a:noFill/>
+          </a:ln>
+        </p:spPr>
+        <p:txBody>
+          <a:bodyPr anchorCtr="0" anchor="t" bIns="91425" lIns="91425" spcFirstLastPara="1" rIns="91425" wrap="square" tIns="91425">
+            <a:noAutofit/>
+          </a:bodyPr>
+          <a:lstStyle/>
+          <a:p>
+            <a:pPr indent="0" lvl="0" marL="0" marR="0" rtl="0" algn="l">
+              <a:lnSpc>
+                <a:spcPct val="100000"/>
+              </a:lnSpc>
+              <a:spcBef>
+                <a:spcPts val="0"/>
+              </a:spcBef>
+              <a:spcAft>
+                <a:spcPts val="0"/>
+              </a:spcAft>
+              <a:buNone/>
+            </a:pPr>
+            <a:r>
+              <a:rPr b="0" i="0" lang="en-US" sz="2500" u="none" cap="none" strike="noStrike">
                 <a:solidFill>
                   <a:srgbClr val="FF0000"/>
                 </a:solidFill>
@@ -11013,16 +11702,204 @@
                 <a:cs typeface="Cambria"/>
                 <a:sym typeface="Cambria"/>
               </a:rPr>
-              <a:t>Scatter plot</a:t>
+              <a:t>BioInformatic Tools</a:t>
             </a:r>
-            <a:endParaRPr sz="2500">
-              <a:solidFill>
-                <a:srgbClr val="FF0000"/>
-              </a:solidFill>
-              <a:latin typeface="Cambria"/>
-              <a:ea typeface="Cambria"/>
-              <a:cs typeface="Cambria"/>
-              <a:sym typeface="Cambria"/>
+            <a:endParaRPr b="0" i="0" sz="2500" u="none" cap="none" strike="noStrike">
+              <a:latin typeface="Arial"/>
+              <a:ea typeface="Arial"/>
+              <a:cs typeface="Arial"/>
+              <a:sym typeface="Arial"/>
+            </a:endParaRPr>
+          </a:p>
+        </p:txBody>
+      </p:sp>
+      <p:pic>
+        <p:nvPicPr>
+          <p:cNvPr id="172" name="Google Shape;172;p6"/>
+          <p:cNvPicPr preferRelativeResize="0"/>
+          <p:nvPr/>
+        </p:nvPicPr>
+        <p:blipFill rotWithShape="1">
+          <a:blip r:embed="rId5">
+            <a:alphaModFix/>
+          </a:blip>
+          <a:srcRect b="0" l="0" r="0" t="0"/>
+          <a:stretch/>
+        </p:blipFill>
+        <p:spPr>
+          <a:xfrm>
+            <a:off x="5120640" y="2598840"/>
+            <a:ext cx="2371320" cy="1333080"/>
+          </a:xfrm>
+          <a:prstGeom prst="rect">
+            <a:avLst/>
+          </a:prstGeom>
+          <a:noFill/>
+          <a:ln>
+            <a:noFill/>
+          </a:ln>
+        </p:spPr>
+      </p:pic>
+      <p:pic>
+        <p:nvPicPr>
+          <p:cNvPr id="173" name="Google Shape;173;p6"/>
+          <p:cNvPicPr preferRelativeResize="0"/>
+          <p:nvPr/>
+        </p:nvPicPr>
+        <p:blipFill rotWithShape="1">
+          <a:blip r:embed="rId6">
+            <a:alphaModFix/>
+          </a:blip>
+          <a:srcRect b="0" l="0" r="0" t="0"/>
+          <a:stretch/>
+        </p:blipFill>
+        <p:spPr>
+          <a:xfrm>
+            <a:off x="1371600" y="2743200"/>
+            <a:ext cx="2838240" cy="1095120"/>
+          </a:xfrm>
+          <a:prstGeom prst="rect">
+            <a:avLst/>
+          </a:prstGeom>
+          <a:noFill/>
+          <a:ln>
+            <a:noFill/>
+          </a:ln>
+        </p:spPr>
+      </p:pic>
+      <p:pic>
+        <p:nvPicPr>
+          <p:cNvPr id="174" name="Google Shape;174;p6"/>
+          <p:cNvPicPr preferRelativeResize="0"/>
+          <p:nvPr/>
+        </p:nvPicPr>
+        <p:blipFill rotWithShape="1">
+          <a:blip r:embed="rId7">
+            <a:alphaModFix/>
+          </a:blip>
+          <a:srcRect b="0" l="0" r="0" t="0"/>
+          <a:stretch/>
+        </p:blipFill>
+        <p:spPr>
+          <a:xfrm>
+            <a:off x="7772400" y="4170960"/>
+            <a:ext cx="1151640" cy="766800"/>
+          </a:xfrm>
+          <a:prstGeom prst="rect">
+            <a:avLst/>
+          </a:prstGeom>
+          <a:noFill/>
+          <a:ln>
+            <a:noFill/>
+          </a:ln>
+        </p:spPr>
+      </p:pic>
+    </p:spTree>
+  </p:cSld>
+  <p:clrMapOvr>
+    <a:masterClrMapping/>
+  </p:clrMapOvr>
+</p:sld>
+</file>
+
+<file path=ppt/slides/slide7.xml><?xml version="1.0" encoding="utf-8"?>
+<p:sld xmlns:a="http://schemas.openxmlformats.org/drawingml/2006/main" xmlns:r="http://schemas.openxmlformats.org/officeDocument/2006/relationships" xmlns:mc="http://schemas.openxmlformats.org/markup-compatibility/2006" xmlns:mv="urn:schemas-microsoft-com:mac:vml" xmlns:p="http://schemas.openxmlformats.org/presentationml/2006/main" xmlns:c="http://schemas.openxmlformats.org/drawingml/2006/chart" xmlns:dgm="http://schemas.openxmlformats.org/drawingml/2006/diagram" xmlns:o="urn:schemas-microsoft-com:office:office" xmlns:v="urn:schemas-microsoft-com:vml" xmlns:pvml="urn:schemas-microsoft-com:office:powerpoint" xmlns:com="http://schemas.openxmlformats.org/drawingml/2006/compatibility" xmlns:p14="http://schemas.microsoft.com/office/powerpoint/2010/main" xmlns:p15="http://schemas.microsoft.com/office/powerpoint/2012/main">
+  <p:cSld>
+    <p:spTree>
+      <p:nvGrpSpPr>
+        <p:cNvPr id="178" name="Shape 178"/>
+        <p:cNvGrpSpPr/>
+        <p:nvPr/>
+      </p:nvGrpSpPr>
+      <p:grpSpPr>
+        <a:xfrm>
+          <a:off x="0" y="0"/>
+          <a:ext cx="0" cy="0"/>
+          <a:chOff x="0" y="0"/>
+          <a:chExt cx="0" cy="0"/>
+        </a:xfrm>
+      </p:grpSpPr>
+      <p:pic>
+        <p:nvPicPr>
+          <p:cNvPr id="179" name="Google Shape;179;p7"/>
+          <p:cNvPicPr preferRelativeResize="0"/>
+          <p:nvPr/>
+        </p:nvPicPr>
+        <p:blipFill rotWithShape="1">
+          <a:blip r:embed="rId3">
+            <a:alphaModFix/>
+          </a:blip>
+          <a:srcRect b="0" l="0" r="0" t="0"/>
+          <a:stretch/>
+        </p:blipFill>
+        <p:spPr>
+          <a:xfrm>
+            <a:off x="1738440" y="1000080"/>
+            <a:ext cx="5667120" cy="3142800"/>
+          </a:xfrm>
+          <a:prstGeom prst="rect">
+            <a:avLst/>
+          </a:prstGeom>
+          <a:noFill/>
+          <a:ln>
+            <a:noFill/>
+          </a:ln>
+        </p:spPr>
+      </p:pic>
+      <p:sp>
+        <p:nvSpPr>
+          <p:cNvPr id="180" name="Google Shape;180;p7"/>
+          <p:cNvSpPr/>
+          <p:nvPr/>
+        </p:nvSpPr>
+        <p:spPr>
+          <a:xfrm>
+            <a:off x="3900152" y="369475"/>
+            <a:ext cx="1343700" cy="630600"/>
+          </a:xfrm>
+          <a:prstGeom prst="rect">
+            <a:avLst/>
+          </a:prstGeom>
+          <a:noFill/>
+          <a:ln>
+            <a:noFill/>
+          </a:ln>
+        </p:spPr>
+        <p:txBody>
+          <a:bodyPr anchorCtr="0" anchor="t" bIns="91425" lIns="91425" spcFirstLastPara="1" rIns="91425" wrap="square" tIns="91425">
+            <a:noAutofit/>
+          </a:bodyPr>
+          <a:lstStyle/>
+          <a:p>
+            <a:pPr indent="0" lvl="0" marL="0" marR="0" rtl="0" algn="l">
+              <a:lnSpc>
+                <a:spcPct val="100000"/>
+              </a:lnSpc>
+              <a:spcBef>
+                <a:spcPts val="0"/>
+              </a:spcBef>
+              <a:spcAft>
+                <a:spcPts val="0"/>
+              </a:spcAft>
+              <a:buNone/>
+            </a:pPr>
+            <a:r>
+              <a:rPr b="0" i="0" lang="en-US" sz="2500" u="none" cap="none" strike="noStrike">
+                <a:solidFill>
+                  <a:srgbClr val="FF0000"/>
+                </a:solidFill>
+                <a:latin typeface="Cambria"/>
+                <a:ea typeface="Cambria"/>
+                <a:cs typeface="Cambria"/>
+                <a:sym typeface="Cambria"/>
+              </a:rPr>
+              <a:t>Pipeline</a:t>
+            </a:r>
+            <a:endParaRPr b="0" i="0" sz="2500" u="none" cap="none" strike="noStrike">
+              <a:latin typeface="Arial"/>
+              <a:ea typeface="Arial"/>
+              <a:cs typeface="Arial"/>
+              <a:sym typeface="Arial"/>
             </a:endParaRPr>
           </a:p>
         </p:txBody>
@@ -11040,7 +11917,7 @@
   <p:cSld>
     <p:spTree>
       <p:nvGrpSpPr>
-        <p:cNvPr id="171" name="Shape 171"/>
+        <p:cNvPr id="184" name="Shape 184"/>
         <p:cNvGrpSpPr/>
         <p:nvPr/>
       </p:nvGrpSpPr>
@@ -11054,22 +11931,21 @@
       </p:grpSpPr>
       <p:pic>
         <p:nvPicPr>
-          <p:cNvPr id="172" name="Google Shape;172;p20"/>
+          <p:cNvPr id="185" name="Google Shape;185;p8"/>
           <p:cNvPicPr preferRelativeResize="0"/>
           <p:nvPr/>
         </p:nvPicPr>
-        <p:blipFill>
+        <p:blipFill rotWithShape="1">
           <a:blip r:embed="rId3">
             <a:alphaModFix/>
           </a:blip>
-          <a:stretch>
-            <a:fillRect/>
-          </a:stretch>
+          <a:srcRect b="0" l="0" r="0" t="0"/>
+          <a:stretch/>
         </p:blipFill>
         <p:spPr>
           <a:xfrm>
-            <a:off x="3129850" y="241737"/>
-            <a:ext cx="5355325" cy="4660024"/>
+            <a:off x="762120" y="1352520"/>
+            <a:ext cx="7619760" cy="2437920"/>
           </a:xfrm>
           <a:prstGeom prst="rect">
             <a:avLst/>
@@ -11082,14 +11958,14 @@
       </p:pic>
       <p:sp>
         <p:nvSpPr>
-          <p:cNvPr id="173" name="Google Shape;173;p20"/>
-          <p:cNvSpPr txBox="1"/>
+          <p:cNvPr id="186" name="Google Shape;186;p8"/>
+          <p:cNvSpPr/>
           <p:nvPr/>
         </p:nvSpPr>
         <p:spPr>
           <a:xfrm>
-            <a:off x="556150" y="2256138"/>
-            <a:ext cx="2573700" cy="631200"/>
+            <a:off x="3376440" y="429840"/>
+            <a:ext cx="3298680" cy="576000"/>
           </a:xfrm>
           <a:prstGeom prst="rect">
             <a:avLst/>
@@ -11105,7 +11981,10 @@
           </a:bodyPr>
           <a:lstStyle/>
           <a:p>
-            <a:pPr indent="0" lvl="0" marL="0" rtl="0" algn="l">
+            <a:pPr indent="0" lvl="0" marL="0" marR="0" rtl="0" algn="l">
+              <a:lnSpc>
+                <a:spcPct val="100000"/>
+              </a:lnSpc>
               <a:spcBef>
                 <a:spcPts val="0"/>
               </a:spcBef>
@@ -11115,7 +11994,7 @@
               <a:buNone/>
             </a:pPr>
             <a:r>
-              <a:rPr lang="es" sz="2500">
+              <a:rPr b="0" i="0" lang="en-US" sz="2500" u="none" cap="none" strike="noStrike">
                 <a:solidFill>
                   <a:srgbClr val="FF0000"/>
                 </a:solidFill>
@@ -11124,16 +12003,13 @@
                 <a:cs typeface="Cambria"/>
                 <a:sym typeface="Cambria"/>
               </a:rPr>
-              <a:t>Dendrogram plot</a:t>
+              <a:t>Quality Control</a:t>
             </a:r>
-            <a:endParaRPr sz="2500">
-              <a:solidFill>
-                <a:srgbClr val="FF0000"/>
-              </a:solidFill>
-              <a:latin typeface="Cambria"/>
-              <a:ea typeface="Cambria"/>
-              <a:cs typeface="Cambria"/>
-              <a:sym typeface="Cambria"/>
+            <a:endParaRPr b="0" i="0" sz="2500" u="none" cap="none" strike="noStrike">
+              <a:latin typeface="Arial"/>
+              <a:ea typeface="Arial"/>
+              <a:cs typeface="Arial"/>
+              <a:sym typeface="Arial"/>
             </a:endParaRPr>
           </a:p>
         </p:txBody>
@@ -11151,7 +12027,7 @@
   <p:cSld>
     <p:spTree>
       <p:nvGrpSpPr>
-        <p:cNvPr id="177" name="Shape 177"/>
+        <p:cNvPr id="190" name="Shape 190"/>
         <p:cNvGrpSpPr/>
         <p:nvPr/>
       </p:nvGrpSpPr>
@@ -11163,44 +12039,16 @@
           <a:chExt cx="0" cy="0"/>
         </a:xfrm>
       </p:grpSpPr>
-      <p:pic>
-        <p:nvPicPr>
-          <p:cNvPr id="178" name="Google Shape;178;p21"/>
-          <p:cNvPicPr preferRelativeResize="0"/>
-          <p:nvPr/>
-        </p:nvPicPr>
-        <p:blipFill>
-          <a:blip r:embed="rId3">
-            <a:alphaModFix/>
-          </a:blip>
-          <a:stretch>
-            <a:fillRect/>
-          </a:stretch>
-        </p:blipFill>
-        <p:spPr>
-          <a:xfrm>
-            <a:off x="3261375" y="571500"/>
-            <a:ext cx="5334000" cy="4000500"/>
-          </a:xfrm>
-          <a:prstGeom prst="rect">
-            <a:avLst/>
-          </a:prstGeom>
-          <a:noFill/>
-          <a:ln>
-            <a:noFill/>
-          </a:ln>
-        </p:spPr>
-      </p:pic>
       <p:sp>
         <p:nvSpPr>
-          <p:cNvPr id="179" name="Google Shape;179;p21"/>
-          <p:cNvSpPr txBox="1"/>
+          <p:cNvPr id="191" name="Google Shape;191;p9"/>
+          <p:cNvSpPr/>
           <p:nvPr/>
         </p:nvSpPr>
         <p:spPr>
           <a:xfrm>
-            <a:off x="953500" y="2256150"/>
-            <a:ext cx="1705500" cy="631200"/>
+            <a:off x="3481203" y="483300"/>
+            <a:ext cx="3096000" cy="864000"/>
           </a:xfrm>
           <a:prstGeom prst="rect">
             <a:avLst/>
@@ -11216,7 +12064,10 @@
           </a:bodyPr>
           <a:lstStyle/>
           <a:p>
-            <a:pPr indent="0" lvl="0" marL="0" rtl="0" algn="l">
+            <a:pPr indent="0" lvl="0" marL="0" marR="0" rtl="0" algn="l">
+              <a:lnSpc>
+                <a:spcPct val="100000"/>
+              </a:lnSpc>
               <a:spcBef>
                 <a:spcPts val="0"/>
               </a:spcBef>
@@ -11226,7 +12077,7 @@
               <a:buNone/>
             </a:pPr>
             <a:r>
-              <a:rPr lang="es" sz="2500">
+              <a:rPr b="0" i="0" lang="en-US" sz="2500" u="none" cap="none" strike="noStrike">
                 <a:solidFill>
                   <a:srgbClr val="FF0000"/>
                 </a:solidFill>
@@ -11235,20 +12086,44 @@
                 <a:cs typeface="Cambria"/>
                 <a:sym typeface="Cambria"/>
               </a:rPr>
-              <a:t>MA plot</a:t>
+              <a:t>Diff Gene Expression</a:t>
             </a:r>
-            <a:endParaRPr sz="2500">
-              <a:solidFill>
-                <a:srgbClr val="FF0000"/>
-              </a:solidFill>
-              <a:latin typeface="Cambria"/>
-              <a:ea typeface="Cambria"/>
-              <a:cs typeface="Cambria"/>
-              <a:sym typeface="Cambria"/>
+            <a:endParaRPr b="0" i="0" sz="2500" u="none" cap="none" strike="noStrike">
+              <a:latin typeface="Arial"/>
+              <a:ea typeface="Arial"/>
+              <a:cs typeface="Arial"/>
+              <a:sym typeface="Arial"/>
             </a:endParaRPr>
           </a:p>
         </p:txBody>
       </p:sp>
+      <p:pic>
+        <p:nvPicPr>
+          <p:cNvPr id="192" name="Google Shape;192;p9"/>
+          <p:cNvPicPr preferRelativeResize="0"/>
+          <p:nvPr/>
+        </p:nvPicPr>
+        <p:blipFill rotWithShape="1">
+          <a:blip r:embed="rId3">
+            <a:alphaModFix/>
+          </a:blip>
+          <a:srcRect b="0" l="0" r="0" t="0"/>
+          <a:stretch/>
+        </p:blipFill>
+        <p:spPr>
+          <a:xfrm>
+            <a:off x="2651760" y="1021850"/>
+            <a:ext cx="3840481" cy="3840481"/>
+          </a:xfrm>
+          <a:prstGeom prst="rect">
+            <a:avLst/>
+          </a:prstGeom>
+          <a:noFill/>
+          <a:ln>
+            <a:noFill/>
+          </a:ln>
+        </p:spPr>
+      </p:pic>
     </p:spTree>
   </p:cSld>
   <p:clrMapOvr>
@@ -11258,6 +12133,285 @@
 </file>
 
 <file path=ppt/theme/theme1.xml><?xml version="1.0" encoding="utf-8"?>
+<a:theme xmlns:a="http://schemas.openxmlformats.org/drawingml/2006/main" xmlns:r="http://schemas.openxmlformats.org/officeDocument/2006/relationships" name="Shift">
+  <a:themeElements>
+    <a:clrScheme name="Shift">
+      <a:dk1>
+        <a:srgbClr val="FFFFFF"/>
+      </a:dk1>
+      <a:lt1>
+        <a:srgbClr val="AF7B51"/>
+      </a:lt1>
+      <a:dk2>
+        <a:srgbClr val="233A44"/>
+      </a:dk2>
+      <a:lt2>
+        <a:srgbClr val="D9D9D9"/>
+      </a:lt2>
+      <a:accent1>
+        <a:srgbClr val="00796B"/>
+      </a:accent1>
+      <a:accent2>
+        <a:srgbClr val="D9563F"/>
+      </a:accent2>
+      <a:accent3>
+        <a:srgbClr val="C4A15A"/>
+      </a:accent3>
+      <a:accent4>
+        <a:srgbClr val="14F597"/>
+      </a:accent4>
+      <a:accent5>
+        <a:srgbClr val="3D4594"/>
+      </a:accent5>
+      <a:accent6>
+        <a:srgbClr val="163EF5"/>
+      </a:accent6>
+      <a:hlink>
+        <a:srgbClr val="3D4594"/>
+      </a:hlink>
+      <a:folHlink>
+        <a:srgbClr val="3D4594"/>
+      </a:folHlink>
+    </a:clrScheme>
+    <a:fontScheme name="Office">
+      <a:majorFont>
+        <a:latin typeface="Arial"/>
+        <a:ea typeface=""/>
+        <a:cs typeface=""/>
+        <a:font script="Jpan" typeface="ＭＳ Ｐゴシック"/>
+        <a:font script="Hang" typeface="맑은 고딕"/>
+        <a:font script="Hans" typeface="宋体"/>
+        <a:font script="Hant" typeface="新細明體"/>
+        <a:font script="Arab" typeface="Times New Roman"/>
+        <a:font script="Hebr" typeface="Times New Roman"/>
+        <a:font script="Thai" typeface="Angsana New"/>
+        <a:font script="Ethi" typeface="Nyala"/>
+        <a:font script="Beng" typeface="Vrinda"/>
+        <a:font script="Gujr" typeface="Shruti"/>
+        <a:font script="Khmr" typeface="MoolBoran"/>
+        <a:font script="Knda" typeface="Tunga"/>
+        <a:font script="Guru" typeface="Raavi"/>
+        <a:font script="Cans" typeface="Euphemia"/>
+        <a:font script="Cher" typeface="Plantagenet Cherokee"/>
+        <a:font script="Yiii" typeface="Microsoft Yi Baiti"/>
+        <a:font script="Tibt" typeface="Microsoft Himalaya"/>
+        <a:font script="Thaa" typeface="MV Boli"/>
+        <a:font script="Deva" typeface="Mangal"/>
+        <a:font script="Telu" typeface="Gautami"/>
+        <a:font script="Taml" typeface="Latha"/>
+        <a:font script="Syrc" typeface="Estrangelo Edessa"/>
+        <a:font script="Orya" typeface="Kalinga"/>
+        <a:font script="Mlym" typeface="Kartika"/>
+        <a:font script="Laoo" typeface="DokChampa"/>
+        <a:font script="Sinh" typeface="Iskoola Pota"/>
+        <a:font script="Mong" typeface="Mongolian Baiti"/>
+        <a:font script="Viet" typeface="Times New Roman"/>
+        <a:font script="Uigh" typeface="Microsoft Uighur"/>
+        <a:font script="Geor" typeface="Sylfaen"/>
+      </a:majorFont>
+      <a:minorFont>
+        <a:latin typeface="Arial"/>
+        <a:ea typeface=""/>
+        <a:cs typeface=""/>
+        <a:font script="Jpan" typeface="ＭＳ Ｐゴシック"/>
+        <a:font script="Hang" typeface="맑은 고딕"/>
+        <a:font script="Hans" typeface="宋体"/>
+        <a:font script="Hant" typeface="新細明體"/>
+        <a:font script="Arab" typeface="Arial"/>
+        <a:font script="Hebr" typeface="Arial"/>
+        <a:font script="Thai" typeface="Cordia New"/>
+        <a:font script="Ethi" typeface="Nyala"/>
+        <a:font script="Beng" typeface="Vrinda"/>
+        <a:font script="Gujr" typeface="Shruti"/>
+        <a:font script="Khmr" typeface="DaunPenh"/>
+        <a:font script="Knda" typeface="Tunga"/>
+        <a:font script="Guru" typeface="Raavi"/>
+        <a:font script="Cans" typeface="Euphemia"/>
+        <a:font script="Cher" typeface="Plantagenet Cherokee"/>
+        <a:font script="Yiii" typeface="Microsoft Yi Baiti"/>
+        <a:font script="Tibt" typeface="Microsoft Himalaya"/>
+        <a:font script="Thaa" typeface="MV Boli"/>
+        <a:font script="Deva" typeface="Mangal"/>
+        <a:font script="Telu" typeface="Gautami"/>
+        <a:font script="Taml" typeface="Latha"/>
+        <a:font script="Syrc" typeface="Estrangelo Edessa"/>
+        <a:font script="Orya" typeface="Kalinga"/>
+        <a:font script="Mlym" typeface="Kartika"/>
+        <a:font script="Laoo" typeface="DokChampa"/>
+        <a:font script="Sinh" typeface="Iskoola Pota"/>
+        <a:font script="Mong" typeface="Mongolian Baiti"/>
+        <a:font script="Viet" typeface="Arial"/>
+        <a:font script="Uigh" typeface="Microsoft Uighur"/>
+        <a:font script="Geor" typeface="Sylfaen"/>
+      </a:minorFont>
+    </a:fontScheme>
+    <a:fmtScheme name="Office">
+      <a:fillStyleLst>
+        <a:solidFill>
+          <a:schemeClr val="phClr"/>
+        </a:solidFill>
+        <a:gradFill rotWithShape="1">
+          <a:gsLst>
+            <a:gs pos="0">
+              <a:schemeClr val="phClr">
+                <a:tint val="50000"/>
+                <a:satMod val="300000"/>
+              </a:schemeClr>
+            </a:gs>
+            <a:gs pos="35000">
+              <a:schemeClr val="phClr">
+                <a:tint val="37000"/>
+                <a:satMod val="300000"/>
+              </a:schemeClr>
+            </a:gs>
+            <a:gs pos="100000">
+              <a:schemeClr val="phClr">
+                <a:tint val="15000"/>
+                <a:satMod val="350000"/>
+              </a:schemeClr>
+            </a:gs>
+          </a:gsLst>
+          <a:lin ang="16200000" scaled="1"/>
+        </a:gradFill>
+        <a:gradFill rotWithShape="1">
+          <a:gsLst>
+            <a:gs pos="0">
+              <a:schemeClr val="phClr">
+                <a:tint val="100000"/>
+                <a:shade val="100000"/>
+                <a:satMod val="130000"/>
+              </a:schemeClr>
+            </a:gs>
+            <a:gs pos="100000">
+              <a:schemeClr val="phClr">
+                <a:tint val="50000"/>
+                <a:shade val="100000"/>
+                <a:satMod val="350000"/>
+              </a:schemeClr>
+            </a:gs>
+          </a:gsLst>
+          <a:lin ang="16200000" scaled="0"/>
+        </a:gradFill>
+      </a:fillStyleLst>
+      <a:lnStyleLst>
+        <a:ln w="9525" cap="flat" cmpd="sng" algn="ctr">
+          <a:solidFill>
+            <a:schemeClr val="phClr">
+              <a:shade val="95000"/>
+              <a:satMod val="105000"/>
+            </a:schemeClr>
+          </a:solidFill>
+          <a:prstDash val="solid"/>
+        </a:ln>
+        <a:ln w="25400" cap="flat" cmpd="sng" algn="ctr">
+          <a:solidFill>
+            <a:schemeClr val="phClr"/>
+          </a:solidFill>
+          <a:prstDash val="solid"/>
+        </a:ln>
+        <a:ln w="38100" cap="flat" cmpd="sng" algn="ctr">
+          <a:solidFill>
+            <a:schemeClr val="phClr"/>
+          </a:solidFill>
+          <a:prstDash val="solid"/>
+        </a:ln>
+      </a:lnStyleLst>
+      <a:effectStyleLst>
+        <a:effectStyle>
+          <a:effectLst>
+            <a:outerShdw blurRad="40000" dist="20000" dir="5400000" rotWithShape="0">
+              <a:srgbClr val="000000">
+                <a:alpha val="38000"/>
+              </a:srgbClr>
+            </a:outerShdw>
+          </a:effectLst>
+        </a:effectStyle>
+        <a:effectStyle>
+          <a:effectLst>
+            <a:outerShdw blurRad="40000" dist="23000" dir="5400000" rotWithShape="0">
+              <a:srgbClr val="000000">
+                <a:alpha val="35000"/>
+              </a:srgbClr>
+            </a:outerShdw>
+          </a:effectLst>
+        </a:effectStyle>
+        <a:effectStyle>
+          <a:effectLst>
+            <a:outerShdw blurRad="40000" dist="23000" dir="5400000" rotWithShape="0">
+              <a:srgbClr val="000000">
+                <a:alpha val="35000"/>
+              </a:srgbClr>
+            </a:outerShdw>
+          </a:effectLst>
+          <a:scene3d>
+            <a:camera prst="orthographicFront">
+              <a:rot lat="0" lon="0" rev="0"/>
+            </a:camera>
+            <a:lightRig rig="threePt" dir="t">
+              <a:rot lat="0" lon="0" rev="1200000"/>
+            </a:lightRig>
+          </a:scene3d>
+          <a:sp3d>
+            <a:bevelT w="63500" h="25400"/>
+          </a:sp3d>
+        </a:effectStyle>
+      </a:effectStyleLst>
+      <a:bgFillStyleLst>
+        <a:solidFill>
+          <a:schemeClr val="phClr"/>
+        </a:solidFill>
+        <a:gradFill rotWithShape="1">
+          <a:gsLst>
+            <a:gs pos="0">
+              <a:schemeClr val="phClr">
+                <a:tint val="40000"/>
+                <a:satMod val="350000"/>
+              </a:schemeClr>
+            </a:gs>
+            <a:gs pos="40000">
+              <a:schemeClr val="phClr">
+                <a:tint val="45000"/>
+                <a:shade val="99000"/>
+                <a:satMod val="350000"/>
+              </a:schemeClr>
+            </a:gs>
+            <a:gs pos="100000">
+              <a:schemeClr val="phClr">
+                <a:shade val="20000"/>
+                <a:satMod val="255000"/>
+              </a:schemeClr>
+            </a:gs>
+          </a:gsLst>
+          <a:path path="circle">
+            <a:fillToRect l="50000" t="-80000" r="50000" b="180000"/>
+          </a:path>
+        </a:gradFill>
+        <a:gradFill rotWithShape="1">
+          <a:gsLst>
+            <a:gs pos="0">
+              <a:schemeClr val="phClr">
+                <a:tint val="80000"/>
+                <a:satMod val="300000"/>
+              </a:schemeClr>
+            </a:gs>
+            <a:gs pos="100000">
+              <a:schemeClr val="phClr">
+                <a:shade val="30000"/>
+                <a:satMod val="200000"/>
+              </a:schemeClr>
+            </a:gs>
+          </a:gsLst>
+          <a:path path="circle">
+            <a:fillToRect l="50000" t="50000" r="50000" b="50000"/>
+          </a:path>
+        </a:gradFill>
+      </a:bgFillStyleLst>
+    </a:fmtScheme>
+  </a:themeElements>
+</a:theme>
+</file>
+
+<file path=ppt/theme/theme2.xml><?xml version="1.0" encoding="utf-8"?>
 <a:theme xmlns:a="http://schemas.openxmlformats.org/drawingml/2006/main" xmlns:r="http://schemas.openxmlformats.org/officeDocument/2006/relationships">
   <a:themeElements>
     <a:clrScheme name="Default">
@@ -11534,283 +12688,4 @@
     </a:fmtScheme>
   </a:themeElements>
 </a:theme>
-</file>
-
-<file path=ppt/theme/theme2.xml><?xml version="1.0" encoding="utf-8"?>
-<a:theme xmlns:a="http://schemas.openxmlformats.org/drawingml/2006/main" xmlns:r="http://schemas.openxmlformats.org/officeDocument/2006/relationships" name="Shift">
-  <a:themeElements>
-    <a:clrScheme name="Shift">
-      <a:dk1>
-        <a:srgbClr val="FFFFFF"/>
-      </a:dk1>
-      <a:lt1>
-        <a:srgbClr val="AF7B51"/>
-      </a:lt1>
-      <a:dk2>
-        <a:srgbClr val="233A44"/>
-      </a:dk2>
-      <a:lt2>
-        <a:srgbClr val="D9D9D9"/>
-      </a:lt2>
-      <a:accent1>
-        <a:srgbClr val="00796B"/>
-      </a:accent1>
-      <a:accent2>
-        <a:srgbClr val="D9563F"/>
-      </a:accent2>
-      <a:accent3>
-        <a:srgbClr val="C4A15A"/>
-      </a:accent3>
-      <a:accent4>
-        <a:srgbClr val="14F597"/>
-      </a:accent4>
-      <a:accent5>
-        <a:srgbClr val="3D4594"/>
-      </a:accent5>
-      <a:accent6>
-        <a:srgbClr val="163EF5"/>
-      </a:accent6>
-      <a:hlink>
-        <a:srgbClr val="3D4594"/>
-      </a:hlink>
-      <a:folHlink>
-        <a:srgbClr val="3D4594"/>
-      </a:folHlink>
-    </a:clrScheme>
-    <a:fontScheme name="Office">
-      <a:majorFont>
-        <a:latin typeface="Arial"/>
-        <a:ea typeface=""/>
-        <a:cs typeface=""/>
-        <a:font script="Jpan" typeface="ＭＳ Ｐゴシック"/>
-        <a:font script="Hang" typeface="맑은 고딕"/>
-        <a:font script="Hans" typeface="宋体"/>
-        <a:font script="Hant" typeface="新細明體"/>
-        <a:font script="Arab" typeface="Times New Roman"/>
-        <a:font script="Hebr" typeface="Times New Roman"/>
-        <a:font script="Thai" typeface="Angsana New"/>
-        <a:font script="Ethi" typeface="Nyala"/>
-        <a:font script="Beng" typeface="Vrinda"/>
-        <a:font script="Gujr" typeface="Shruti"/>
-        <a:font script="Khmr" typeface="MoolBoran"/>
-        <a:font script="Knda" typeface="Tunga"/>
-        <a:font script="Guru" typeface="Raavi"/>
-        <a:font script="Cans" typeface="Euphemia"/>
-        <a:font script="Cher" typeface="Plantagenet Cherokee"/>
-        <a:font script="Yiii" typeface="Microsoft Yi Baiti"/>
-        <a:font script="Tibt" typeface="Microsoft Himalaya"/>
-        <a:font script="Thaa" typeface="MV Boli"/>
-        <a:font script="Deva" typeface="Mangal"/>
-        <a:font script="Telu" typeface="Gautami"/>
-        <a:font script="Taml" typeface="Latha"/>
-        <a:font script="Syrc" typeface="Estrangelo Edessa"/>
-        <a:font script="Orya" typeface="Kalinga"/>
-        <a:font script="Mlym" typeface="Kartika"/>
-        <a:font script="Laoo" typeface="DokChampa"/>
-        <a:font script="Sinh" typeface="Iskoola Pota"/>
-        <a:font script="Mong" typeface="Mongolian Baiti"/>
-        <a:font script="Viet" typeface="Times New Roman"/>
-        <a:font script="Uigh" typeface="Microsoft Uighur"/>
-        <a:font script="Geor" typeface="Sylfaen"/>
-      </a:majorFont>
-      <a:minorFont>
-        <a:latin typeface="Arial"/>
-        <a:ea typeface=""/>
-        <a:cs typeface=""/>
-        <a:font script="Jpan" typeface="ＭＳ Ｐゴシック"/>
-        <a:font script="Hang" typeface="맑은 고딕"/>
-        <a:font script="Hans" typeface="宋体"/>
-        <a:font script="Hant" typeface="新細明體"/>
-        <a:font script="Arab" typeface="Arial"/>
-        <a:font script="Hebr" typeface="Arial"/>
-        <a:font script="Thai" typeface="Cordia New"/>
-        <a:font script="Ethi" typeface="Nyala"/>
-        <a:font script="Beng" typeface="Vrinda"/>
-        <a:font script="Gujr" typeface="Shruti"/>
-        <a:font script="Khmr" typeface="DaunPenh"/>
-        <a:font script="Knda" typeface="Tunga"/>
-        <a:font script="Guru" typeface="Raavi"/>
-        <a:font script="Cans" typeface="Euphemia"/>
-        <a:font script="Cher" typeface="Plantagenet Cherokee"/>
-        <a:font script="Yiii" typeface="Microsoft Yi Baiti"/>
-        <a:font script="Tibt" typeface="Microsoft Himalaya"/>
-        <a:font script="Thaa" typeface="MV Boli"/>
-        <a:font script="Deva" typeface="Mangal"/>
-        <a:font script="Telu" typeface="Gautami"/>
-        <a:font script="Taml" typeface="Latha"/>
-        <a:font script="Syrc" typeface="Estrangelo Edessa"/>
-        <a:font script="Orya" typeface="Kalinga"/>
-        <a:font script="Mlym" typeface="Kartika"/>
-        <a:font script="Laoo" typeface="DokChampa"/>
-        <a:font script="Sinh" typeface="Iskoola Pota"/>
-        <a:font script="Mong" typeface="Mongolian Baiti"/>
-        <a:font script="Viet" typeface="Arial"/>
-        <a:font script="Uigh" typeface="Microsoft Uighur"/>
-        <a:font script="Geor" typeface="Sylfaen"/>
-      </a:minorFont>
-    </a:fontScheme>
-    <a:fmtScheme name="Office">
-      <a:fillStyleLst>
-        <a:solidFill>
-          <a:schemeClr val="phClr"/>
-        </a:solidFill>
-        <a:gradFill rotWithShape="1">
-          <a:gsLst>
-            <a:gs pos="0">
-              <a:schemeClr val="phClr">
-                <a:tint val="50000"/>
-                <a:satMod val="300000"/>
-              </a:schemeClr>
-            </a:gs>
-            <a:gs pos="35000">
-              <a:schemeClr val="phClr">
-                <a:tint val="37000"/>
-                <a:satMod val="300000"/>
-              </a:schemeClr>
-            </a:gs>
-            <a:gs pos="100000">
-              <a:schemeClr val="phClr">
-                <a:tint val="15000"/>
-                <a:satMod val="350000"/>
-              </a:schemeClr>
-            </a:gs>
-          </a:gsLst>
-          <a:lin ang="16200000" scaled="1"/>
-        </a:gradFill>
-        <a:gradFill rotWithShape="1">
-          <a:gsLst>
-            <a:gs pos="0">
-              <a:schemeClr val="phClr">
-                <a:tint val="100000"/>
-                <a:shade val="100000"/>
-                <a:satMod val="130000"/>
-              </a:schemeClr>
-            </a:gs>
-            <a:gs pos="100000">
-              <a:schemeClr val="phClr">
-                <a:tint val="50000"/>
-                <a:shade val="100000"/>
-                <a:satMod val="350000"/>
-              </a:schemeClr>
-            </a:gs>
-          </a:gsLst>
-          <a:lin ang="16200000" scaled="0"/>
-        </a:gradFill>
-      </a:fillStyleLst>
-      <a:lnStyleLst>
-        <a:ln w="9525" cap="flat" cmpd="sng" algn="ctr">
-          <a:solidFill>
-            <a:schemeClr val="phClr">
-              <a:shade val="95000"/>
-              <a:satMod val="105000"/>
-            </a:schemeClr>
-          </a:solidFill>
-          <a:prstDash val="solid"/>
-        </a:ln>
-        <a:ln w="25400" cap="flat" cmpd="sng" algn="ctr">
-          <a:solidFill>
-            <a:schemeClr val="phClr"/>
-          </a:solidFill>
-          <a:prstDash val="solid"/>
-        </a:ln>
-        <a:ln w="38100" cap="flat" cmpd="sng" algn="ctr">
-          <a:solidFill>
-            <a:schemeClr val="phClr"/>
-          </a:solidFill>
-          <a:prstDash val="solid"/>
-        </a:ln>
-      </a:lnStyleLst>
-      <a:effectStyleLst>
-        <a:effectStyle>
-          <a:effectLst>
-            <a:outerShdw blurRad="40000" dist="20000" dir="5400000" rotWithShape="0">
-              <a:srgbClr val="000000">
-                <a:alpha val="38000"/>
-              </a:srgbClr>
-            </a:outerShdw>
-          </a:effectLst>
-        </a:effectStyle>
-        <a:effectStyle>
-          <a:effectLst>
-            <a:outerShdw blurRad="40000" dist="23000" dir="5400000" rotWithShape="0">
-              <a:srgbClr val="000000">
-                <a:alpha val="35000"/>
-              </a:srgbClr>
-            </a:outerShdw>
-          </a:effectLst>
-        </a:effectStyle>
-        <a:effectStyle>
-          <a:effectLst>
-            <a:outerShdw blurRad="40000" dist="23000" dir="5400000" rotWithShape="0">
-              <a:srgbClr val="000000">
-                <a:alpha val="35000"/>
-              </a:srgbClr>
-            </a:outerShdw>
-          </a:effectLst>
-          <a:scene3d>
-            <a:camera prst="orthographicFront">
-              <a:rot lat="0" lon="0" rev="0"/>
-            </a:camera>
-            <a:lightRig rig="threePt" dir="t">
-              <a:rot lat="0" lon="0" rev="1200000"/>
-            </a:lightRig>
-          </a:scene3d>
-          <a:sp3d>
-            <a:bevelT w="63500" h="25400"/>
-          </a:sp3d>
-        </a:effectStyle>
-      </a:effectStyleLst>
-      <a:bgFillStyleLst>
-        <a:solidFill>
-          <a:schemeClr val="phClr"/>
-        </a:solidFill>
-        <a:gradFill rotWithShape="1">
-          <a:gsLst>
-            <a:gs pos="0">
-              <a:schemeClr val="phClr">
-                <a:tint val="40000"/>
-                <a:satMod val="350000"/>
-              </a:schemeClr>
-            </a:gs>
-            <a:gs pos="40000">
-              <a:schemeClr val="phClr">
-                <a:tint val="45000"/>
-                <a:shade val="99000"/>
-                <a:satMod val="350000"/>
-              </a:schemeClr>
-            </a:gs>
-            <a:gs pos="100000">
-              <a:schemeClr val="phClr">
-                <a:shade val="20000"/>
-                <a:satMod val="255000"/>
-              </a:schemeClr>
-            </a:gs>
-          </a:gsLst>
-          <a:path path="circle">
-            <a:fillToRect l="50000" t="-80000" r="50000" b="180000"/>
-          </a:path>
-        </a:gradFill>
-        <a:gradFill rotWithShape="1">
-          <a:gsLst>
-            <a:gs pos="0">
-              <a:schemeClr val="phClr">
-                <a:tint val="80000"/>
-                <a:satMod val="300000"/>
-              </a:schemeClr>
-            </a:gs>
-            <a:gs pos="100000">
-              <a:schemeClr val="phClr">
-                <a:shade val="30000"/>
-                <a:satMod val="200000"/>
-              </a:schemeClr>
-            </a:gs>
-          </a:gsLst>
-          <a:path path="circle">
-            <a:fillToRect l="50000" t="50000" r="50000" b="50000"/>
-          </a:path>
-        </a:gradFill>
-      </a:bgFillStyleLst>
-    </a:fmtScheme>
-  </a:themeElements>
-</a:theme>
 </file>